--- a/doc/pec3.pptx
+++ b/doc/pec3.pptx
@@ -17,16 +17,19 @@
     <p:sldId id="265" r:id="rId11"/>
     <p:sldId id="266" r:id="rId12"/>
     <p:sldId id="267" r:id="rId13"/>
-    <p:sldId id="269" r:id="rId14"/>
-    <p:sldId id="270" r:id="rId15"/>
-    <p:sldId id="268" r:id="rId16"/>
-    <p:sldId id="271" r:id="rId17"/>
-    <p:sldId id="272" r:id="rId18"/>
-    <p:sldId id="273" r:id="rId19"/>
-    <p:sldId id="274" r:id="rId20"/>
-    <p:sldId id="275" r:id="rId21"/>
-    <p:sldId id="276" r:id="rId22"/>
-    <p:sldId id="277" r:id="rId23"/>
+    <p:sldId id="278" r:id="rId14"/>
+    <p:sldId id="279" r:id="rId15"/>
+    <p:sldId id="269" r:id="rId16"/>
+    <p:sldId id="280" r:id="rId17"/>
+    <p:sldId id="270" r:id="rId18"/>
+    <p:sldId id="268" r:id="rId19"/>
+    <p:sldId id="271" r:id="rId20"/>
+    <p:sldId id="272" r:id="rId21"/>
+    <p:sldId id="273" r:id="rId22"/>
+    <p:sldId id="274" r:id="rId23"/>
+    <p:sldId id="275" r:id="rId24"/>
+    <p:sldId id="276" r:id="rId25"/>
+    <p:sldId id="277" r:id="rId26"/>
   </p:sldIdLst>
   <p:sldSz cx="12192000" cy="6858000"/>
   <p:notesSz cx="6858000" cy="9144000"/>
@@ -262,7 +265,7 @@
           <a:p>
             <a:fld id="{1BD4731F-235D-4B72-BD02-1E5F1B5628E9}" type="datetimeFigureOut">
               <a:rPr lang="es-ES" smtClean="0"/>
-              <a:t>11/09/2018</a:t>
+              <a:t>17/09/2018</a:t>
             </a:fld>
             <a:endParaRPr lang="es-ES"/>
           </a:p>
@@ -430,7 +433,7 @@
           <a:p>
             <a:fld id="{1BD4731F-235D-4B72-BD02-1E5F1B5628E9}" type="datetimeFigureOut">
               <a:rPr lang="es-ES" smtClean="0"/>
-              <a:t>11/09/2018</a:t>
+              <a:t>17/09/2018</a:t>
             </a:fld>
             <a:endParaRPr lang="es-ES"/>
           </a:p>
@@ -608,7 +611,7 @@
           <a:p>
             <a:fld id="{1BD4731F-235D-4B72-BD02-1E5F1B5628E9}" type="datetimeFigureOut">
               <a:rPr lang="es-ES" smtClean="0"/>
-              <a:t>11/09/2018</a:t>
+              <a:t>17/09/2018</a:t>
             </a:fld>
             <a:endParaRPr lang="es-ES"/>
           </a:p>
@@ -776,7 +779,7 @@
           <a:p>
             <a:fld id="{1BD4731F-235D-4B72-BD02-1E5F1B5628E9}" type="datetimeFigureOut">
               <a:rPr lang="es-ES" smtClean="0"/>
-              <a:t>11/09/2018</a:t>
+              <a:t>17/09/2018</a:t>
             </a:fld>
             <a:endParaRPr lang="es-ES"/>
           </a:p>
@@ -1021,7 +1024,7 @@
           <a:p>
             <a:fld id="{1BD4731F-235D-4B72-BD02-1E5F1B5628E9}" type="datetimeFigureOut">
               <a:rPr lang="es-ES" smtClean="0"/>
-              <a:t>11/09/2018</a:t>
+              <a:t>17/09/2018</a:t>
             </a:fld>
             <a:endParaRPr lang="es-ES"/>
           </a:p>
@@ -1250,7 +1253,7 @@
           <a:p>
             <a:fld id="{1BD4731F-235D-4B72-BD02-1E5F1B5628E9}" type="datetimeFigureOut">
               <a:rPr lang="es-ES" smtClean="0"/>
-              <a:t>11/09/2018</a:t>
+              <a:t>17/09/2018</a:t>
             </a:fld>
             <a:endParaRPr lang="es-ES"/>
           </a:p>
@@ -1614,7 +1617,7 @@
           <a:p>
             <a:fld id="{1BD4731F-235D-4B72-BD02-1E5F1B5628E9}" type="datetimeFigureOut">
               <a:rPr lang="es-ES" smtClean="0"/>
-              <a:t>11/09/2018</a:t>
+              <a:t>17/09/2018</a:t>
             </a:fld>
             <a:endParaRPr lang="es-ES"/>
           </a:p>
@@ -1731,7 +1734,7 @@
           <a:p>
             <a:fld id="{1BD4731F-235D-4B72-BD02-1E5F1B5628E9}" type="datetimeFigureOut">
               <a:rPr lang="es-ES" smtClean="0"/>
-              <a:t>11/09/2018</a:t>
+              <a:t>17/09/2018</a:t>
             </a:fld>
             <a:endParaRPr lang="es-ES"/>
           </a:p>
@@ -1826,7 +1829,7 @@
           <a:p>
             <a:fld id="{1BD4731F-235D-4B72-BD02-1E5F1B5628E9}" type="datetimeFigureOut">
               <a:rPr lang="es-ES" smtClean="0"/>
-              <a:t>11/09/2018</a:t>
+              <a:t>17/09/2018</a:t>
             </a:fld>
             <a:endParaRPr lang="es-ES"/>
           </a:p>
@@ -2101,7 +2104,7 @@
           <a:p>
             <a:fld id="{1BD4731F-235D-4B72-BD02-1E5F1B5628E9}" type="datetimeFigureOut">
               <a:rPr lang="es-ES" smtClean="0"/>
-              <a:t>11/09/2018</a:t>
+              <a:t>17/09/2018</a:t>
             </a:fld>
             <a:endParaRPr lang="es-ES"/>
           </a:p>
@@ -2353,7 +2356,7 @@
           <a:p>
             <a:fld id="{1BD4731F-235D-4B72-BD02-1E5F1B5628E9}" type="datetimeFigureOut">
               <a:rPr lang="es-ES" smtClean="0"/>
-              <a:t>11/09/2018</a:t>
+              <a:t>17/09/2018</a:t>
             </a:fld>
             <a:endParaRPr lang="es-ES"/>
           </a:p>
@@ -2564,7 +2567,7 @@
           <a:p>
             <a:fld id="{1BD4731F-235D-4B72-BD02-1E5F1B5628E9}" type="datetimeFigureOut">
               <a:rPr lang="es-ES" smtClean="0"/>
-              <a:t>11/09/2018</a:t>
+              <a:t>17/09/2018</a:t>
             </a:fld>
             <a:endParaRPr lang="es-ES"/>
           </a:p>
@@ -3358,7 +3361,7 @@
         <p:spPr>
           <a:xfrm>
             <a:off x="7894055" y="5299968"/>
-            <a:ext cx="2381678" cy="369332"/>
+            <a:ext cx="2442272" cy="369332"/>
           </a:xfrm>
           <a:prstGeom prst="rect">
             <a:avLst/>
@@ -3373,7 +3376,7 @@
           <a:p>
             <a:r>
               <a:rPr lang="es-ES" dirty="0"/>
-              <a:t>Se importa los servicios</a:t>
+              <a:t>Se declaran los servicios</a:t>
             </a:r>
           </a:p>
         </p:txBody>
@@ -3897,6 +3900,75 @@
           </a:prstGeom>
         </p:spPr>
       </p:pic>
+      <p:pic>
+        <p:nvPicPr>
+          <p:cNvPr id="3" name="Imagen 2">
+            <a:extLst>
+              <a:ext uri="{FF2B5EF4-FFF2-40B4-BE49-F238E27FC236}">
+                <a16:creationId xmlns:a16="http://schemas.microsoft.com/office/drawing/2014/main" id="{A05AF018-3A11-4167-B812-8701AF0C4A8E}"/>
+              </a:ext>
+            </a:extLst>
+          </p:cNvPr>
+          <p:cNvPicPr>
+            <a:picLocks noChangeAspect="1"/>
+          </p:cNvPicPr>
+          <p:nvPr/>
+        </p:nvPicPr>
+        <p:blipFill>
+          <a:blip r:embed="rId5"/>
+          <a:stretch>
+            <a:fillRect/>
+          </a:stretch>
+        </p:blipFill>
+        <p:spPr>
+          <a:xfrm>
+            <a:off x="10196335" y="3564092"/>
+            <a:ext cx="1628775" cy="1581150"/>
+          </a:xfrm>
+          <a:prstGeom prst="rect">
+            <a:avLst/>
+          </a:prstGeom>
+        </p:spPr>
+      </p:pic>
+      <p:cxnSp>
+        <p:nvCxnSpPr>
+          <p:cNvPr id="11" name="Conector recto de flecha 10">
+            <a:extLst>
+              <a:ext uri="{FF2B5EF4-FFF2-40B4-BE49-F238E27FC236}">
+                <a16:creationId xmlns:a16="http://schemas.microsoft.com/office/drawing/2014/main" id="{457D7E69-1F03-4804-82BD-A95226460174}"/>
+              </a:ext>
+            </a:extLst>
+          </p:cNvPr>
+          <p:cNvCxnSpPr/>
+          <p:nvPr/>
+        </p:nvCxnSpPr>
+        <p:spPr>
+          <a:xfrm>
+            <a:off x="1453662" y="2907323"/>
+            <a:ext cx="1266092" cy="1172308"/>
+          </a:xfrm>
+          <a:prstGeom prst="straightConnector1">
+            <a:avLst/>
+          </a:prstGeom>
+          <a:ln>
+            <a:tailEnd type="triangle"/>
+          </a:ln>
+        </p:spPr>
+        <p:style>
+          <a:lnRef idx="1">
+            <a:schemeClr val="accent1"/>
+          </a:lnRef>
+          <a:fillRef idx="0">
+            <a:schemeClr val="accent1"/>
+          </a:fillRef>
+          <a:effectRef idx="0">
+            <a:schemeClr val="accent1"/>
+          </a:effectRef>
+          <a:fontRef idx="minor">
+            <a:schemeClr val="tx1"/>
+          </a:fontRef>
+        </p:style>
+      </p:cxnSp>
     </p:spTree>
     <p:extLst>
       <p:ext uri="{BB962C8B-B14F-4D97-AF65-F5344CB8AC3E}">
@@ -3927,96 +3999,532 @@
           <a:chExt cx="0" cy="0"/>
         </a:xfrm>
       </p:grpSpPr>
-      <p:sp>
-        <p:nvSpPr>
-          <p:cNvPr id="2" name="Título 1"/>
-          <p:cNvSpPr>
-            <a:spLocks noGrp="1"/>
-          </p:cNvSpPr>
-          <p:nvPr>
-            <p:ph type="title"/>
-          </p:nvPr>
-        </p:nvSpPr>
-        <p:spPr/>
-        <p:txBody>
-          <a:bodyPr/>
-          <a:lstStyle/>
-          <a:p>
-            <a:r>
-              <a:rPr lang="es-ES" dirty="0"/>
-              <a:t>*</a:t>
-            </a:r>
+      <p:pic>
+        <p:nvPicPr>
+          <p:cNvPr id="4" name="Imagen 3">
+            <a:extLst>
+              <a:ext uri="{FF2B5EF4-FFF2-40B4-BE49-F238E27FC236}">
+                <a16:creationId xmlns:a16="http://schemas.microsoft.com/office/drawing/2014/main" id="{9109EF88-4E57-4F2F-B864-7FDA28B49867}"/>
+              </a:ext>
+            </a:extLst>
+          </p:cNvPr>
+          <p:cNvPicPr>
+            <a:picLocks noChangeAspect="1"/>
+          </p:cNvPicPr>
+          <p:nvPr/>
+        </p:nvPicPr>
+        <p:blipFill>
+          <a:blip r:embed="rId2"/>
+          <a:stretch>
+            <a:fillRect/>
+          </a:stretch>
+        </p:blipFill>
+        <p:spPr>
+          <a:xfrm>
+            <a:off x="93104" y="229941"/>
+            <a:ext cx="6858000" cy="1609725"/>
+          </a:xfrm>
+          <a:prstGeom prst="rect">
+            <a:avLst/>
+          </a:prstGeom>
+        </p:spPr>
+      </p:pic>
+      <p:pic>
+        <p:nvPicPr>
+          <p:cNvPr id="5" name="Imagen 4">
+            <a:extLst>
+              <a:ext uri="{FF2B5EF4-FFF2-40B4-BE49-F238E27FC236}">
+                <a16:creationId xmlns:a16="http://schemas.microsoft.com/office/drawing/2014/main" id="{1424E471-679F-4ED8-98C2-13A2AB90C7DE}"/>
+              </a:ext>
+            </a:extLst>
+          </p:cNvPr>
+          <p:cNvPicPr>
+            <a:picLocks noChangeAspect="1"/>
+          </p:cNvPicPr>
+          <p:nvPr/>
+        </p:nvPicPr>
+        <p:blipFill>
+          <a:blip r:embed="rId3"/>
+          <a:stretch>
+            <a:fillRect/>
+          </a:stretch>
+        </p:blipFill>
+        <p:spPr>
+          <a:xfrm>
+            <a:off x="5607660" y="291954"/>
+            <a:ext cx="6389077" cy="3971925"/>
+          </a:xfrm>
+          <a:prstGeom prst="rect">
+            <a:avLst/>
+          </a:prstGeom>
+        </p:spPr>
+      </p:pic>
+      <p:pic>
+        <p:nvPicPr>
+          <p:cNvPr id="6" name="Imagen 5">
+            <a:extLst>
+              <a:ext uri="{FF2B5EF4-FFF2-40B4-BE49-F238E27FC236}">
+                <a16:creationId xmlns:a16="http://schemas.microsoft.com/office/drawing/2014/main" id="{68D77348-8D0A-4D3A-BD46-7F3CBE694702}"/>
+              </a:ext>
+            </a:extLst>
+          </p:cNvPr>
+          <p:cNvPicPr>
+            <a:picLocks noChangeAspect="1"/>
+          </p:cNvPicPr>
+          <p:nvPr/>
+        </p:nvPicPr>
+        <p:blipFill>
+          <a:blip r:embed="rId4"/>
+          <a:stretch>
+            <a:fillRect/>
+          </a:stretch>
+        </p:blipFill>
+        <p:spPr>
+          <a:xfrm>
+            <a:off x="9022629" y="2929384"/>
+            <a:ext cx="2752725" cy="1019175"/>
+          </a:xfrm>
+          <a:prstGeom prst="rect">
+            <a:avLst/>
+          </a:prstGeom>
+        </p:spPr>
+        <p:style>
+          <a:lnRef idx="2">
+            <a:schemeClr val="accent1"/>
+          </a:lnRef>
+          <a:fillRef idx="1">
+            <a:schemeClr val="lt1"/>
+          </a:fillRef>
+          <a:effectRef idx="0">
+            <a:schemeClr val="accent1"/>
+          </a:effectRef>
+          <a:fontRef idx="minor">
+            <a:schemeClr val="dk1"/>
+          </a:fontRef>
+        </p:style>
+      </p:pic>
+      <p:pic>
+        <p:nvPicPr>
+          <p:cNvPr id="7" name="Imagen 6">
+            <a:extLst>
+              <a:ext uri="{FF2B5EF4-FFF2-40B4-BE49-F238E27FC236}">
+                <a16:creationId xmlns:a16="http://schemas.microsoft.com/office/drawing/2014/main" id="{430BC751-FA10-4839-A22C-BC6B57F10748}"/>
+              </a:ext>
+            </a:extLst>
+          </p:cNvPr>
+          <p:cNvPicPr>
+            <a:picLocks noChangeAspect="1"/>
+          </p:cNvPicPr>
+          <p:nvPr/>
+        </p:nvPicPr>
+        <p:blipFill>
+          <a:blip r:embed="rId5"/>
+          <a:stretch>
+            <a:fillRect/>
+          </a:stretch>
+        </p:blipFill>
+        <p:spPr>
+          <a:xfrm>
+            <a:off x="4764954" y="4301533"/>
+            <a:ext cx="7010400" cy="2143125"/>
+          </a:xfrm>
+          <a:prstGeom prst="rect">
+            <a:avLst/>
+          </a:prstGeom>
+        </p:spPr>
+      </p:pic>
+      <p:pic>
+        <p:nvPicPr>
+          <p:cNvPr id="10" name="Imagen 9">
+            <a:extLst>
+              <a:ext uri="{FF2B5EF4-FFF2-40B4-BE49-F238E27FC236}">
+                <a16:creationId xmlns:a16="http://schemas.microsoft.com/office/drawing/2014/main" id="{5F157FD0-5402-4367-8647-8C5BEE0C1017}"/>
+              </a:ext>
+            </a:extLst>
+          </p:cNvPr>
+          <p:cNvPicPr>
+            <a:picLocks noChangeAspect="1"/>
+          </p:cNvPicPr>
+          <p:nvPr/>
+        </p:nvPicPr>
+        <p:blipFill>
+          <a:blip r:embed="rId6"/>
+          <a:stretch>
+            <a:fillRect/>
+          </a:stretch>
+        </p:blipFill>
+        <p:spPr>
+          <a:xfrm>
+            <a:off x="195263" y="3003571"/>
+            <a:ext cx="3867150" cy="609600"/>
+          </a:xfrm>
+          <a:prstGeom prst="rect">
+            <a:avLst/>
+          </a:prstGeom>
+        </p:spPr>
+      </p:pic>
+      <p:pic>
+        <p:nvPicPr>
+          <p:cNvPr id="11" name="Imagen 10">
+            <a:extLst>
+              <a:ext uri="{FF2B5EF4-FFF2-40B4-BE49-F238E27FC236}">
+                <a16:creationId xmlns:a16="http://schemas.microsoft.com/office/drawing/2014/main" id="{E080A3F7-ED91-4091-9D70-A1AB3E788727}"/>
+              </a:ext>
+            </a:extLst>
+          </p:cNvPr>
+          <p:cNvPicPr>
+            <a:picLocks noChangeAspect="1"/>
+          </p:cNvPicPr>
+          <p:nvPr/>
+        </p:nvPicPr>
+        <p:blipFill>
+          <a:blip r:embed="rId7"/>
+          <a:stretch>
+            <a:fillRect/>
+          </a:stretch>
+        </p:blipFill>
+        <p:spPr>
+          <a:xfrm>
+            <a:off x="195263" y="4283948"/>
+            <a:ext cx="1381125" cy="266700"/>
+          </a:xfrm>
+          <a:prstGeom prst="rect">
+            <a:avLst/>
+          </a:prstGeom>
+        </p:spPr>
+      </p:pic>
+      <p:sp>
+        <p:nvSpPr>
+          <p:cNvPr id="12" name="CuadroTexto 11">
+            <a:extLst>
+              <a:ext uri="{FF2B5EF4-FFF2-40B4-BE49-F238E27FC236}">
+                <a16:creationId xmlns:a16="http://schemas.microsoft.com/office/drawing/2014/main" id="{9309F903-C010-4DAA-9BF3-F0639975970A}"/>
+              </a:ext>
+            </a:extLst>
+          </p:cNvPr>
+          <p:cNvSpPr txBox="1"/>
+          <p:nvPr/>
+        </p:nvSpPr>
+        <p:spPr>
+          <a:xfrm>
+            <a:off x="8802198" y="5685692"/>
+            <a:ext cx="1337226" cy="369332"/>
+          </a:xfrm>
+          <a:prstGeom prst="rect">
+            <a:avLst/>
+          </a:prstGeom>
+        </p:spPr>
+        <p:style>
+          <a:lnRef idx="2">
+            <a:schemeClr val="dk1"/>
+          </a:lnRef>
+          <a:fillRef idx="1">
+            <a:schemeClr val="lt1"/>
+          </a:fillRef>
+          <a:effectRef idx="0">
+            <a:schemeClr val="dk1"/>
+          </a:effectRef>
+          <a:fontRef idx="minor">
+            <a:schemeClr val="dk1"/>
+          </a:fontRef>
+        </p:style>
+        <p:txBody>
+          <a:bodyPr wrap="none" rtlCol="0">
+            <a:spAutoFit/>
+          </a:bodyPr>
+          <a:lstStyle/>
+          <a:p>
             <a:r>
               <a:rPr lang="es-ES" dirty="0" err="1"/>
-              <a:t>ngIf</a:t>
-            </a:r>
-            <a:r>
-              <a:rPr lang="es-ES" dirty="0"/>
-              <a:t> *</a:t>
-            </a:r>
-            <a:r>
-              <a:rPr lang="es-ES" dirty="0" err="1"/>
-              <a:t>ngFor</a:t>
-            </a:r>
-            <a:r>
-              <a:rPr lang="es-ES" dirty="0"/>
-              <a:t> evento (</a:t>
-            </a:r>
-            <a:r>
-              <a:rPr lang="es-ES" dirty="0" err="1"/>
-              <a:t>click</a:t>
-            </a:r>
-            <a:r>
-              <a:rPr lang="es-ES" dirty="0"/>
-              <a:t>), </a:t>
-            </a:r>
-            <a:r>
-              <a:rPr lang="es-ES" dirty="0" err="1"/>
-              <a:t>properties</a:t>
-            </a:r>
-            <a:endParaRPr lang="es-ES" dirty="0"/>
-          </a:p>
-        </p:txBody>
-      </p:sp>
-      <p:sp>
-        <p:nvSpPr>
-          <p:cNvPr id="3" name="Marcador de contenido 2"/>
-          <p:cNvSpPr>
-            <a:spLocks noGrp="1"/>
-          </p:cNvSpPr>
-          <p:nvPr>
-            <p:ph idx="1"/>
-          </p:nvPr>
-        </p:nvSpPr>
-        <p:spPr/>
-        <p:txBody>
-          <a:bodyPr/>
-          <a:lstStyle/>
-          <a:p>
-            <a:r>
-              <a:rPr lang="es-ES" dirty="0"/>
-              <a:t>Creamos componentes con</a:t>
-            </a:r>
-          </a:p>
-          <a:p>
-            <a:pPr lvl="1"/>
-            <a:r>
-              <a:rPr lang="es-ES" dirty="0" err="1">
-                <a:latin typeface="Consolas" panose="020B0609020204030204" pitchFamily="49" charset="0"/>
-              </a:rPr>
-              <a:t>ng</a:t>
-            </a:r>
-            <a:r>
-              <a:rPr lang="es-ES" dirty="0">
-                <a:latin typeface="Consolas" panose="020B0609020204030204" pitchFamily="49" charset="0"/>
-              </a:rPr>
-              <a:t>  g c clientes/pedido</a:t>
-            </a:r>
-          </a:p>
-          <a:p>
-            <a:endParaRPr lang="es-ES" dirty="0">
-              <a:latin typeface="Consolas" panose="020B0609020204030204" pitchFamily="49" charset="0"/>
-            </a:endParaRPr>
+              <a:t>App.module</a:t>
+            </a:r>
+            <a:endParaRPr lang="en-GB" dirty="0"/>
+          </a:p>
+        </p:txBody>
+      </p:sp>
+      <p:sp>
+        <p:nvSpPr>
+          <p:cNvPr id="13" name="CuadroTexto 12">
+            <a:extLst>
+              <a:ext uri="{FF2B5EF4-FFF2-40B4-BE49-F238E27FC236}">
+                <a16:creationId xmlns:a16="http://schemas.microsoft.com/office/drawing/2014/main" id="{F0A898F9-5E39-48E9-99B7-5EF127DC5A8F}"/>
+              </a:ext>
+            </a:extLst>
+          </p:cNvPr>
+          <p:cNvSpPr txBox="1"/>
+          <p:nvPr/>
+        </p:nvSpPr>
+        <p:spPr>
+          <a:xfrm>
+            <a:off x="2725187" y="3579227"/>
+            <a:ext cx="2167838" cy="369332"/>
+          </a:xfrm>
+          <a:prstGeom prst="rect">
+            <a:avLst/>
+          </a:prstGeom>
+        </p:spPr>
+        <p:style>
+          <a:lnRef idx="2">
+            <a:schemeClr val="dk1"/>
+          </a:lnRef>
+          <a:fillRef idx="1">
+            <a:schemeClr val="lt1"/>
+          </a:fillRef>
+          <a:effectRef idx="0">
+            <a:schemeClr val="dk1"/>
+          </a:effectRef>
+          <a:fontRef idx="minor">
+            <a:schemeClr val="dk1"/>
+          </a:fontRef>
+        </p:style>
+        <p:txBody>
+          <a:bodyPr wrap="none" rtlCol="0">
+            <a:spAutoFit/>
+          </a:bodyPr>
+          <a:lstStyle/>
+          <a:p>
+            <a:r>
+              <a:rPr lang="es-ES" dirty="0"/>
+              <a:t>app.component.html</a:t>
+            </a:r>
+            <a:endParaRPr lang="en-GB" dirty="0"/>
+          </a:p>
+        </p:txBody>
+      </p:sp>
+      <p:sp>
+        <p:nvSpPr>
+          <p:cNvPr id="14" name="CuadroTexto 13">
+            <a:extLst>
+              <a:ext uri="{FF2B5EF4-FFF2-40B4-BE49-F238E27FC236}">
+                <a16:creationId xmlns:a16="http://schemas.microsoft.com/office/drawing/2014/main" id="{DE698AAD-B433-4AEF-88BD-3107334D604A}"/>
+              </a:ext>
+            </a:extLst>
+          </p:cNvPr>
+          <p:cNvSpPr txBox="1"/>
+          <p:nvPr/>
+        </p:nvSpPr>
+        <p:spPr>
+          <a:xfrm>
+            <a:off x="1894575" y="5501026"/>
+            <a:ext cx="1169744" cy="369332"/>
+          </a:xfrm>
+          <a:prstGeom prst="rect">
+            <a:avLst/>
+          </a:prstGeom>
+        </p:spPr>
+        <p:style>
+          <a:lnRef idx="2">
+            <a:schemeClr val="dk1"/>
+          </a:lnRef>
+          <a:fillRef idx="1">
+            <a:schemeClr val="lt1"/>
+          </a:fillRef>
+          <a:effectRef idx="0">
+            <a:schemeClr val="dk1"/>
+          </a:effectRef>
+          <a:fontRef idx="minor">
+            <a:schemeClr val="dk1"/>
+          </a:fontRef>
+        </p:style>
+        <p:txBody>
+          <a:bodyPr wrap="none" rtlCol="0">
+            <a:spAutoFit/>
+          </a:bodyPr>
+          <a:lstStyle/>
+          <a:p>
+            <a:r>
+              <a:rPr lang="es-ES" dirty="0"/>
+              <a:t>navegador</a:t>
+            </a:r>
+            <a:endParaRPr lang="en-GB" dirty="0"/>
+          </a:p>
+        </p:txBody>
+      </p:sp>
+      <p:cxnSp>
+        <p:nvCxnSpPr>
+          <p:cNvPr id="16" name="Conector recto de flecha 15">
+            <a:extLst>
+              <a:ext uri="{FF2B5EF4-FFF2-40B4-BE49-F238E27FC236}">
+                <a16:creationId xmlns:a16="http://schemas.microsoft.com/office/drawing/2014/main" id="{9D0899BD-DCAA-4C96-9877-F975F28313FD}"/>
+              </a:ext>
+            </a:extLst>
+          </p:cNvPr>
+          <p:cNvCxnSpPr>
+            <a:endCxn id="11" idx="2"/>
+          </p:cNvCxnSpPr>
+          <p:nvPr/>
+        </p:nvCxnSpPr>
+        <p:spPr>
+          <a:xfrm flipH="1" flipV="1">
+            <a:off x="885826" y="4550648"/>
+            <a:ext cx="1368276" cy="957017"/>
+          </a:xfrm>
+          <a:prstGeom prst="straightConnector1">
+            <a:avLst/>
+          </a:prstGeom>
+          <a:ln>
+            <a:tailEnd type="triangle"/>
+          </a:ln>
+        </p:spPr>
+        <p:style>
+          <a:lnRef idx="1">
+            <a:schemeClr val="accent1"/>
+          </a:lnRef>
+          <a:fillRef idx="0">
+            <a:schemeClr val="accent1"/>
+          </a:fillRef>
+          <a:effectRef idx="0">
+            <a:schemeClr val="accent1"/>
+          </a:effectRef>
+          <a:fontRef idx="minor">
+            <a:schemeClr val="tx1"/>
+          </a:fontRef>
+        </p:style>
+      </p:cxnSp>
+      <p:sp>
+        <p:nvSpPr>
+          <p:cNvPr id="18" name="CuadroTexto 17">
+            <a:extLst>
+              <a:ext uri="{FF2B5EF4-FFF2-40B4-BE49-F238E27FC236}">
+                <a16:creationId xmlns:a16="http://schemas.microsoft.com/office/drawing/2014/main" id="{7BA7B0D5-B9A2-4876-9245-DF606B473B3D}"/>
+              </a:ext>
+            </a:extLst>
+          </p:cNvPr>
+          <p:cNvSpPr txBox="1"/>
+          <p:nvPr/>
+        </p:nvSpPr>
+        <p:spPr>
+          <a:xfrm>
+            <a:off x="9299908" y="3706851"/>
+            <a:ext cx="2696829" cy="369332"/>
+          </a:xfrm>
+          <a:prstGeom prst="rect">
+            <a:avLst/>
+          </a:prstGeom>
+        </p:spPr>
+        <p:style>
+          <a:lnRef idx="2">
+            <a:schemeClr val="dk1"/>
+          </a:lnRef>
+          <a:fillRef idx="1">
+            <a:schemeClr val="lt1"/>
+          </a:fillRef>
+          <a:effectRef idx="0">
+            <a:schemeClr val="dk1"/>
+          </a:effectRef>
+          <a:fontRef idx="minor">
+            <a:schemeClr val="dk1"/>
+          </a:fontRef>
+        </p:style>
+        <p:txBody>
+          <a:bodyPr wrap="none" rtlCol="0">
+            <a:spAutoFit/>
+          </a:bodyPr>
+          <a:lstStyle/>
+          <a:p>
+            <a:r>
+              <a:rPr lang="es-ES" dirty="0"/>
+              <a:t>ejemplo1.component.html</a:t>
+            </a:r>
+            <a:endParaRPr lang="en-GB" dirty="0"/>
+          </a:p>
+        </p:txBody>
+      </p:sp>
+      <p:sp>
+        <p:nvSpPr>
+          <p:cNvPr id="19" name="CuadroTexto 18">
+            <a:extLst>
+              <a:ext uri="{FF2B5EF4-FFF2-40B4-BE49-F238E27FC236}">
+                <a16:creationId xmlns:a16="http://schemas.microsoft.com/office/drawing/2014/main" id="{047C8AEA-B8DE-40C8-B7BF-BB85F376C08E}"/>
+              </a:ext>
+            </a:extLst>
+          </p:cNvPr>
+          <p:cNvSpPr txBox="1"/>
+          <p:nvPr/>
+        </p:nvSpPr>
+        <p:spPr>
+          <a:xfrm>
+            <a:off x="6122599" y="3712994"/>
+            <a:ext cx="2424703" cy="369332"/>
+          </a:xfrm>
+          <a:prstGeom prst="rect">
+            <a:avLst/>
+          </a:prstGeom>
+        </p:spPr>
+        <p:style>
+          <a:lnRef idx="2">
+            <a:schemeClr val="dk1"/>
+          </a:lnRef>
+          <a:fillRef idx="1">
+            <a:schemeClr val="lt1"/>
+          </a:fillRef>
+          <a:effectRef idx="0">
+            <a:schemeClr val="dk1"/>
+          </a:effectRef>
+          <a:fontRef idx="minor">
+            <a:schemeClr val="dk1"/>
+          </a:fontRef>
+        </p:style>
+        <p:txBody>
+          <a:bodyPr wrap="none" rtlCol="0">
+            <a:spAutoFit/>
+          </a:bodyPr>
+          <a:lstStyle/>
+          <a:p>
+            <a:r>
+              <a:rPr lang="es-ES" dirty="0"/>
+              <a:t>ejemplo1.component.ts</a:t>
+            </a:r>
+            <a:endParaRPr lang="en-GB" dirty="0"/>
+          </a:p>
+        </p:txBody>
+      </p:sp>
+      <p:sp>
+        <p:nvSpPr>
+          <p:cNvPr id="20" name="CuadroTexto 19">
+            <a:extLst>
+              <a:ext uri="{FF2B5EF4-FFF2-40B4-BE49-F238E27FC236}">
+                <a16:creationId xmlns:a16="http://schemas.microsoft.com/office/drawing/2014/main" id="{07CBA305-475C-435E-94A6-CF80B786E745}"/>
+              </a:ext>
+            </a:extLst>
+          </p:cNvPr>
+          <p:cNvSpPr txBox="1"/>
+          <p:nvPr/>
+        </p:nvSpPr>
+        <p:spPr>
+          <a:xfrm>
+            <a:off x="175162" y="6273377"/>
+            <a:ext cx="4262449" cy="461665"/>
+          </a:xfrm>
+          <a:prstGeom prst="rect">
+            <a:avLst/>
+          </a:prstGeom>
+        </p:spPr>
+        <p:style>
+          <a:lnRef idx="2">
+            <a:schemeClr val="accent1"/>
+          </a:lnRef>
+          <a:fillRef idx="1">
+            <a:schemeClr val="lt1"/>
+          </a:fillRef>
+          <a:effectRef idx="0">
+            <a:schemeClr val="accent1"/>
+          </a:effectRef>
+          <a:fontRef idx="minor">
+            <a:schemeClr val="dk1"/>
+          </a:fontRef>
+        </p:style>
+        <p:txBody>
+          <a:bodyPr wrap="none" rtlCol="0">
+            <a:spAutoFit/>
+          </a:bodyPr>
+          <a:lstStyle/>
+          <a:p>
+            <a:r>
+              <a:rPr lang="es-ES" sz="2400" dirty="0"/>
+              <a:t>CREACION DE UN COMPONENTE</a:t>
+            </a:r>
+            <a:endParaRPr lang="en-GB" sz="2400" dirty="0"/>
           </a:p>
         </p:txBody>
       </p:sp>
@@ -4050,6 +4558,535 @@
           <a:chExt cx="0" cy="0"/>
         </a:xfrm>
       </p:grpSpPr>
+      <p:pic>
+        <p:nvPicPr>
+          <p:cNvPr id="4" name="Imagen 3">
+            <a:extLst>
+              <a:ext uri="{FF2B5EF4-FFF2-40B4-BE49-F238E27FC236}">
+                <a16:creationId xmlns:a16="http://schemas.microsoft.com/office/drawing/2014/main" id="{AAF1F5F4-ED22-4DD4-AA01-4623E3418B14}"/>
+              </a:ext>
+            </a:extLst>
+          </p:cNvPr>
+          <p:cNvPicPr>
+            <a:picLocks noChangeAspect="1"/>
+          </p:cNvPicPr>
+          <p:nvPr/>
+        </p:nvPicPr>
+        <p:blipFill>
+          <a:blip r:embed="rId2"/>
+          <a:stretch>
+            <a:fillRect/>
+          </a:stretch>
+        </p:blipFill>
+        <p:spPr>
+          <a:xfrm>
+            <a:off x="231164" y="771891"/>
+            <a:ext cx="4086225" cy="2828925"/>
+          </a:xfrm>
+          <a:prstGeom prst="rect">
+            <a:avLst/>
+          </a:prstGeom>
+        </p:spPr>
+      </p:pic>
+      <p:pic>
+        <p:nvPicPr>
+          <p:cNvPr id="5" name="Imagen 4">
+            <a:extLst>
+              <a:ext uri="{FF2B5EF4-FFF2-40B4-BE49-F238E27FC236}">
+                <a16:creationId xmlns:a16="http://schemas.microsoft.com/office/drawing/2014/main" id="{89D54BB0-B24B-407B-B157-36BE45D34EBB}"/>
+              </a:ext>
+            </a:extLst>
+          </p:cNvPr>
+          <p:cNvPicPr>
+            <a:picLocks noChangeAspect="1"/>
+          </p:cNvPicPr>
+          <p:nvPr/>
+        </p:nvPicPr>
+        <p:blipFill>
+          <a:blip r:embed="rId3"/>
+          <a:stretch>
+            <a:fillRect/>
+          </a:stretch>
+        </p:blipFill>
+        <p:spPr>
+          <a:xfrm>
+            <a:off x="4821481" y="852853"/>
+            <a:ext cx="5667375" cy="2667000"/>
+          </a:xfrm>
+          <a:prstGeom prst="rect">
+            <a:avLst/>
+          </a:prstGeom>
+        </p:spPr>
+      </p:pic>
+      <p:sp>
+        <p:nvSpPr>
+          <p:cNvPr id="6" name="CuadroTexto 5">
+            <a:extLst>
+              <a:ext uri="{FF2B5EF4-FFF2-40B4-BE49-F238E27FC236}">
+                <a16:creationId xmlns:a16="http://schemas.microsoft.com/office/drawing/2014/main" id="{EC849060-AD32-4CBB-BBB4-62C71B53E1AB}"/>
+              </a:ext>
+            </a:extLst>
+          </p:cNvPr>
+          <p:cNvSpPr txBox="1"/>
+          <p:nvPr/>
+        </p:nvSpPr>
+        <p:spPr>
+          <a:xfrm>
+            <a:off x="7561385" y="3176954"/>
+            <a:ext cx="2421497" cy="369332"/>
+          </a:xfrm>
+          <a:prstGeom prst="rect">
+            <a:avLst/>
+          </a:prstGeom>
+        </p:spPr>
+        <p:style>
+          <a:lnRef idx="2">
+            <a:schemeClr val="dk1"/>
+          </a:lnRef>
+          <a:fillRef idx="1">
+            <a:schemeClr val="lt1"/>
+          </a:fillRef>
+          <a:effectRef idx="0">
+            <a:schemeClr val="dk1"/>
+          </a:effectRef>
+          <a:fontRef idx="minor">
+            <a:schemeClr val="dk1"/>
+          </a:fontRef>
+        </p:style>
+        <p:txBody>
+          <a:bodyPr wrap="none" rtlCol="0">
+            <a:spAutoFit/>
+          </a:bodyPr>
+          <a:lstStyle/>
+          <a:p>
+            <a:r>
+              <a:rPr lang="es-ES" dirty="0"/>
+              <a:t>Ejemplo1.component.ts</a:t>
+            </a:r>
+          </a:p>
+        </p:txBody>
+      </p:sp>
+      <p:pic>
+        <p:nvPicPr>
+          <p:cNvPr id="7" name="Imagen 6">
+            <a:extLst>
+              <a:ext uri="{FF2B5EF4-FFF2-40B4-BE49-F238E27FC236}">
+                <a16:creationId xmlns:a16="http://schemas.microsoft.com/office/drawing/2014/main" id="{23C8EC0E-696A-48A2-BABD-BC696D932482}"/>
+              </a:ext>
+            </a:extLst>
+          </p:cNvPr>
+          <p:cNvPicPr>
+            <a:picLocks noChangeAspect="1"/>
+          </p:cNvPicPr>
+          <p:nvPr/>
+        </p:nvPicPr>
+        <p:blipFill>
+          <a:blip r:embed="rId4"/>
+          <a:stretch>
+            <a:fillRect/>
+          </a:stretch>
+        </p:blipFill>
+        <p:spPr>
+          <a:xfrm>
+            <a:off x="432288" y="4085492"/>
+            <a:ext cx="5067300" cy="1828800"/>
+          </a:xfrm>
+          <a:prstGeom prst="rect">
+            <a:avLst/>
+          </a:prstGeom>
+        </p:spPr>
+      </p:pic>
+      <p:pic>
+        <p:nvPicPr>
+          <p:cNvPr id="8" name="Imagen 7">
+            <a:extLst>
+              <a:ext uri="{FF2B5EF4-FFF2-40B4-BE49-F238E27FC236}">
+                <a16:creationId xmlns:a16="http://schemas.microsoft.com/office/drawing/2014/main" id="{3C5A503B-0E67-4FF2-9C22-2890E8E2785E}"/>
+              </a:ext>
+            </a:extLst>
+          </p:cNvPr>
+          <p:cNvPicPr>
+            <a:picLocks noChangeAspect="1"/>
+          </p:cNvPicPr>
+          <p:nvPr/>
+        </p:nvPicPr>
+        <p:blipFill>
+          <a:blip r:embed="rId5"/>
+          <a:stretch>
+            <a:fillRect/>
+          </a:stretch>
+        </p:blipFill>
+        <p:spPr>
+          <a:xfrm>
+            <a:off x="6692414" y="3782158"/>
+            <a:ext cx="4572000" cy="3162300"/>
+          </a:xfrm>
+          <a:prstGeom prst="rect">
+            <a:avLst/>
+          </a:prstGeom>
+        </p:spPr>
+      </p:pic>
+      <p:sp>
+        <p:nvSpPr>
+          <p:cNvPr id="9" name="CuadroTexto 8">
+            <a:extLst>
+              <a:ext uri="{FF2B5EF4-FFF2-40B4-BE49-F238E27FC236}">
+                <a16:creationId xmlns:a16="http://schemas.microsoft.com/office/drawing/2014/main" id="{8DD9F4AB-3E95-426B-9853-78355D30497B}"/>
+              </a:ext>
+            </a:extLst>
+          </p:cNvPr>
+          <p:cNvSpPr txBox="1"/>
+          <p:nvPr/>
+        </p:nvSpPr>
+        <p:spPr>
+          <a:xfrm>
+            <a:off x="7972510" y="6488668"/>
+            <a:ext cx="2334422" cy="369332"/>
+          </a:xfrm>
+          <a:prstGeom prst="rect">
+            <a:avLst/>
+          </a:prstGeom>
+        </p:spPr>
+        <p:style>
+          <a:lnRef idx="2">
+            <a:schemeClr val="dk1"/>
+          </a:lnRef>
+          <a:fillRef idx="1">
+            <a:schemeClr val="lt1"/>
+          </a:fillRef>
+          <a:effectRef idx="0">
+            <a:schemeClr val="dk1"/>
+          </a:effectRef>
+          <a:fontRef idx="minor">
+            <a:schemeClr val="dk1"/>
+          </a:fontRef>
+        </p:style>
+        <p:txBody>
+          <a:bodyPr wrap="none" rtlCol="0">
+            <a:spAutoFit/>
+          </a:bodyPr>
+          <a:lstStyle/>
+          <a:p>
+            <a:r>
+              <a:rPr lang="es-ES" dirty="0"/>
+              <a:t>Si quisiéramos ordenar</a:t>
+            </a:r>
+            <a:endParaRPr lang="en-GB" dirty="0"/>
+          </a:p>
+        </p:txBody>
+      </p:sp>
+      <p:sp>
+        <p:nvSpPr>
+          <p:cNvPr id="10" name="CuadroTexto 9">
+            <a:extLst>
+              <a:ext uri="{FF2B5EF4-FFF2-40B4-BE49-F238E27FC236}">
+                <a16:creationId xmlns:a16="http://schemas.microsoft.com/office/drawing/2014/main" id="{879D979A-228F-4199-9DC7-4CD986B2800C}"/>
+              </a:ext>
+            </a:extLst>
+          </p:cNvPr>
+          <p:cNvSpPr txBox="1"/>
+          <p:nvPr/>
+        </p:nvSpPr>
+        <p:spPr>
+          <a:xfrm>
+            <a:off x="10678195" y="125560"/>
+            <a:ext cx="1172437" cy="646331"/>
+          </a:xfrm>
+          <a:prstGeom prst="rect">
+            <a:avLst/>
+          </a:prstGeom>
+          <a:noFill/>
+        </p:spPr>
+        <p:txBody>
+          <a:bodyPr wrap="none" rtlCol="0">
+            <a:spAutoFit/>
+          </a:bodyPr>
+          <a:lstStyle/>
+          <a:p>
+            <a:r>
+              <a:rPr lang="es-ES" sz="3600" dirty="0"/>
+              <a:t>SORT</a:t>
+            </a:r>
+            <a:endParaRPr lang="en-GB" sz="3600" dirty="0"/>
+          </a:p>
+        </p:txBody>
+      </p:sp>
+    </p:spTree>
+    <p:extLst>
+      <p:ext uri="{BB962C8B-B14F-4D97-AF65-F5344CB8AC3E}">
+        <p14:creationId xmlns:p14="http://schemas.microsoft.com/office/powerpoint/2010/main" val="3564728066"/>
+      </p:ext>
+    </p:extLst>
+  </p:cSld>
+  <p:clrMapOvr>
+    <a:masterClrMapping/>
+  </p:clrMapOvr>
+</p:sld>
+</file>
+
+<file path=ppt/slides/slide14.xml><?xml version="1.0" encoding="utf-8"?>
+<p:sld xmlns:a="http://schemas.openxmlformats.org/drawingml/2006/main" xmlns:r="http://schemas.openxmlformats.org/officeDocument/2006/relationships" xmlns:p="http://schemas.openxmlformats.org/presentationml/2006/main">
+  <p:cSld>
+    <p:spTree>
+      <p:nvGrpSpPr>
+        <p:cNvPr id="1" name=""/>
+        <p:cNvGrpSpPr/>
+        <p:nvPr/>
+      </p:nvGrpSpPr>
+      <p:grpSpPr>
+        <a:xfrm>
+          <a:off x="0" y="0"/>
+          <a:ext cx="0" cy="0"/>
+          <a:chOff x="0" y="0"/>
+          <a:chExt cx="0" cy="0"/>
+        </a:xfrm>
+      </p:grpSpPr>
+      <p:pic>
+        <p:nvPicPr>
+          <p:cNvPr id="4" name="Imagen 3">
+            <a:extLst>
+              <a:ext uri="{FF2B5EF4-FFF2-40B4-BE49-F238E27FC236}">
+                <a16:creationId xmlns:a16="http://schemas.microsoft.com/office/drawing/2014/main" id="{3EDC64A5-60D8-4B47-AB95-8F9156F786FF}"/>
+              </a:ext>
+            </a:extLst>
+          </p:cNvPr>
+          <p:cNvPicPr>
+            <a:picLocks noChangeAspect="1"/>
+          </p:cNvPicPr>
+          <p:nvPr/>
+        </p:nvPicPr>
+        <p:blipFill>
+          <a:blip r:embed="rId2"/>
+          <a:stretch>
+            <a:fillRect/>
+          </a:stretch>
+        </p:blipFill>
+        <p:spPr>
+          <a:xfrm>
+            <a:off x="304800" y="295275"/>
+            <a:ext cx="5791200" cy="3133725"/>
+          </a:xfrm>
+          <a:prstGeom prst="rect">
+            <a:avLst/>
+          </a:prstGeom>
+        </p:spPr>
+      </p:pic>
+      <p:pic>
+        <p:nvPicPr>
+          <p:cNvPr id="5" name="Imagen 4">
+            <a:extLst>
+              <a:ext uri="{FF2B5EF4-FFF2-40B4-BE49-F238E27FC236}">
+                <a16:creationId xmlns:a16="http://schemas.microsoft.com/office/drawing/2014/main" id="{716D4FE7-0D0C-4200-AF25-29D179D96418}"/>
+              </a:ext>
+            </a:extLst>
+          </p:cNvPr>
+          <p:cNvPicPr>
+            <a:picLocks noChangeAspect="1"/>
+          </p:cNvPicPr>
+          <p:nvPr/>
+        </p:nvPicPr>
+        <p:blipFill>
+          <a:blip r:embed="rId3"/>
+          <a:stretch>
+            <a:fillRect/>
+          </a:stretch>
+        </p:blipFill>
+        <p:spPr>
+          <a:xfrm>
+            <a:off x="304800" y="4062626"/>
+            <a:ext cx="8896350" cy="952500"/>
+          </a:xfrm>
+          <a:prstGeom prst="rect">
+            <a:avLst/>
+          </a:prstGeom>
+        </p:spPr>
+      </p:pic>
+      <p:pic>
+        <p:nvPicPr>
+          <p:cNvPr id="6" name="Imagen 5">
+            <a:extLst>
+              <a:ext uri="{FF2B5EF4-FFF2-40B4-BE49-F238E27FC236}">
+                <a16:creationId xmlns:a16="http://schemas.microsoft.com/office/drawing/2014/main" id="{EDFBFC26-5AE0-46C6-8BE2-01D09FACC850}"/>
+              </a:ext>
+            </a:extLst>
+          </p:cNvPr>
+          <p:cNvPicPr>
+            <a:picLocks noChangeAspect="1"/>
+          </p:cNvPicPr>
+          <p:nvPr/>
+        </p:nvPicPr>
+        <p:blipFill>
+          <a:blip r:embed="rId4"/>
+          <a:stretch>
+            <a:fillRect/>
+          </a:stretch>
+        </p:blipFill>
+        <p:spPr>
+          <a:xfrm>
+            <a:off x="304800" y="5404704"/>
+            <a:ext cx="5257800" cy="1323975"/>
+          </a:xfrm>
+          <a:prstGeom prst="rect">
+            <a:avLst/>
+          </a:prstGeom>
+        </p:spPr>
+      </p:pic>
+      <p:sp>
+        <p:nvSpPr>
+          <p:cNvPr id="8" name="CuadroTexto 7">
+            <a:extLst>
+              <a:ext uri="{FF2B5EF4-FFF2-40B4-BE49-F238E27FC236}">
+                <a16:creationId xmlns:a16="http://schemas.microsoft.com/office/drawing/2014/main" id="{58CC9172-985A-416E-9148-5B20A9E1B047}"/>
+              </a:ext>
+            </a:extLst>
+          </p:cNvPr>
+          <p:cNvSpPr txBox="1"/>
+          <p:nvPr/>
+        </p:nvSpPr>
+        <p:spPr>
+          <a:xfrm>
+            <a:off x="10441172" y="110609"/>
+            <a:ext cx="1373966" cy="646331"/>
+          </a:xfrm>
+          <a:prstGeom prst="rect">
+            <a:avLst/>
+          </a:prstGeom>
+          <a:noFill/>
+        </p:spPr>
+        <p:txBody>
+          <a:bodyPr wrap="none" rtlCol="0">
+            <a:spAutoFit/>
+          </a:bodyPr>
+          <a:lstStyle/>
+          <a:p>
+            <a:r>
+              <a:rPr lang="es-ES" sz="3600" dirty="0"/>
+              <a:t>FILTER</a:t>
+            </a:r>
+            <a:endParaRPr lang="en-GB" sz="3600" dirty="0"/>
+          </a:p>
+        </p:txBody>
+      </p:sp>
+      <p:pic>
+        <p:nvPicPr>
+          <p:cNvPr id="9" name="Imagen 8">
+            <a:extLst>
+              <a:ext uri="{FF2B5EF4-FFF2-40B4-BE49-F238E27FC236}">
+                <a16:creationId xmlns:a16="http://schemas.microsoft.com/office/drawing/2014/main" id="{7D856DB9-1A21-434C-A61D-6B4DFCD0C3B6}"/>
+              </a:ext>
+            </a:extLst>
+          </p:cNvPr>
+          <p:cNvPicPr>
+            <a:picLocks noChangeAspect="1"/>
+          </p:cNvPicPr>
+          <p:nvPr/>
+        </p:nvPicPr>
+        <p:blipFill>
+          <a:blip r:embed="rId5"/>
+          <a:stretch>
+            <a:fillRect/>
+          </a:stretch>
+        </p:blipFill>
+        <p:spPr>
+          <a:xfrm>
+            <a:off x="6612181" y="1195303"/>
+            <a:ext cx="4829175" cy="390525"/>
+          </a:xfrm>
+          <a:prstGeom prst="rect">
+            <a:avLst/>
+          </a:prstGeom>
+        </p:spPr>
+      </p:pic>
+      <p:pic>
+        <p:nvPicPr>
+          <p:cNvPr id="10" name="Imagen 9">
+            <a:extLst>
+              <a:ext uri="{FF2B5EF4-FFF2-40B4-BE49-F238E27FC236}">
+                <a16:creationId xmlns:a16="http://schemas.microsoft.com/office/drawing/2014/main" id="{98330E8B-3862-4641-A17D-FDAD57A3B8EA}"/>
+              </a:ext>
+            </a:extLst>
+          </p:cNvPr>
+          <p:cNvPicPr>
+            <a:picLocks noChangeAspect="1"/>
+          </p:cNvPicPr>
+          <p:nvPr/>
+        </p:nvPicPr>
+        <p:blipFill>
+          <a:blip r:embed="rId6"/>
+          <a:stretch>
+            <a:fillRect/>
+          </a:stretch>
+        </p:blipFill>
+        <p:spPr>
+          <a:xfrm>
+            <a:off x="6612181" y="1833627"/>
+            <a:ext cx="4752975" cy="1981200"/>
+          </a:xfrm>
+          <a:prstGeom prst="rect">
+            <a:avLst/>
+          </a:prstGeom>
+        </p:spPr>
+      </p:pic>
+      <p:pic>
+        <p:nvPicPr>
+          <p:cNvPr id="11" name="Imagen 10">
+            <a:extLst>
+              <a:ext uri="{FF2B5EF4-FFF2-40B4-BE49-F238E27FC236}">
+                <a16:creationId xmlns:a16="http://schemas.microsoft.com/office/drawing/2014/main" id="{5BECD709-1C1A-424D-B95E-8C0A8C45DABB}"/>
+              </a:ext>
+            </a:extLst>
+          </p:cNvPr>
+          <p:cNvPicPr>
+            <a:picLocks noChangeAspect="1"/>
+          </p:cNvPicPr>
+          <p:nvPr/>
+        </p:nvPicPr>
+        <p:blipFill>
+          <a:blip r:embed="rId7"/>
+          <a:stretch>
+            <a:fillRect/>
+          </a:stretch>
+        </p:blipFill>
+        <p:spPr>
+          <a:xfrm>
+            <a:off x="304800" y="5043227"/>
+            <a:ext cx="3124200" cy="333375"/>
+          </a:xfrm>
+          <a:prstGeom prst="rect">
+            <a:avLst/>
+          </a:prstGeom>
+        </p:spPr>
+      </p:pic>
+    </p:spTree>
+    <p:extLst>
+      <p:ext uri="{BB962C8B-B14F-4D97-AF65-F5344CB8AC3E}">
+        <p14:creationId xmlns:p14="http://schemas.microsoft.com/office/powerpoint/2010/main" val="1191314092"/>
+      </p:ext>
+    </p:extLst>
+  </p:cSld>
+  <p:clrMapOvr>
+    <a:masterClrMapping/>
+  </p:clrMapOvr>
+</p:sld>
+</file>
+
+<file path=ppt/slides/slide15.xml><?xml version="1.0" encoding="utf-8"?>
+<p:sld xmlns:a="http://schemas.openxmlformats.org/drawingml/2006/main" xmlns:r="http://schemas.openxmlformats.org/officeDocument/2006/relationships" xmlns:p="http://schemas.openxmlformats.org/presentationml/2006/main">
+  <p:cSld>
+    <p:spTree>
+      <p:nvGrpSpPr>
+        <p:cNvPr id="1" name=""/>
+        <p:cNvGrpSpPr/>
+        <p:nvPr/>
+      </p:nvGrpSpPr>
+      <p:grpSpPr>
+        <a:xfrm>
+          <a:off x="0" y="0"/>
+          <a:ext cx="0" cy="0"/>
+          <a:chOff x="0" y="0"/>
+          <a:chExt cx="0" cy="0"/>
+        </a:xfrm>
+      </p:grpSpPr>
       <p:sp>
         <p:nvSpPr>
           <p:cNvPr id="2" name="Título 1"/>
@@ -4328,169 +5365,6 @@
 </p:sld>
 </file>
 
-<file path=ppt/slides/slide14.xml><?xml version="1.0" encoding="utf-8"?>
-<p:sld xmlns:a="http://schemas.openxmlformats.org/drawingml/2006/main" xmlns:r="http://schemas.openxmlformats.org/officeDocument/2006/relationships" xmlns:p="http://schemas.openxmlformats.org/presentationml/2006/main">
-  <p:cSld>
-    <p:spTree>
-      <p:nvGrpSpPr>
-        <p:cNvPr id="1" name=""/>
-        <p:cNvGrpSpPr/>
-        <p:nvPr/>
-      </p:nvGrpSpPr>
-      <p:grpSpPr>
-        <a:xfrm>
-          <a:off x="0" y="0"/>
-          <a:ext cx="0" cy="0"/>
-          <a:chOff x="0" y="0"/>
-          <a:chExt cx="0" cy="0"/>
-        </a:xfrm>
-      </p:grpSpPr>
-      <p:sp>
-        <p:nvSpPr>
-          <p:cNvPr id="2" name="Título 1"/>
-          <p:cNvSpPr>
-            <a:spLocks noGrp="1"/>
-          </p:cNvSpPr>
-          <p:nvPr>
-            <p:ph type="title"/>
-          </p:nvPr>
-        </p:nvSpPr>
-        <p:spPr/>
-        <p:txBody>
-          <a:bodyPr/>
-          <a:lstStyle/>
-          <a:p>
-            <a:r>
-              <a:rPr lang="es-ES" dirty="0"/>
-              <a:t>Ejercicio</a:t>
-            </a:r>
-          </a:p>
-        </p:txBody>
-      </p:sp>
-      <p:sp>
-        <p:nvSpPr>
-          <p:cNvPr id="3" name="Marcador de contenido 2"/>
-          <p:cNvSpPr>
-            <a:spLocks noGrp="1"/>
-          </p:cNvSpPr>
-          <p:nvPr>
-            <p:ph idx="1"/>
-          </p:nvPr>
-        </p:nvSpPr>
-        <p:spPr/>
-        <p:txBody>
-          <a:bodyPr/>
-          <a:lstStyle/>
-          <a:p>
-            <a:r>
-              <a:rPr lang="es-ES" dirty="0"/>
-              <a:t>Implementar un sistema de i18n dentro de la una directiva</a:t>
-            </a:r>
-          </a:p>
-          <a:p>
-            <a:pPr lvl="1"/>
-            <a:r>
-              <a:rPr lang="es-ES" dirty="0"/>
-              <a:t>Creamos la directiva</a:t>
-            </a:r>
-          </a:p>
-          <a:p>
-            <a:pPr lvl="1"/>
-            <a:endParaRPr lang="es-ES" dirty="0"/>
-          </a:p>
-        </p:txBody>
-      </p:sp>
-    </p:spTree>
-    <p:extLst>
-      <p:ext uri="{BB962C8B-B14F-4D97-AF65-F5344CB8AC3E}">
-        <p14:creationId xmlns:p14="http://schemas.microsoft.com/office/powerpoint/2010/main" val="975720002"/>
-      </p:ext>
-    </p:extLst>
-  </p:cSld>
-  <p:clrMapOvr>
-    <a:masterClrMapping/>
-  </p:clrMapOvr>
-</p:sld>
-</file>
-
-<file path=ppt/slides/slide15.xml><?xml version="1.0" encoding="utf-8"?>
-<p:sld xmlns:a="http://schemas.openxmlformats.org/drawingml/2006/main" xmlns:r="http://schemas.openxmlformats.org/officeDocument/2006/relationships" xmlns:p="http://schemas.openxmlformats.org/presentationml/2006/main">
-  <p:cSld>
-    <p:spTree>
-      <p:nvGrpSpPr>
-        <p:cNvPr id="1" name=""/>
-        <p:cNvGrpSpPr/>
-        <p:nvPr/>
-      </p:nvGrpSpPr>
-      <p:grpSpPr>
-        <a:xfrm>
-          <a:off x="0" y="0"/>
-          <a:ext cx="0" cy="0"/>
-          <a:chOff x="0" y="0"/>
-          <a:chExt cx="0" cy="0"/>
-        </a:xfrm>
-      </p:grpSpPr>
-      <p:sp>
-        <p:nvSpPr>
-          <p:cNvPr id="2" name="Título 1"/>
-          <p:cNvSpPr>
-            <a:spLocks noGrp="1"/>
-          </p:cNvSpPr>
-          <p:nvPr>
-            <p:ph type="title"/>
-          </p:nvPr>
-        </p:nvSpPr>
-        <p:spPr/>
-        <p:txBody>
-          <a:bodyPr/>
-          <a:lstStyle/>
-          <a:p>
-            <a:r>
-              <a:rPr lang="es-ES" dirty="0"/>
-              <a:t>Pipe</a:t>
-            </a:r>
-          </a:p>
-        </p:txBody>
-      </p:sp>
-      <p:sp>
-        <p:nvSpPr>
-          <p:cNvPr id="3" name="Marcador de contenido 2"/>
-          <p:cNvSpPr>
-            <a:spLocks noGrp="1"/>
-          </p:cNvSpPr>
-          <p:nvPr>
-            <p:ph idx="1"/>
-          </p:nvPr>
-        </p:nvSpPr>
-        <p:spPr/>
-        <p:txBody>
-          <a:bodyPr/>
-          <a:lstStyle/>
-          <a:p>
-            <a:r>
-              <a:rPr lang="es-ES" dirty="0" err="1"/>
-              <a:t>ng</a:t>
-            </a:r>
-            <a:r>
-              <a:rPr lang="es-ES" dirty="0"/>
-              <a:t> g pipe nombre</a:t>
-            </a:r>
-          </a:p>
-        </p:txBody>
-      </p:sp>
-    </p:spTree>
-    <p:extLst>
-      <p:ext uri="{BB962C8B-B14F-4D97-AF65-F5344CB8AC3E}">
-        <p14:creationId xmlns:p14="http://schemas.microsoft.com/office/powerpoint/2010/main" val="396167931"/>
-      </p:ext>
-    </p:extLst>
-  </p:cSld>
-  <p:clrMapOvr>
-    <a:masterClrMapping/>
-  </p:clrMapOvr>
-</p:sld>
-</file>
-
 <file path=ppt/slides/slide16.xml><?xml version="1.0" encoding="utf-8"?>
 <p:sld xmlns:a="http://schemas.openxmlformats.org/drawingml/2006/main" xmlns:r="http://schemas.openxmlformats.org/officeDocument/2006/relationships" xmlns:p="http://schemas.openxmlformats.org/presentationml/2006/main">
   <p:cSld>
@@ -4508,521 +5382,10 @@
           <a:chExt cx="0" cy="0"/>
         </a:xfrm>
       </p:grpSpPr>
-      <p:sp>
-        <p:nvSpPr>
-          <p:cNvPr id="2" name="Título 1"/>
-          <p:cNvSpPr>
-            <a:spLocks noGrp="1"/>
-          </p:cNvSpPr>
-          <p:nvPr>
-            <p:ph type="title"/>
-          </p:nvPr>
-        </p:nvSpPr>
-        <p:spPr>
-          <a:xfrm>
-            <a:off x="209026" y="162004"/>
-            <a:ext cx="10515600" cy="995678"/>
-          </a:xfrm>
-        </p:spPr>
-        <p:txBody>
-          <a:bodyPr/>
-          <a:lstStyle/>
-          <a:p>
-            <a:r>
-              <a:rPr lang="es-ES" dirty="0" err="1"/>
-              <a:t>HttpClient</a:t>
-            </a:r>
-            <a:endParaRPr lang="es-ES" dirty="0"/>
-          </a:p>
-        </p:txBody>
-      </p:sp>
-      <p:pic>
-        <p:nvPicPr>
-          <p:cNvPr id="5" name="Imagen 4"/>
-          <p:cNvPicPr>
-            <a:picLocks noChangeAspect="1"/>
-          </p:cNvPicPr>
-          <p:nvPr/>
-        </p:nvPicPr>
-        <p:blipFill>
-          <a:blip r:embed="rId2"/>
-          <a:stretch>
-            <a:fillRect/>
-          </a:stretch>
-        </p:blipFill>
-        <p:spPr>
-          <a:xfrm>
-            <a:off x="272250" y="1370119"/>
-            <a:ext cx="7000000" cy="4190476"/>
-          </a:xfrm>
-          <a:prstGeom prst="rect">
-            <a:avLst/>
-          </a:prstGeom>
-        </p:spPr>
-      </p:pic>
-      <p:sp>
-        <p:nvSpPr>
-          <p:cNvPr id="6" name="CuadroTexto 5"/>
-          <p:cNvSpPr txBox="1"/>
-          <p:nvPr/>
-        </p:nvSpPr>
-        <p:spPr>
-          <a:xfrm>
-            <a:off x="7623440" y="1047880"/>
-            <a:ext cx="4118115" cy="2031325"/>
-          </a:xfrm>
-          <a:prstGeom prst="rect">
-            <a:avLst/>
-          </a:prstGeom>
-          <a:noFill/>
-        </p:spPr>
-        <p:txBody>
-          <a:bodyPr wrap="none" rtlCol="0">
-            <a:spAutoFit/>
-          </a:bodyPr>
-          <a:lstStyle/>
-          <a:p>
-            <a:r>
-              <a:rPr lang="es-ES" dirty="0"/>
-              <a:t>Importación</a:t>
-            </a:r>
-          </a:p>
-          <a:p>
-            <a:endParaRPr lang="es-ES" dirty="0"/>
-          </a:p>
-          <a:p>
-            <a:endParaRPr lang="es-ES" dirty="0"/>
-          </a:p>
-          <a:p>
-            <a:r>
-              <a:rPr lang="es-ES" dirty="0"/>
-              <a:t>Declaración</a:t>
-            </a:r>
-          </a:p>
-          <a:p>
-            <a:endParaRPr lang="es-ES" dirty="0"/>
-          </a:p>
-          <a:p>
-            <a:r>
-              <a:rPr lang="es-ES" dirty="0"/>
-              <a:t>Importación de la clase e inyección en el c</a:t>
-            </a:r>
-          </a:p>
-          <a:p>
-            <a:r>
-              <a:rPr lang="es-ES" dirty="0"/>
-              <a:t>constructor</a:t>
-            </a:r>
-          </a:p>
-        </p:txBody>
-      </p:sp>
-      <p:cxnSp>
-        <p:nvCxnSpPr>
-          <p:cNvPr id="8" name="Conector recto de flecha 7"/>
-          <p:cNvCxnSpPr/>
-          <p:nvPr/>
-        </p:nvCxnSpPr>
-        <p:spPr>
-          <a:xfrm flipH="1">
-            <a:off x="2332140" y="1276821"/>
-            <a:ext cx="5291300" cy="543738"/>
-          </a:xfrm>
-          <a:prstGeom prst="straightConnector1">
-            <a:avLst/>
-          </a:prstGeom>
-          <a:ln>
-            <a:tailEnd type="triangle"/>
-          </a:ln>
-        </p:spPr>
-        <p:style>
-          <a:lnRef idx="1">
-            <a:schemeClr val="accent1"/>
-          </a:lnRef>
-          <a:fillRef idx="0">
-            <a:schemeClr val="accent1"/>
-          </a:fillRef>
-          <a:effectRef idx="0">
-            <a:schemeClr val="accent1"/>
-          </a:effectRef>
-          <a:fontRef idx="minor">
-            <a:schemeClr val="tx1"/>
-          </a:fontRef>
-        </p:style>
-      </p:cxnSp>
-      <p:cxnSp>
-        <p:nvCxnSpPr>
-          <p:cNvPr id="10" name="Conector recto de flecha 9"/>
-          <p:cNvCxnSpPr>
-            <a:stCxn id="6" idx="1"/>
-          </p:cNvCxnSpPr>
-          <p:nvPr/>
-        </p:nvCxnSpPr>
-        <p:spPr>
-          <a:xfrm flipH="1">
-            <a:off x="2902592" y="2063543"/>
-            <a:ext cx="4720848" cy="3011796"/>
-          </a:xfrm>
-          <a:prstGeom prst="straightConnector1">
-            <a:avLst/>
-          </a:prstGeom>
-          <a:ln>
-            <a:tailEnd type="triangle"/>
-          </a:ln>
-        </p:spPr>
-        <p:style>
-          <a:lnRef idx="1">
-            <a:schemeClr val="accent1"/>
-          </a:lnRef>
-          <a:fillRef idx="0">
-            <a:schemeClr val="accent1"/>
-          </a:fillRef>
-          <a:effectRef idx="0">
-            <a:schemeClr val="accent1"/>
-          </a:effectRef>
-          <a:fontRef idx="minor">
-            <a:schemeClr val="tx1"/>
-          </a:fontRef>
-        </p:style>
-      </p:cxnSp>
-      <p:pic>
-        <p:nvPicPr>
-          <p:cNvPr id="13" name="Imagen 12"/>
-          <p:cNvPicPr>
-            <a:picLocks noChangeAspect="1"/>
-          </p:cNvPicPr>
-          <p:nvPr/>
-        </p:nvPicPr>
-        <p:blipFill>
-          <a:blip r:embed="rId3"/>
-          <a:stretch>
-            <a:fillRect/>
-          </a:stretch>
-        </p:blipFill>
-        <p:spPr>
-          <a:xfrm>
-            <a:off x="6877714" y="3465357"/>
-            <a:ext cx="5314286" cy="2457143"/>
-          </a:xfrm>
-          <a:prstGeom prst="rect">
-            <a:avLst/>
-          </a:prstGeom>
-        </p:spPr>
-      </p:pic>
-      <p:pic>
-        <p:nvPicPr>
-          <p:cNvPr id="18" name="Imagen 17"/>
-          <p:cNvPicPr>
-            <a:picLocks noChangeAspect="1"/>
-          </p:cNvPicPr>
-          <p:nvPr/>
-        </p:nvPicPr>
-        <p:blipFill>
-          <a:blip r:embed="rId4"/>
-          <a:stretch>
-            <a:fillRect/>
-          </a:stretch>
-        </p:blipFill>
-        <p:spPr>
-          <a:xfrm>
-            <a:off x="6877714" y="6011034"/>
-            <a:ext cx="4409524" cy="752381"/>
-          </a:xfrm>
-          <a:prstGeom prst="rect">
-            <a:avLst/>
-          </a:prstGeom>
-        </p:spPr>
-      </p:pic>
-      <p:cxnSp>
-        <p:nvCxnSpPr>
-          <p:cNvPr id="22" name="Conector recto de flecha 21"/>
-          <p:cNvCxnSpPr>
-            <a:endCxn id="18" idx="1"/>
-          </p:cNvCxnSpPr>
-          <p:nvPr/>
-        </p:nvCxnSpPr>
-        <p:spPr>
-          <a:xfrm>
-            <a:off x="5075693" y="5879829"/>
-            <a:ext cx="1802021" cy="507396"/>
-          </a:xfrm>
-          <a:prstGeom prst="straightConnector1">
-            <a:avLst/>
-          </a:prstGeom>
-          <a:ln>
-            <a:tailEnd type="triangle"/>
-          </a:ln>
-        </p:spPr>
-        <p:style>
-          <a:lnRef idx="1">
-            <a:schemeClr val="accent1"/>
-          </a:lnRef>
-          <a:fillRef idx="0">
-            <a:schemeClr val="accent1"/>
-          </a:fillRef>
-          <a:effectRef idx="0">
-            <a:schemeClr val="accent1"/>
-          </a:effectRef>
-          <a:fontRef idx="minor">
-            <a:schemeClr val="tx1"/>
-          </a:fontRef>
-        </p:style>
-      </p:cxnSp>
-      <p:sp>
-        <p:nvSpPr>
-          <p:cNvPr id="23" name="CuadroTexto 22"/>
-          <p:cNvSpPr txBox="1"/>
-          <p:nvPr/>
-        </p:nvSpPr>
-        <p:spPr>
-          <a:xfrm>
-            <a:off x="2838806" y="5567454"/>
-            <a:ext cx="2309928" cy="369332"/>
-          </a:xfrm>
-          <a:prstGeom prst="rect">
-            <a:avLst/>
-          </a:prstGeom>
-          <a:noFill/>
-        </p:spPr>
-        <p:txBody>
-          <a:bodyPr wrap="none" rtlCol="0">
-            <a:spAutoFit/>
-          </a:bodyPr>
-          <a:lstStyle/>
-          <a:p>
-            <a:r>
-              <a:rPr lang="es-ES" dirty="0"/>
-              <a:t>Retorna un observable</a:t>
-            </a:r>
-          </a:p>
-        </p:txBody>
-      </p:sp>
-      <p:cxnSp>
-        <p:nvCxnSpPr>
-          <p:cNvPr id="25" name="Conector recto de flecha 24"/>
-          <p:cNvCxnSpPr/>
-          <p:nvPr/>
-        </p:nvCxnSpPr>
-        <p:spPr>
-          <a:xfrm flipH="1">
-            <a:off x="8095376" y="2659310"/>
-            <a:ext cx="184558" cy="806047"/>
-          </a:xfrm>
-          <a:prstGeom prst="straightConnector1">
-            <a:avLst/>
-          </a:prstGeom>
-          <a:ln>
-            <a:tailEnd type="triangle"/>
-          </a:ln>
-        </p:spPr>
-        <p:style>
-          <a:lnRef idx="1">
-            <a:schemeClr val="accent1"/>
-          </a:lnRef>
-          <a:fillRef idx="0">
-            <a:schemeClr val="accent1"/>
-          </a:fillRef>
-          <a:effectRef idx="0">
-            <a:schemeClr val="accent1"/>
-          </a:effectRef>
-          <a:fontRef idx="minor">
-            <a:schemeClr val="tx1"/>
-          </a:fontRef>
-        </p:style>
-      </p:cxnSp>
-      <p:cxnSp>
-        <p:nvCxnSpPr>
-          <p:cNvPr id="27" name="Conector recto de flecha 26"/>
-          <p:cNvCxnSpPr/>
-          <p:nvPr/>
-        </p:nvCxnSpPr>
-        <p:spPr>
-          <a:xfrm flipH="1">
-            <a:off x="9378892" y="2692866"/>
-            <a:ext cx="1283515" cy="2256639"/>
-          </a:xfrm>
-          <a:prstGeom prst="straightConnector1">
-            <a:avLst/>
-          </a:prstGeom>
-          <a:ln>
-            <a:tailEnd type="triangle"/>
-          </a:ln>
-        </p:spPr>
-        <p:style>
-          <a:lnRef idx="1">
-            <a:schemeClr val="accent1"/>
-          </a:lnRef>
-          <a:fillRef idx="0">
-            <a:schemeClr val="accent1"/>
-          </a:fillRef>
-          <a:effectRef idx="0">
-            <a:schemeClr val="accent1"/>
-          </a:effectRef>
-          <a:fontRef idx="minor">
-            <a:schemeClr val="tx1"/>
-          </a:fontRef>
-        </p:style>
-      </p:cxnSp>
-      <p:pic>
-        <p:nvPicPr>
-          <p:cNvPr id="28" name="Imagen 27"/>
-          <p:cNvPicPr>
-            <a:picLocks noChangeAspect="1"/>
-          </p:cNvPicPr>
-          <p:nvPr/>
-        </p:nvPicPr>
-        <p:blipFill>
-          <a:blip r:embed="rId5"/>
-          <a:stretch>
-            <a:fillRect/>
-          </a:stretch>
-        </p:blipFill>
-        <p:spPr>
-          <a:xfrm>
-            <a:off x="282067" y="6133527"/>
-            <a:ext cx="4866667" cy="638095"/>
-          </a:xfrm>
-          <a:prstGeom prst="rect">
-            <a:avLst/>
-          </a:prstGeom>
-        </p:spPr>
-      </p:pic>
-      <p:sp>
-        <p:nvSpPr>
-          <p:cNvPr id="30" name="CuadroTexto 29"/>
-          <p:cNvSpPr txBox="1"/>
-          <p:nvPr/>
-        </p:nvSpPr>
-        <p:spPr>
-          <a:xfrm>
-            <a:off x="10352015" y="4240687"/>
-            <a:ext cx="1137234" cy="369332"/>
-          </a:xfrm>
-          <a:prstGeom prst="rect">
-            <a:avLst/>
-          </a:prstGeom>
-        </p:spPr>
-        <p:style>
-          <a:lnRef idx="2">
-            <a:schemeClr val="dk1"/>
-          </a:lnRef>
-          <a:fillRef idx="1">
-            <a:schemeClr val="lt1"/>
-          </a:fillRef>
-          <a:effectRef idx="0">
-            <a:schemeClr val="dk1"/>
-          </a:effectRef>
-          <a:fontRef idx="minor">
-            <a:schemeClr val="dk1"/>
-          </a:fontRef>
-        </p:style>
-        <p:txBody>
-          <a:bodyPr wrap="none" rtlCol="0">
-            <a:spAutoFit/>
-          </a:bodyPr>
-          <a:lstStyle/>
-          <a:p>
-            <a:r>
-              <a:rPr lang="es-ES" dirty="0" err="1"/>
-              <a:t>Servicio.ts</a:t>
-            </a:r>
-            <a:endParaRPr lang="es-ES" dirty="0"/>
-          </a:p>
-        </p:txBody>
-      </p:sp>
-      <p:sp>
-        <p:nvSpPr>
-          <p:cNvPr id="31" name="CuadroTexto 30"/>
-          <p:cNvSpPr txBox="1"/>
-          <p:nvPr/>
-        </p:nvSpPr>
-        <p:spPr>
-          <a:xfrm>
-            <a:off x="3037449" y="6366539"/>
-            <a:ext cx="2104807" cy="369332"/>
-          </a:xfrm>
-          <a:prstGeom prst="rect">
-            <a:avLst/>
-          </a:prstGeom>
-        </p:spPr>
-        <p:style>
-          <a:lnRef idx="2">
-            <a:schemeClr val="dk1"/>
-          </a:lnRef>
-          <a:fillRef idx="1">
-            <a:schemeClr val="lt1"/>
-          </a:fillRef>
-          <a:effectRef idx="0">
-            <a:schemeClr val="dk1"/>
-          </a:effectRef>
-          <a:fontRef idx="minor">
-            <a:schemeClr val="dk1"/>
-          </a:fontRef>
-        </p:style>
-        <p:txBody>
-          <a:bodyPr wrap="none" rtlCol="0">
-            <a:spAutoFit/>
-          </a:bodyPr>
-          <a:lstStyle/>
-          <a:p>
-            <a:r>
-              <a:rPr lang="es-ES" dirty="0"/>
-              <a:t>En el </a:t>
-            </a:r>
-            <a:r>
-              <a:rPr lang="es-ES" dirty="0" err="1"/>
-              <a:t>componente.ts</a:t>
-            </a:r>
-            <a:endParaRPr lang="es-ES" dirty="0"/>
-          </a:p>
-        </p:txBody>
-      </p:sp>
-      <p:sp>
-        <p:nvSpPr>
-          <p:cNvPr id="32" name="CuadroTexto 31"/>
-          <p:cNvSpPr txBox="1"/>
-          <p:nvPr/>
-        </p:nvSpPr>
-        <p:spPr>
-          <a:xfrm>
-            <a:off x="3593202" y="3033259"/>
-            <a:ext cx="1534266" cy="369332"/>
-          </a:xfrm>
-          <a:prstGeom prst="rect">
-            <a:avLst/>
-          </a:prstGeom>
-        </p:spPr>
-        <p:style>
-          <a:lnRef idx="2">
-            <a:schemeClr val="dk1"/>
-          </a:lnRef>
-          <a:fillRef idx="1">
-            <a:schemeClr val="lt1"/>
-          </a:fillRef>
-          <a:effectRef idx="0">
-            <a:schemeClr val="dk1"/>
-          </a:effectRef>
-          <a:fontRef idx="minor">
-            <a:schemeClr val="dk1"/>
-          </a:fontRef>
-        </p:style>
-        <p:txBody>
-          <a:bodyPr wrap="none" rtlCol="0">
-            <a:spAutoFit/>
-          </a:bodyPr>
-          <a:lstStyle/>
-          <a:p>
-            <a:r>
-              <a:rPr lang="es-ES" dirty="0" err="1"/>
-              <a:t>app.module.ts</a:t>
-            </a:r>
-            <a:endParaRPr lang="es-ES" dirty="0"/>
-          </a:p>
-        </p:txBody>
-      </p:sp>
     </p:spTree>
     <p:extLst>
       <p:ext uri="{BB962C8B-B14F-4D97-AF65-F5344CB8AC3E}">
-        <p14:creationId xmlns:p14="http://schemas.microsoft.com/office/powerpoint/2010/main" val="949299333"/>
+        <p14:creationId xmlns:p14="http://schemas.microsoft.com/office/powerpoint/2010/main" val="4276242880"/>
       </p:ext>
     </p:extLst>
   </p:cSld>
@@ -5066,442 +5429,48 @@
           <a:p>
             <a:r>
               <a:rPr lang="es-ES" dirty="0"/>
-              <a:t>Varias peticiones en paralelo</a:t>
-            </a:r>
-          </a:p>
-        </p:txBody>
-      </p:sp>
-      <p:pic>
-        <p:nvPicPr>
-          <p:cNvPr id="4" name="Imagen 3"/>
-          <p:cNvPicPr>
-            <a:picLocks noChangeAspect="1"/>
-          </p:cNvPicPr>
-          <p:nvPr/>
-        </p:nvPicPr>
-        <p:blipFill>
-          <a:blip r:embed="rId2"/>
-          <a:stretch>
-            <a:fillRect/>
-          </a:stretch>
-        </p:blipFill>
-        <p:spPr>
-          <a:xfrm>
-            <a:off x="838200" y="1690688"/>
-            <a:ext cx="4276190" cy="1600000"/>
-          </a:xfrm>
-          <a:prstGeom prst="rect">
-            <a:avLst/>
-          </a:prstGeom>
-        </p:spPr>
-      </p:pic>
-      <p:pic>
-        <p:nvPicPr>
-          <p:cNvPr id="5" name="Imagen 4"/>
-          <p:cNvPicPr>
-            <a:picLocks noChangeAspect="1"/>
-          </p:cNvPicPr>
-          <p:nvPr/>
-        </p:nvPicPr>
-        <p:blipFill>
-          <a:blip r:embed="rId3"/>
-          <a:stretch>
-            <a:fillRect/>
-          </a:stretch>
-        </p:blipFill>
-        <p:spPr>
-          <a:xfrm>
-            <a:off x="6403841" y="1690688"/>
-            <a:ext cx="4619048" cy="704762"/>
-          </a:xfrm>
-          <a:prstGeom prst="rect">
-            <a:avLst/>
-          </a:prstGeom>
-        </p:spPr>
-      </p:pic>
-      <p:sp>
-        <p:nvSpPr>
-          <p:cNvPr id="6" name="CuadroTexto 5"/>
-          <p:cNvSpPr txBox="1"/>
-          <p:nvPr/>
-        </p:nvSpPr>
-        <p:spPr>
-          <a:xfrm>
-            <a:off x="3816991" y="2691170"/>
-            <a:ext cx="1137234" cy="369332"/>
-          </a:xfrm>
-          <a:prstGeom prst="rect">
-            <a:avLst/>
-          </a:prstGeom>
-        </p:spPr>
-        <p:style>
-          <a:lnRef idx="2">
-            <a:schemeClr val="dk1"/>
-          </a:lnRef>
-          <a:fillRef idx="1">
-            <a:schemeClr val="lt1"/>
-          </a:fillRef>
-          <a:effectRef idx="0">
-            <a:schemeClr val="dk1"/>
-          </a:effectRef>
-          <a:fontRef idx="minor">
-            <a:schemeClr val="dk1"/>
-          </a:fontRef>
-        </p:style>
-        <p:txBody>
-          <a:bodyPr wrap="none" rtlCol="0">
-            <a:spAutoFit/>
-          </a:bodyPr>
-          <a:lstStyle/>
-          <a:p>
-            <a:r>
-              <a:rPr lang="es-ES" dirty="0" err="1"/>
-              <a:t>Servicio.ts</a:t>
-            </a:r>
+              <a:t>Ejercicio</a:t>
+            </a:r>
+          </a:p>
+        </p:txBody>
+      </p:sp>
+      <p:sp>
+        <p:nvSpPr>
+          <p:cNvPr id="3" name="Marcador de contenido 2"/>
+          <p:cNvSpPr>
+            <a:spLocks noGrp="1"/>
+          </p:cNvSpPr>
+          <p:nvPr>
+            <p:ph idx="1"/>
+          </p:nvPr>
+        </p:nvSpPr>
+        <p:spPr/>
+        <p:txBody>
+          <a:bodyPr/>
+          <a:lstStyle/>
+          <a:p>
+            <a:r>
+              <a:rPr lang="es-ES" dirty="0"/>
+              <a:t>Implementar un sistema de i18n dentro de la una directiva</a:t>
+            </a:r>
+          </a:p>
+          <a:p>
+            <a:pPr lvl="1"/>
+            <a:r>
+              <a:rPr lang="es-ES" dirty="0"/>
+              <a:t>Creamos la directiva</a:t>
+            </a:r>
+          </a:p>
+          <a:p>
+            <a:pPr lvl="1"/>
             <a:endParaRPr lang="es-ES" dirty="0"/>
           </a:p>
         </p:txBody>
       </p:sp>
-      <p:sp>
-        <p:nvSpPr>
-          <p:cNvPr id="7" name="CuadroTexto 6"/>
-          <p:cNvSpPr txBox="1"/>
-          <p:nvPr/>
-        </p:nvSpPr>
-        <p:spPr>
-          <a:xfrm>
-            <a:off x="8986007" y="1936690"/>
-            <a:ext cx="1814664" cy="369332"/>
-          </a:xfrm>
-          <a:prstGeom prst="rect">
-            <a:avLst/>
-          </a:prstGeom>
-        </p:spPr>
-        <p:style>
-          <a:lnRef idx="2">
-            <a:schemeClr val="dk1"/>
-          </a:lnRef>
-          <a:fillRef idx="1">
-            <a:schemeClr val="lt1"/>
-          </a:fillRef>
-          <a:effectRef idx="0">
-            <a:schemeClr val="dk1"/>
-          </a:effectRef>
-          <a:fontRef idx="minor">
-            <a:schemeClr val="dk1"/>
-          </a:fontRef>
-        </p:style>
-        <p:txBody>
-          <a:bodyPr wrap="none" rtlCol="0">
-            <a:spAutoFit/>
-          </a:bodyPr>
-          <a:lstStyle/>
-          <a:p>
-            <a:r>
-              <a:rPr lang="es-ES" dirty="0"/>
-              <a:t>El </a:t>
-            </a:r>
-            <a:r>
-              <a:rPr lang="es-ES" dirty="0" err="1"/>
-              <a:t>componente.ts</a:t>
-            </a:r>
-            <a:endParaRPr lang="es-ES" dirty="0"/>
-          </a:p>
-        </p:txBody>
-      </p:sp>
-      <p:pic>
-        <p:nvPicPr>
-          <p:cNvPr id="8" name="Imagen 7"/>
-          <p:cNvPicPr>
-            <a:picLocks noChangeAspect="1"/>
-          </p:cNvPicPr>
-          <p:nvPr/>
-        </p:nvPicPr>
-        <p:blipFill>
-          <a:blip r:embed="rId4"/>
-          <a:stretch>
-            <a:fillRect/>
-          </a:stretch>
-        </p:blipFill>
-        <p:spPr>
-          <a:xfrm>
-            <a:off x="904600" y="4291170"/>
-            <a:ext cx="3285714" cy="704762"/>
-          </a:xfrm>
-          <a:prstGeom prst="rect">
-            <a:avLst/>
-          </a:prstGeom>
-        </p:spPr>
-      </p:pic>
-      <p:pic>
-        <p:nvPicPr>
-          <p:cNvPr id="9" name="Imagen 8"/>
-          <p:cNvPicPr>
-            <a:picLocks noChangeAspect="1"/>
-          </p:cNvPicPr>
-          <p:nvPr/>
-        </p:nvPicPr>
-        <p:blipFill>
-          <a:blip r:embed="rId5"/>
-          <a:stretch>
-            <a:fillRect/>
-          </a:stretch>
-        </p:blipFill>
-        <p:spPr>
-          <a:xfrm>
-            <a:off x="909628" y="5368393"/>
-            <a:ext cx="2066667" cy="819048"/>
-          </a:xfrm>
-          <a:prstGeom prst="rect">
-            <a:avLst/>
-          </a:prstGeom>
-        </p:spPr>
-      </p:pic>
-      <p:sp>
-        <p:nvSpPr>
-          <p:cNvPr id="10" name="CuadroTexto 9"/>
-          <p:cNvSpPr txBox="1"/>
-          <p:nvPr/>
-        </p:nvSpPr>
-        <p:spPr>
-          <a:xfrm>
-            <a:off x="3053080" y="4811266"/>
-            <a:ext cx="2025747" cy="369332"/>
-          </a:xfrm>
-          <a:prstGeom prst="rect">
-            <a:avLst/>
-          </a:prstGeom>
-        </p:spPr>
-        <p:style>
-          <a:lnRef idx="2">
-            <a:schemeClr val="dk1"/>
-          </a:lnRef>
-          <a:fillRef idx="1">
-            <a:schemeClr val="lt1"/>
-          </a:fillRef>
-          <a:effectRef idx="0">
-            <a:schemeClr val="dk1"/>
-          </a:effectRef>
-          <a:fontRef idx="minor">
-            <a:schemeClr val="dk1"/>
-          </a:fontRef>
-        </p:style>
-        <p:txBody>
-          <a:bodyPr wrap="none" rtlCol="0">
-            <a:spAutoFit/>
-          </a:bodyPr>
-          <a:lstStyle/>
-          <a:p>
-            <a:r>
-              <a:rPr lang="es-ES" dirty="0" err="1"/>
-              <a:t>Assets</a:t>
-            </a:r>
-            <a:r>
-              <a:rPr lang="es-ES" dirty="0"/>
-              <a:t>/Datos.1.json</a:t>
-            </a:r>
-          </a:p>
-        </p:txBody>
-      </p:sp>
-      <p:sp>
-        <p:nvSpPr>
-          <p:cNvPr id="11" name="CuadroTexto 10"/>
-          <p:cNvSpPr txBox="1"/>
-          <p:nvPr/>
-        </p:nvSpPr>
-        <p:spPr>
-          <a:xfrm>
-            <a:off x="2547457" y="5777917"/>
-            <a:ext cx="1851020" cy="369332"/>
-          </a:xfrm>
-          <a:prstGeom prst="rect">
-            <a:avLst/>
-          </a:prstGeom>
-        </p:spPr>
-        <p:style>
-          <a:lnRef idx="2">
-            <a:schemeClr val="dk1"/>
-          </a:lnRef>
-          <a:fillRef idx="1">
-            <a:schemeClr val="lt1"/>
-          </a:fillRef>
-          <a:effectRef idx="0">
-            <a:schemeClr val="dk1"/>
-          </a:effectRef>
-          <a:fontRef idx="minor">
-            <a:schemeClr val="dk1"/>
-          </a:fontRef>
-        </p:style>
-        <p:txBody>
-          <a:bodyPr wrap="none" rtlCol="0">
-            <a:spAutoFit/>
-          </a:bodyPr>
-          <a:lstStyle/>
-          <a:p>
-            <a:r>
-              <a:rPr lang="es-ES" dirty="0" err="1"/>
-              <a:t>Assets</a:t>
-            </a:r>
-            <a:r>
-              <a:rPr lang="es-ES" dirty="0"/>
-              <a:t>/</a:t>
-            </a:r>
-            <a:r>
-              <a:rPr lang="es-ES" dirty="0" err="1"/>
-              <a:t>Datos.json</a:t>
-            </a:r>
-            <a:endParaRPr lang="es-ES" dirty="0"/>
-          </a:p>
-        </p:txBody>
-      </p:sp>
-      <p:pic>
-        <p:nvPicPr>
-          <p:cNvPr id="12" name="Imagen 11"/>
-          <p:cNvPicPr>
-            <a:picLocks noChangeAspect="1"/>
-          </p:cNvPicPr>
-          <p:nvPr/>
-        </p:nvPicPr>
-        <p:blipFill>
-          <a:blip r:embed="rId6"/>
-          <a:stretch>
-            <a:fillRect/>
-          </a:stretch>
-        </p:blipFill>
-        <p:spPr>
-          <a:xfrm>
-            <a:off x="6403841" y="4386408"/>
-            <a:ext cx="4466667" cy="1219048"/>
-          </a:xfrm>
-          <a:prstGeom prst="rect">
-            <a:avLst/>
-          </a:prstGeom>
-        </p:spPr>
-      </p:pic>
-      <p:cxnSp>
-        <p:nvCxnSpPr>
-          <p:cNvPr id="14" name="Conector recto de flecha 13"/>
-          <p:cNvCxnSpPr/>
-          <p:nvPr/>
-        </p:nvCxnSpPr>
-        <p:spPr>
-          <a:xfrm flipH="1">
-            <a:off x="7373923" y="2121356"/>
-            <a:ext cx="486561" cy="2417088"/>
-          </a:xfrm>
-          <a:prstGeom prst="straightConnector1">
-            <a:avLst/>
-          </a:prstGeom>
-          <a:ln>
-            <a:tailEnd type="triangle"/>
-          </a:ln>
-        </p:spPr>
-        <p:style>
-          <a:lnRef idx="1">
-            <a:schemeClr val="accent1"/>
-          </a:lnRef>
-          <a:fillRef idx="0">
-            <a:schemeClr val="accent1"/>
-          </a:fillRef>
-          <a:effectRef idx="0">
-            <a:schemeClr val="accent1"/>
-          </a:effectRef>
-          <a:fontRef idx="minor">
-            <a:schemeClr val="tx1"/>
-          </a:fontRef>
-        </p:style>
-      </p:cxnSp>
-      <p:cxnSp>
-        <p:nvCxnSpPr>
-          <p:cNvPr id="16" name="Conector recto de flecha 15"/>
-          <p:cNvCxnSpPr/>
-          <p:nvPr/>
-        </p:nvCxnSpPr>
-        <p:spPr>
-          <a:xfrm flipH="1" flipV="1">
-            <a:off x="2348917" y="2919369"/>
-            <a:ext cx="2605308" cy="1031846"/>
-          </a:xfrm>
-          <a:prstGeom prst="straightConnector1">
-            <a:avLst/>
-          </a:prstGeom>
-          <a:ln>
-            <a:tailEnd type="triangle"/>
-          </a:ln>
-        </p:spPr>
-        <p:style>
-          <a:lnRef idx="1">
-            <a:schemeClr val="accent1"/>
-          </a:lnRef>
-          <a:fillRef idx="0">
-            <a:schemeClr val="accent1"/>
-          </a:fillRef>
-          <a:effectRef idx="0">
-            <a:schemeClr val="accent1"/>
-          </a:effectRef>
-          <a:fontRef idx="minor">
-            <a:schemeClr val="tx1"/>
-          </a:fontRef>
-        </p:style>
-      </p:cxnSp>
-      <p:sp>
-        <p:nvSpPr>
-          <p:cNvPr id="17" name="CuadroTexto 16"/>
-          <p:cNvSpPr txBox="1"/>
-          <p:nvPr/>
-        </p:nvSpPr>
-        <p:spPr>
-          <a:xfrm>
-            <a:off x="5078827" y="3934437"/>
-            <a:ext cx="926792" cy="369332"/>
-          </a:xfrm>
-          <a:prstGeom prst="rect">
-            <a:avLst/>
-          </a:prstGeom>
-          <a:noFill/>
-        </p:spPr>
-        <p:txBody>
-          <a:bodyPr wrap="none" rtlCol="0">
-            <a:spAutoFit/>
-          </a:bodyPr>
-          <a:lstStyle/>
-          <a:p>
-            <a:r>
-              <a:rPr lang="es-ES" dirty="0" err="1"/>
-              <a:t>forkJoin</a:t>
-            </a:r>
-            <a:endParaRPr lang="es-ES" dirty="0"/>
-          </a:p>
-        </p:txBody>
-      </p:sp>
-      <p:pic>
-        <p:nvPicPr>
-          <p:cNvPr id="18" name="Imagen 17"/>
-          <p:cNvPicPr>
-            <a:picLocks noChangeAspect="1"/>
-          </p:cNvPicPr>
-          <p:nvPr/>
-        </p:nvPicPr>
-        <p:blipFill>
-          <a:blip r:embed="rId7"/>
-          <a:stretch>
-            <a:fillRect/>
-          </a:stretch>
-        </p:blipFill>
-        <p:spPr>
-          <a:xfrm>
-            <a:off x="838200" y="1239629"/>
-            <a:ext cx="2867025" cy="304800"/>
-          </a:xfrm>
-          <a:prstGeom prst="rect">
-            <a:avLst/>
-          </a:prstGeom>
-        </p:spPr>
-      </p:pic>
     </p:spTree>
     <p:extLst>
       <p:ext uri="{BB962C8B-B14F-4D97-AF65-F5344CB8AC3E}">
-        <p14:creationId xmlns:p14="http://schemas.microsoft.com/office/powerpoint/2010/main" val="2328631036"/>
+        <p14:creationId xmlns:p14="http://schemas.microsoft.com/office/powerpoint/2010/main" val="975720002"/>
       </p:ext>
     </p:extLst>
   </p:cSld>
@@ -5538,198 +5507,48 @@
             <p:ph type="title"/>
           </p:nvPr>
         </p:nvSpPr>
-        <p:spPr>
-          <a:xfrm>
-            <a:off x="838200" y="365126"/>
-            <a:ext cx="10663106" cy="759000"/>
-          </a:xfrm>
-        </p:spPr>
+        <p:spPr/>
         <p:txBody>
           <a:bodyPr/>
           <a:lstStyle/>
           <a:p>
             <a:r>
               <a:rPr lang="es-ES" dirty="0"/>
-              <a:t>Peticiones en serie. Uso de </a:t>
-            </a:r>
+              <a:t>Pipe</a:t>
+            </a:r>
+          </a:p>
+        </p:txBody>
+      </p:sp>
+      <p:sp>
+        <p:nvSpPr>
+          <p:cNvPr id="3" name="Marcador de contenido 2"/>
+          <p:cNvSpPr>
+            <a:spLocks noGrp="1"/>
+          </p:cNvSpPr>
+          <p:nvPr>
+            <p:ph idx="1"/>
+          </p:nvPr>
+        </p:nvSpPr>
+        <p:spPr/>
+        <p:txBody>
+          <a:bodyPr/>
+          <a:lstStyle/>
+          <a:p>
             <a:r>
               <a:rPr lang="es-ES" dirty="0" err="1"/>
-              <a:t>async</a:t>
-            </a:r>
-            <a:r>
-              <a:rPr lang="es-ES" dirty="0"/>
-              <a:t>, </a:t>
-            </a:r>
-            <a:r>
-              <a:rPr lang="es-ES" dirty="0" err="1"/>
-              <a:t>await</a:t>
-            </a:r>
-            <a:endParaRPr lang="es-ES" dirty="0"/>
-          </a:p>
-        </p:txBody>
-      </p:sp>
-      <p:pic>
-        <p:nvPicPr>
-          <p:cNvPr id="5" name="Imagen 4"/>
-          <p:cNvPicPr>
-            <a:picLocks noChangeAspect="1"/>
-          </p:cNvPicPr>
-          <p:nvPr/>
-        </p:nvPicPr>
-        <p:blipFill>
-          <a:blip r:embed="rId2"/>
-          <a:stretch>
-            <a:fillRect/>
-          </a:stretch>
-        </p:blipFill>
-        <p:spPr>
-          <a:xfrm>
-            <a:off x="242552" y="1503014"/>
-            <a:ext cx="7438095" cy="1752381"/>
-          </a:xfrm>
-          <a:prstGeom prst="rect">
-            <a:avLst/>
-          </a:prstGeom>
-        </p:spPr>
-      </p:pic>
-      <p:pic>
-        <p:nvPicPr>
-          <p:cNvPr id="6" name="Imagen 5"/>
-          <p:cNvPicPr>
-            <a:picLocks noChangeAspect="1"/>
-          </p:cNvPicPr>
-          <p:nvPr/>
-        </p:nvPicPr>
-        <p:blipFill>
-          <a:blip r:embed="rId3"/>
-          <a:stretch>
-            <a:fillRect/>
-          </a:stretch>
-        </p:blipFill>
-        <p:spPr>
-          <a:xfrm>
-            <a:off x="242552" y="4199926"/>
-            <a:ext cx="6180952" cy="695238"/>
-          </a:xfrm>
-          <a:prstGeom prst="rect">
-            <a:avLst/>
-          </a:prstGeom>
-        </p:spPr>
-      </p:pic>
-      <p:sp>
-        <p:nvSpPr>
-          <p:cNvPr id="7" name="CuadroTexto 6"/>
-          <p:cNvSpPr txBox="1"/>
-          <p:nvPr/>
-        </p:nvSpPr>
-        <p:spPr>
-          <a:xfrm>
-            <a:off x="6308521" y="2754247"/>
-            <a:ext cx="1137234" cy="369332"/>
-          </a:xfrm>
-          <a:prstGeom prst="rect">
-            <a:avLst/>
-          </a:prstGeom>
-        </p:spPr>
-        <p:style>
-          <a:lnRef idx="2">
-            <a:schemeClr val="dk1"/>
-          </a:lnRef>
-          <a:fillRef idx="1">
-            <a:schemeClr val="lt1"/>
-          </a:fillRef>
-          <a:effectRef idx="0">
-            <a:schemeClr val="dk1"/>
-          </a:effectRef>
-          <a:fontRef idx="minor">
-            <a:schemeClr val="dk1"/>
-          </a:fontRef>
-        </p:style>
-        <p:txBody>
-          <a:bodyPr wrap="none" rtlCol="0">
-            <a:spAutoFit/>
-          </a:bodyPr>
-          <a:lstStyle/>
-          <a:p>
-            <a:r>
-              <a:rPr lang="es-ES" dirty="0" err="1"/>
-              <a:t>Servicio.ts</a:t>
-            </a:r>
-            <a:endParaRPr lang="es-ES" dirty="0"/>
-          </a:p>
-        </p:txBody>
-      </p:sp>
-      <p:sp>
-        <p:nvSpPr>
-          <p:cNvPr id="8" name="CuadroTexto 7"/>
-          <p:cNvSpPr txBox="1"/>
-          <p:nvPr/>
-        </p:nvSpPr>
-        <p:spPr>
-          <a:xfrm>
-            <a:off x="5739904" y="4679361"/>
-            <a:ext cx="1596656" cy="369332"/>
-          </a:xfrm>
-          <a:prstGeom prst="rect">
-            <a:avLst/>
-          </a:prstGeom>
-        </p:spPr>
-        <p:style>
-          <a:lnRef idx="2">
-            <a:schemeClr val="dk1"/>
-          </a:lnRef>
-          <a:fillRef idx="1">
-            <a:schemeClr val="lt1"/>
-          </a:fillRef>
-          <a:effectRef idx="0">
-            <a:schemeClr val="dk1"/>
-          </a:effectRef>
-          <a:fontRef idx="minor">
-            <a:schemeClr val="dk1"/>
-          </a:fontRef>
-        </p:style>
-        <p:txBody>
-          <a:bodyPr wrap="none" rtlCol="0">
-            <a:spAutoFit/>
-          </a:bodyPr>
-          <a:lstStyle/>
-          <a:p>
-            <a:r>
-              <a:rPr lang="es-ES" dirty="0" err="1"/>
-              <a:t>componente.ts</a:t>
-            </a:r>
-            <a:endParaRPr lang="es-ES" dirty="0"/>
-          </a:p>
-        </p:txBody>
-      </p:sp>
-      <p:pic>
-        <p:nvPicPr>
-          <p:cNvPr id="10" name="Imagen 9"/>
-          <p:cNvPicPr>
-            <a:picLocks noChangeAspect="1"/>
-          </p:cNvPicPr>
-          <p:nvPr/>
-        </p:nvPicPr>
-        <p:blipFill>
-          <a:blip r:embed="rId4"/>
-          <a:stretch>
-            <a:fillRect/>
-          </a:stretch>
-        </p:blipFill>
-        <p:spPr>
-          <a:xfrm>
-            <a:off x="7764014" y="1367296"/>
-            <a:ext cx="4247619" cy="4542857"/>
-          </a:xfrm>
-          <a:prstGeom prst="rect">
-            <a:avLst/>
-          </a:prstGeom>
-        </p:spPr>
-      </p:pic>
+              <a:t>ng</a:t>
+            </a:r>
+            <a:r>
+              <a:rPr lang="es-ES" dirty="0"/>
+              <a:t> g pipe nombre</a:t>
+            </a:r>
+          </a:p>
+        </p:txBody>
+      </p:sp>
     </p:spTree>
     <p:extLst>
       <p:ext uri="{BB962C8B-B14F-4D97-AF65-F5344CB8AC3E}">
-        <p14:creationId xmlns:p14="http://schemas.microsoft.com/office/powerpoint/2010/main" val="3477894215"/>
+        <p14:creationId xmlns:p14="http://schemas.microsoft.com/office/powerpoint/2010/main" val="396167931"/>
       </p:ext>
     </p:extLst>
   </p:cSld>
@@ -5766,18 +5585,19 @@
             <p:ph type="title"/>
           </p:nvPr>
         </p:nvSpPr>
-        <p:spPr/>
+        <p:spPr>
+          <a:xfrm>
+            <a:off x="209026" y="162004"/>
+            <a:ext cx="10515600" cy="995678"/>
+          </a:xfrm>
+        </p:spPr>
         <p:txBody>
           <a:bodyPr/>
           <a:lstStyle/>
           <a:p>
             <a:r>
-              <a:rPr lang="es-ES" dirty="0"/>
-              <a:t>Control de errores </a:t>
-            </a:r>
-            <a:r>
               <a:rPr lang="es-ES" dirty="0" err="1"/>
-              <a:t>await</a:t>
+              <a:t>HttpClient</a:t>
             </a:r>
             <a:endParaRPr lang="es-ES" dirty="0"/>
           </a:p>
@@ -5785,7 +5605,7 @@
       </p:sp>
       <p:pic>
         <p:nvPicPr>
-          <p:cNvPr id="4" name="Imagen 3"/>
+          <p:cNvPr id="5" name="Imagen 4"/>
           <p:cNvPicPr>
             <a:picLocks noChangeAspect="1"/>
           </p:cNvPicPr>
@@ -5799,17 +5619,141 @@
         </p:blipFill>
         <p:spPr>
           <a:xfrm>
-            <a:off x="250063" y="1279111"/>
-            <a:ext cx="6457143" cy="4333333"/>
+            <a:off x="272250" y="1370119"/>
+            <a:ext cx="7000000" cy="4190476"/>
           </a:xfrm>
           <a:prstGeom prst="rect">
             <a:avLst/>
           </a:prstGeom>
         </p:spPr>
       </p:pic>
+      <p:sp>
+        <p:nvSpPr>
+          <p:cNvPr id="6" name="CuadroTexto 5"/>
+          <p:cNvSpPr txBox="1"/>
+          <p:nvPr/>
+        </p:nvSpPr>
+        <p:spPr>
+          <a:xfrm>
+            <a:off x="7623440" y="1047880"/>
+            <a:ext cx="4118115" cy="2031325"/>
+          </a:xfrm>
+          <a:prstGeom prst="rect">
+            <a:avLst/>
+          </a:prstGeom>
+          <a:noFill/>
+        </p:spPr>
+        <p:txBody>
+          <a:bodyPr wrap="none" rtlCol="0">
+            <a:spAutoFit/>
+          </a:bodyPr>
+          <a:lstStyle/>
+          <a:p>
+            <a:r>
+              <a:rPr lang="es-ES" dirty="0"/>
+              <a:t>Importación</a:t>
+            </a:r>
+          </a:p>
+          <a:p>
+            <a:endParaRPr lang="es-ES" dirty="0"/>
+          </a:p>
+          <a:p>
+            <a:endParaRPr lang="es-ES" dirty="0"/>
+          </a:p>
+          <a:p>
+            <a:r>
+              <a:rPr lang="es-ES" dirty="0"/>
+              <a:t>Declaración</a:t>
+            </a:r>
+          </a:p>
+          <a:p>
+            <a:endParaRPr lang="es-ES" dirty="0"/>
+          </a:p>
+          <a:p>
+            <a:r>
+              <a:rPr lang="es-ES" dirty="0"/>
+              <a:t>Importación de la clase e inyección en el c</a:t>
+            </a:r>
+          </a:p>
+          <a:p>
+            <a:r>
+              <a:rPr lang="es-ES" dirty="0"/>
+              <a:t>constructor</a:t>
+            </a:r>
+          </a:p>
+        </p:txBody>
+      </p:sp>
+      <p:cxnSp>
+        <p:nvCxnSpPr>
+          <p:cNvPr id="8" name="Conector recto de flecha 7"/>
+          <p:cNvCxnSpPr/>
+          <p:nvPr/>
+        </p:nvCxnSpPr>
+        <p:spPr>
+          <a:xfrm flipH="1">
+            <a:off x="2332140" y="1276821"/>
+            <a:ext cx="5291300" cy="543738"/>
+          </a:xfrm>
+          <a:prstGeom prst="straightConnector1">
+            <a:avLst/>
+          </a:prstGeom>
+          <a:ln>
+            <a:tailEnd type="triangle"/>
+          </a:ln>
+        </p:spPr>
+        <p:style>
+          <a:lnRef idx="1">
+            <a:schemeClr val="accent1"/>
+          </a:lnRef>
+          <a:fillRef idx="0">
+            <a:schemeClr val="accent1"/>
+          </a:fillRef>
+          <a:effectRef idx="0">
+            <a:schemeClr val="accent1"/>
+          </a:effectRef>
+          <a:fontRef idx="minor">
+            <a:schemeClr val="tx1"/>
+          </a:fontRef>
+        </p:style>
+      </p:cxnSp>
+      <p:cxnSp>
+        <p:nvCxnSpPr>
+          <p:cNvPr id="10" name="Conector recto de flecha 9"/>
+          <p:cNvCxnSpPr>
+            <a:stCxn id="6" idx="1"/>
+          </p:cNvCxnSpPr>
+          <p:nvPr/>
+        </p:nvCxnSpPr>
+        <p:spPr>
+          <a:xfrm flipH="1">
+            <a:off x="2902592" y="2063543"/>
+            <a:ext cx="4720848" cy="3011796"/>
+          </a:xfrm>
+          <a:prstGeom prst="straightConnector1">
+            <a:avLst/>
+          </a:prstGeom>
+          <a:ln>
+            <a:tailEnd type="triangle"/>
+          </a:ln>
+        </p:spPr>
+        <p:style>
+          <a:lnRef idx="1">
+            <a:schemeClr val="accent1"/>
+          </a:lnRef>
+          <a:fillRef idx="0">
+            <a:schemeClr val="accent1"/>
+          </a:fillRef>
+          <a:effectRef idx="0">
+            <a:schemeClr val="accent1"/>
+          </a:effectRef>
+          <a:fontRef idx="minor">
+            <a:schemeClr val="tx1"/>
+          </a:fontRef>
+        </p:style>
+      </p:cxnSp>
       <p:pic>
         <p:nvPicPr>
-          <p:cNvPr id="5" name="Imagen 4"/>
+          <p:cNvPr id="13" name="Imagen 12"/>
           <p:cNvPicPr>
             <a:picLocks noChangeAspect="1"/>
           </p:cNvPicPr>
@@ -5823,8 +5767,8 @@
         </p:blipFill>
         <p:spPr>
           <a:xfrm>
-            <a:off x="6044789" y="1396529"/>
-            <a:ext cx="5971429" cy="1095238"/>
+            <a:off x="6877714" y="3465357"/>
+            <a:ext cx="5314286" cy="2457143"/>
           </a:xfrm>
           <a:prstGeom prst="rect">
             <a:avLst/>
@@ -5833,7 +5777,7 @@
       </p:pic>
       <p:pic>
         <p:nvPicPr>
-          <p:cNvPr id="6" name="Imagen 5"/>
+          <p:cNvPr id="18" name="Imagen 17"/>
           <p:cNvPicPr>
             <a:picLocks noChangeAspect="1"/>
           </p:cNvPicPr>
@@ -5847,23 +5791,177 @@
         </p:blipFill>
         <p:spPr>
           <a:xfrm>
-            <a:off x="7507137" y="3674909"/>
-            <a:ext cx="4123809" cy="1504762"/>
+            <a:off x="6877714" y="6011034"/>
+            <a:ext cx="4409524" cy="752381"/>
           </a:xfrm>
           <a:prstGeom prst="rect">
             <a:avLst/>
           </a:prstGeom>
         </p:spPr>
       </p:pic>
-      <p:sp>
-        <p:nvSpPr>
-          <p:cNvPr id="7" name="CuadroTexto 6"/>
+      <p:cxnSp>
+        <p:nvCxnSpPr>
+          <p:cNvPr id="22" name="Conector recto de flecha 21"/>
+          <p:cNvCxnSpPr>
+            <a:endCxn id="18" idx="1"/>
+          </p:cNvCxnSpPr>
+          <p:nvPr/>
+        </p:nvCxnSpPr>
+        <p:spPr>
+          <a:xfrm>
+            <a:off x="5075693" y="5879829"/>
+            <a:ext cx="1802021" cy="507396"/>
+          </a:xfrm>
+          <a:prstGeom prst="straightConnector1">
+            <a:avLst/>
+          </a:prstGeom>
+          <a:ln>
+            <a:tailEnd type="triangle"/>
+          </a:ln>
+        </p:spPr>
+        <p:style>
+          <a:lnRef idx="1">
+            <a:schemeClr val="accent1"/>
+          </a:lnRef>
+          <a:fillRef idx="0">
+            <a:schemeClr val="accent1"/>
+          </a:fillRef>
+          <a:effectRef idx="0">
+            <a:schemeClr val="accent1"/>
+          </a:effectRef>
+          <a:fontRef idx="minor">
+            <a:schemeClr val="tx1"/>
+          </a:fontRef>
+        </p:style>
+      </p:cxnSp>
+      <p:sp>
+        <p:nvSpPr>
+          <p:cNvPr id="23" name="CuadroTexto 22"/>
           <p:cNvSpPr txBox="1"/>
           <p:nvPr/>
         </p:nvSpPr>
         <p:spPr>
           <a:xfrm>
-            <a:off x="5184396" y="4306210"/>
+            <a:off x="2838806" y="5567454"/>
+            <a:ext cx="2309928" cy="369332"/>
+          </a:xfrm>
+          <a:prstGeom prst="rect">
+            <a:avLst/>
+          </a:prstGeom>
+          <a:noFill/>
+        </p:spPr>
+        <p:txBody>
+          <a:bodyPr wrap="none" rtlCol="0">
+            <a:spAutoFit/>
+          </a:bodyPr>
+          <a:lstStyle/>
+          <a:p>
+            <a:r>
+              <a:rPr lang="es-ES" dirty="0"/>
+              <a:t>Retorna un observable</a:t>
+            </a:r>
+          </a:p>
+        </p:txBody>
+      </p:sp>
+      <p:cxnSp>
+        <p:nvCxnSpPr>
+          <p:cNvPr id="25" name="Conector recto de flecha 24"/>
+          <p:cNvCxnSpPr/>
+          <p:nvPr/>
+        </p:nvCxnSpPr>
+        <p:spPr>
+          <a:xfrm flipH="1">
+            <a:off x="8095376" y="2659310"/>
+            <a:ext cx="184558" cy="806047"/>
+          </a:xfrm>
+          <a:prstGeom prst="straightConnector1">
+            <a:avLst/>
+          </a:prstGeom>
+          <a:ln>
+            <a:tailEnd type="triangle"/>
+          </a:ln>
+        </p:spPr>
+        <p:style>
+          <a:lnRef idx="1">
+            <a:schemeClr val="accent1"/>
+          </a:lnRef>
+          <a:fillRef idx="0">
+            <a:schemeClr val="accent1"/>
+          </a:fillRef>
+          <a:effectRef idx="0">
+            <a:schemeClr val="accent1"/>
+          </a:effectRef>
+          <a:fontRef idx="minor">
+            <a:schemeClr val="tx1"/>
+          </a:fontRef>
+        </p:style>
+      </p:cxnSp>
+      <p:cxnSp>
+        <p:nvCxnSpPr>
+          <p:cNvPr id="27" name="Conector recto de flecha 26"/>
+          <p:cNvCxnSpPr/>
+          <p:nvPr/>
+        </p:nvCxnSpPr>
+        <p:spPr>
+          <a:xfrm flipH="1">
+            <a:off x="9378892" y="2692866"/>
+            <a:ext cx="1283515" cy="2256639"/>
+          </a:xfrm>
+          <a:prstGeom prst="straightConnector1">
+            <a:avLst/>
+          </a:prstGeom>
+          <a:ln>
+            <a:tailEnd type="triangle"/>
+          </a:ln>
+        </p:spPr>
+        <p:style>
+          <a:lnRef idx="1">
+            <a:schemeClr val="accent1"/>
+          </a:lnRef>
+          <a:fillRef idx="0">
+            <a:schemeClr val="accent1"/>
+          </a:fillRef>
+          <a:effectRef idx="0">
+            <a:schemeClr val="accent1"/>
+          </a:effectRef>
+          <a:fontRef idx="minor">
+            <a:schemeClr val="tx1"/>
+          </a:fontRef>
+        </p:style>
+      </p:cxnSp>
+      <p:pic>
+        <p:nvPicPr>
+          <p:cNvPr id="28" name="Imagen 27"/>
+          <p:cNvPicPr>
+            <a:picLocks noChangeAspect="1"/>
+          </p:cNvPicPr>
+          <p:nvPr/>
+        </p:nvPicPr>
+        <p:blipFill>
+          <a:blip r:embed="rId5"/>
+          <a:stretch>
+            <a:fillRect/>
+          </a:stretch>
+        </p:blipFill>
+        <p:spPr>
+          <a:xfrm>
+            <a:off x="282067" y="6133527"/>
+            <a:ext cx="4866667" cy="638095"/>
+          </a:xfrm>
+          <a:prstGeom prst="rect">
+            <a:avLst/>
+          </a:prstGeom>
+        </p:spPr>
+      </p:pic>
+      <p:sp>
+        <p:nvSpPr>
+          <p:cNvPr id="30" name="CuadroTexto 29"/>
+          <p:cNvSpPr txBox="1"/>
+          <p:nvPr/>
+        </p:nvSpPr>
+        <p:spPr>
+          <a:xfrm>
+            <a:off x="10352015" y="4240687"/>
             <a:ext cx="1137234" cy="369332"/>
           </a:xfrm>
           <a:prstGeom prst="rect">
@@ -5900,14 +5998,14 @@
       </p:sp>
       <p:sp>
         <p:nvSpPr>
-          <p:cNvPr id="8" name="CuadroTexto 7"/>
+          <p:cNvPr id="31" name="CuadroTexto 30"/>
           <p:cNvSpPr txBox="1"/>
           <p:nvPr/>
         </p:nvSpPr>
         <p:spPr>
           <a:xfrm>
-            <a:off x="10541686" y="909779"/>
-            <a:ext cx="1624227" cy="369332"/>
+            <a:off x="3037449" y="6366539"/>
+            <a:ext cx="2104807" cy="369332"/>
           </a:xfrm>
           <a:prstGeom prst="rect">
             <a:avLst/>
@@ -5934,8 +6032,55 @@
           <a:lstStyle/>
           <a:p>
             <a:r>
+              <a:rPr lang="es-ES" dirty="0"/>
+              <a:t>En el </a:t>
+            </a:r>
+            <a:r>
               <a:rPr lang="es-ES" dirty="0" err="1"/>
-              <a:t>Componente.ts</a:t>
+              <a:t>componente.ts</a:t>
+            </a:r>
+            <a:endParaRPr lang="es-ES" dirty="0"/>
+          </a:p>
+        </p:txBody>
+      </p:sp>
+      <p:sp>
+        <p:nvSpPr>
+          <p:cNvPr id="32" name="CuadroTexto 31"/>
+          <p:cNvSpPr txBox="1"/>
+          <p:nvPr/>
+        </p:nvSpPr>
+        <p:spPr>
+          <a:xfrm>
+            <a:off x="3593202" y="3033259"/>
+            <a:ext cx="1534266" cy="369332"/>
+          </a:xfrm>
+          <a:prstGeom prst="rect">
+            <a:avLst/>
+          </a:prstGeom>
+        </p:spPr>
+        <p:style>
+          <a:lnRef idx="2">
+            <a:schemeClr val="dk1"/>
+          </a:lnRef>
+          <a:fillRef idx="1">
+            <a:schemeClr val="lt1"/>
+          </a:fillRef>
+          <a:effectRef idx="0">
+            <a:schemeClr val="dk1"/>
+          </a:effectRef>
+          <a:fontRef idx="minor">
+            <a:schemeClr val="dk1"/>
+          </a:fontRef>
+        </p:style>
+        <p:txBody>
+          <a:bodyPr wrap="none" rtlCol="0">
+            <a:spAutoFit/>
+          </a:bodyPr>
+          <a:lstStyle/>
+          <a:p>
+            <a:r>
+              <a:rPr lang="es-ES" dirty="0" err="1"/>
+              <a:t>app.module.ts</a:t>
             </a:r>
             <a:endParaRPr lang="es-ES" dirty="0"/>
           </a:p>
@@ -5944,7 +6089,7 @@
     </p:spTree>
     <p:extLst>
       <p:ext uri="{BB962C8B-B14F-4D97-AF65-F5344CB8AC3E}">
-        <p14:creationId xmlns:p14="http://schemas.microsoft.com/office/powerpoint/2010/main" val="3905809783"/>
+        <p14:creationId xmlns:p14="http://schemas.microsoft.com/office/powerpoint/2010/main" val="949299333"/>
       </p:ext>
     </p:extLst>
   </p:cSld>
@@ -6099,21 +6244,14 @@
             <p:ph type="title"/>
           </p:nvPr>
         </p:nvSpPr>
-        <p:spPr>
-          <a:xfrm>
-            <a:off x="427139" y="298014"/>
-            <a:ext cx="10515600" cy="624776"/>
-          </a:xfrm>
-        </p:spPr>
-        <p:txBody>
-          <a:bodyPr>
-            <a:normAutofit fontScale="90000"/>
-          </a:bodyPr>
-          <a:lstStyle/>
-          <a:p>
-            <a:r>
-              <a:rPr lang="es-ES" dirty="0"/>
-              <a:t>EL CORS</a:t>
+        <p:spPr/>
+        <p:txBody>
+          <a:bodyPr/>
+          <a:lstStyle/>
+          <a:p>
+            <a:r>
+              <a:rPr lang="es-ES" dirty="0"/>
+              <a:t>Varias peticiones en paralelo</a:t>
             </a:r>
           </a:p>
         </p:txBody>
@@ -6134,46 +6272,17 @@
         </p:blipFill>
         <p:spPr>
           <a:xfrm>
-            <a:off x="138953" y="1048134"/>
-            <a:ext cx="6492136" cy="1820902"/>
+            <a:off x="838200" y="1690688"/>
+            <a:ext cx="4276190" cy="1600000"/>
           </a:xfrm>
           <a:prstGeom prst="rect">
             <a:avLst/>
           </a:prstGeom>
         </p:spPr>
       </p:pic>
-      <p:sp>
-        <p:nvSpPr>
-          <p:cNvPr id="5" name="CuadroTexto 4"/>
-          <p:cNvSpPr txBox="1"/>
-          <p:nvPr/>
-        </p:nvSpPr>
-        <p:spPr>
-          <a:xfrm>
-            <a:off x="218113" y="2994380"/>
-            <a:ext cx="7310912" cy="369332"/>
-          </a:xfrm>
-          <a:prstGeom prst="rect">
-            <a:avLst/>
-          </a:prstGeom>
-          <a:noFill/>
-        </p:spPr>
-        <p:txBody>
-          <a:bodyPr wrap="none" rtlCol="0">
-            <a:spAutoFit/>
-          </a:bodyPr>
-          <a:lstStyle/>
-          <a:p>
-            <a:r>
-              <a:rPr lang="es-ES" dirty="0"/>
-              <a:t>http-server (lanza el servidor web con el raíz en el directorio de la aplicación)</a:t>
-            </a:r>
-          </a:p>
-        </p:txBody>
-      </p:sp>
       <p:pic>
         <p:nvPicPr>
-          <p:cNvPr id="6" name="Imagen 5"/>
+          <p:cNvPr id="5" name="Imagen 4"/>
           <p:cNvPicPr>
             <a:picLocks noChangeAspect="1"/>
           </p:cNvPicPr>
@@ -6187,72 +6296,24 @@
         </p:blipFill>
         <p:spPr>
           <a:xfrm>
-            <a:off x="218113" y="3363712"/>
-            <a:ext cx="6619048" cy="1600000"/>
+            <a:off x="6403841" y="1690688"/>
+            <a:ext cx="4619048" cy="704762"/>
           </a:xfrm>
           <a:prstGeom prst="rect">
             <a:avLst/>
           </a:prstGeom>
         </p:spPr>
       </p:pic>
-      <p:pic>
-        <p:nvPicPr>
-          <p:cNvPr id="7" name="Imagen 6"/>
-          <p:cNvPicPr>
-            <a:picLocks noChangeAspect="1"/>
-          </p:cNvPicPr>
-          <p:nvPr/>
-        </p:nvPicPr>
-        <p:blipFill>
-          <a:blip r:embed="rId4"/>
-          <a:stretch>
-            <a:fillRect/>
-          </a:stretch>
-        </p:blipFill>
-        <p:spPr>
-          <a:xfrm>
-            <a:off x="4209001" y="4331102"/>
-            <a:ext cx="7780952" cy="609524"/>
-          </a:xfrm>
-          <a:prstGeom prst="rect">
-            <a:avLst/>
-          </a:prstGeom>
-        </p:spPr>
-      </p:pic>
-      <p:pic>
-        <p:nvPicPr>
-          <p:cNvPr id="8" name="Imagen 7"/>
-          <p:cNvPicPr>
-            <a:picLocks noChangeAspect="1"/>
-          </p:cNvPicPr>
-          <p:nvPr/>
-        </p:nvPicPr>
-        <p:blipFill>
-          <a:blip r:embed="rId5"/>
-          <a:stretch>
-            <a:fillRect/>
-          </a:stretch>
-        </p:blipFill>
-        <p:spPr>
-          <a:xfrm>
-            <a:off x="188090" y="5172286"/>
-            <a:ext cx="10047619" cy="1685714"/>
-          </a:xfrm>
-          <a:prstGeom prst="rect">
-            <a:avLst/>
-          </a:prstGeom>
-        </p:spPr>
-      </p:pic>
-      <p:sp>
-        <p:nvSpPr>
-          <p:cNvPr id="9" name="CuadroTexto 8"/>
+      <p:sp>
+        <p:nvSpPr>
+          <p:cNvPr id="6" name="CuadroTexto 5"/>
           <p:cNvSpPr txBox="1"/>
           <p:nvPr/>
         </p:nvSpPr>
         <p:spPr>
           <a:xfrm>
-            <a:off x="5847128" y="6277348"/>
-            <a:ext cx="4025589" cy="369332"/>
+            <a:off x="3816991" y="2691170"/>
+            <a:ext cx="1137234" cy="369332"/>
           </a:xfrm>
           <a:prstGeom prst="rect">
             <a:avLst/>
@@ -6279,16 +6340,353 @@
           <a:lstStyle/>
           <a:p>
             <a:r>
-              <a:rPr lang="es-ES" dirty="0"/>
-              <a:t>Quitar cabeceras en una posible solución</a:t>
-            </a:r>
-          </a:p>
-        </p:txBody>
-      </p:sp>
+              <a:rPr lang="es-ES" dirty="0" err="1"/>
+              <a:t>Servicio.ts</a:t>
+            </a:r>
+            <a:endParaRPr lang="es-ES" dirty="0"/>
+          </a:p>
+        </p:txBody>
+      </p:sp>
+      <p:sp>
+        <p:nvSpPr>
+          <p:cNvPr id="7" name="CuadroTexto 6"/>
+          <p:cNvSpPr txBox="1"/>
+          <p:nvPr/>
+        </p:nvSpPr>
+        <p:spPr>
+          <a:xfrm>
+            <a:off x="8986007" y="1936690"/>
+            <a:ext cx="1814664" cy="369332"/>
+          </a:xfrm>
+          <a:prstGeom prst="rect">
+            <a:avLst/>
+          </a:prstGeom>
+        </p:spPr>
+        <p:style>
+          <a:lnRef idx="2">
+            <a:schemeClr val="dk1"/>
+          </a:lnRef>
+          <a:fillRef idx="1">
+            <a:schemeClr val="lt1"/>
+          </a:fillRef>
+          <a:effectRef idx="0">
+            <a:schemeClr val="dk1"/>
+          </a:effectRef>
+          <a:fontRef idx="minor">
+            <a:schemeClr val="dk1"/>
+          </a:fontRef>
+        </p:style>
+        <p:txBody>
+          <a:bodyPr wrap="none" rtlCol="0">
+            <a:spAutoFit/>
+          </a:bodyPr>
+          <a:lstStyle/>
+          <a:p>
+            <a:r>
+              <a:rPr lang="es-ES" dirty="0"/>
+              <a:t>El </a:t>
+            </a:r>
+            <a:r>
+              <a:rPr lang="es-ES" dirty="0" err="1"/>
+              <a:t>componente.ts</a:t>
+            </a:r>
+            <a:endParaRPr lang="es-ES" dirty="0"/>
+          </a:p>
+        </p:txBody>
+      </p:sp>
+      <p:pic>
+        <p:nvPicPr>
+          <p:cNvPr id="8" name="Imagen 7"/>
+          <p:cNvPicPr>
+            <a:picLocks noChangeAspect="1"/>
+          </p:cNvPicPr>
+          <p:nvPr/>
+        </p:nvPicPr>
+        <p:blipFill>
+          <a:blip r:embed="rId4"/>
+          <a:stretch>
+            <a:fillRect/>
+          </a:stretch>
+        </p:blipFill>
+        <p:spPr>
+          <a:xfrm>
+            <a:off x="904600" y="4291170"/>
+            <a:ext cx="3285714" cy="704762"/>
+          </a:xfrm>
+          <a:prstGeom prst="rect">
+            <a:avLst/>
+          </a:prstGeom>
+        </p:spPr>
+      </p:pic>
+      <p:pic>
+        <p:nvPicPr>
+          <p:cNvPr id="9" name="Imagen 8"/>
+          <p:cNvPicPr>
+            <a:picLocks noChangeAspect="1"/>
+          </p:cNvPicPr>
+          <p:nvPr/>
+        </p:nvPicPr>
+        <p:blipFill>
+          <a:blip r:embed="rId5"/>
+          <a:stretch>
+            <a:fillRect/>
+          </a:stretch>
+        </p:blipFill>
+        <p:spPr>
+          <a:xfrm>
+            <a:off x="909628" y="5368393"/>
+            <a:ext cx="2066667" cy="819048"/>
+          </a:xfrm>
+          <a:prstGeom prst="rect">
+            <a:avLst/>
+          </a:prstGeom>
+        </p:spPr>
+      </p:pic>
+      <p:sp>
+        <p:nvSpPr>
+          <p:cNvPr id="10" name="CuadroTexto 9"/>
+          <p:cNvSpPr txBox="1"/>
+          <p:nvPr/>
+        </p:nvSpPr>
+        <p:spPr>
+          <a:xfrm>
+            <a:off x="3053080" y="4811266"/>
+            <a:ext cx="2025747" cy="369332"/>
+          </a:xfrm>
+          <a:prstGeom prst="rect">
+            <a:avLst/>
+          </a:prstGeom>
+        </p:spPr>
+        <p:style>
+          <a:lnRef idx="2">
+            <a:schemeClr val="dk1"/>
+          </a:lnRef>
+          <a:fillRef idx="1">
+            <a:schemeClr val="lt1"/>
+          </a:fillRef>
+          <a:effectRef idx="0">
+            <a:schemeClr val="dk1"/>
+          </a:effectRef>
+          <a:fontRef idx="minor">
+            <a:schemeClr val="dk1"/>
+          </a:fontRef>
+        </p:style>
+        <p:txBody>
+          <a:bodyPr wrap="none" rtlCol="0">
+            <a:spAutoFit/>
+          </a:bodyPr>
+          <a:lstStyle/>
+          <a:p>
+            <a:r>
+              <a:rPr lang="es-ES" dirty="0" err="1"/>
+              <a:t>Assets</a:t>
+            </a:r>
+            <a:r>
+              <a:rPr lang="es-ES" dirty="0"/>
+              <a:t>/Datos.1.json</a:t>
+            </a:r>
+          </a:p>
+        </p:txBody>
+      </p:sp>
+      <p:sp>
+        <p:nvSpPr>
+          <p:cNvPr id="11" name="CuadroTexto 10"/>
+          <p:cNvSpPr txBox="1"/>
+          <p:nvPr/>
+        </p:nvSpPr>
+        <p:spPr>
+          <a:xfrm>
+            <a:off x="2547457" y="5777917"/>
+            <a:ext cx="1851020" cy="369332"/>
+          </a:xfrm>
+          <a:prstGeom prst="rect">
+            <a:avLst/>
+          </a:prstGeom>
+        </p:spPr>
+        <p:style>
+          <a:lnRef idx="2">
+            <a:schemeClr val="dk1"/>
+          </a:lnRef>
+          <a:fillRef idx="1">
+            <a:schemeClr val="lt1"/>
+          </a:fillRef>
+          <a:effectRef idx="0">
+            <a:schemeClr val="dk1"/>
+          </a:effectRef>
+          <a:fontRef idx="minor">
+            <a:schemeClr val="dk1"/>
+          </a:fontRef>
+        </p:style>
+        <p:txBody>
+          <a:bodyPr wrap="none" rtlCol="0">
+            <a:spAutoFit/>
+          </a:bodyPr>
+          <a:lstStyle/>
+          <a:p>
+            <a:r>
+              <a:rPr lang="es-ES" dirty="0" err="1"/>
+              <a:t>Assets</a:t>
+            </a:r>
+            <a:r>
+              <a:rPr lang="es-ES" dirty="0"/>
+              <a:t>/</a:t>
+            </a:r>
+            <a:r>
+              <a:rPr lang="es-ES" dirty="0" err="1"/>
+              <a:t>Datos.json</a:t>
+            </a:r>
+            <a:endParaRPr lang="es-ES" dirty="0"/>
+          </a:p>
+        </p:txBody>
+      </p:sp>
+      <p:pic>
+        <p:nvPicPr>
+          <p:cNvPr id="12" name="Imagen 11"/>
+          <p:cNvPicPr>
+            <a:picLocks noChangeAspect="1"/>
+          </p:cNvPicPr>
+          <p:nvPr/>
+        </p:nvPicPr>
+        <p:blipFill>
+          <a:blip r:embed="rId6"/>
+          <a:stretch>
+            <a:fillRect/>
+          </a:stretch>
+        </p:blipFill>
+        <p:spPr>
+          <a:xfrm>
+            <a:off x="6403841" y="4386408"/>
+            <a:ext cx="4466667" cy="1219048"/>
+          </a:xfrm>
+          <a:prstGeom prst="rect">
+            <a:avLst/>
+          </a:prstGeom>
+        </p:spPr>
+      </p:pic>
+      <p:cxnSp>
+        <p:nvCxnSpPr>
+          <p:cNvPr id="14" name="Conector recto de flecha 13"/>
+          <p:cNvCxnSpPr/>
+          <p:nvPr/>
+        </p:nvCxnSpPr>
+        <p:spPr>
+          <a:xfrm flipH="1">
+            <a:off x="7373923" y="2121356"/>
+            <a:ext cx="486561" cy="2417088"/>
+          </a:xfrm>
+          <a:prstGeom prst="straightConnector1">
+            <a:avLst/>
+          </a:prstGeom>
+          <a:ln>
+            <a:tailEnd type="triangle"/>
+          </a:ln>
+        </p:spPr>
+        <p:style>
+          <a:lnRef idx="1">
+            <a:schemeClr val="accent1"/>
+          </a:lnRef>
+          <a:fillRef idx="0">
+            <a:schemeClr val="accent1"/>
+          </a:fillRef>
+          <a:effectRef idx="0">
+            <a:schemeClr val="accent1"/>
+          </a:effectRef>
+          <a:fontRef idx="minor">
+            <a:schemeClr val="tx1"/>
+          </a:fontRef>
+        </p:style>
+      </p:cxnSp>
+      <p:cxnSp>
+        <p:nvCxnSpPr>
+          <p:cNvPr id="16" name="Conector recto de flecha 15"/>
+          <p:cNvCxnSpPr/>
+          <p:nvPr/>
+        </p:nvCxnSpPr>
+        <p:spPr>
+          <a:xfrm flipH="1" flipV="1">
+            <a:off x="2348917" y="2919369"/>
+            <a:ext cx="2605308" cy="1031846"/>
+          </a:xfrm>
+          <a:prstGeom prst="straightConnector1">
+            <a:avLst/>
+          </a:prstGeom>
+          <a:ln>
+            <a:tailEnd type="triangle"/>
+          </a:ln>
+        </p:spPr>
+        <p:style>
+          <a:lnRef idx="1">
+            <a:schemeClr val="accent1"/>
+          </a:lnRef>
+          <a:fillRef idx="0">
+            <a:schemeClr val="accent1"/>
+          </a:fillRef>
+          <a:effectRef idx="0">
+            <a:schemeClr val="accent1"/>
+          </a:effectRef>
+          <a:fontRef idx="minor">
+            <a:schemeClr val="tx1"/>
+          </a:fontRef>
+        </p:style>
+      </p:cxnSp>
+      <p:sp>
+        <p:nvSpPr>
+          <p:cNvPr id="17" name="CuadroTexto 16"/>
+          <p:cNvSpPr txBox="1"/>
+          <p:nvPr/>
+        </p:nvSpPr>
+        <p:spPr>
+          <a:xfrm>
+            <a:off x="5078827" y="3934437"/>
+            <a:ext cx="926792" cy="369332"/>
+          </a:xfrm>
+          <a:prstGeom prst="rect">
+            <a:avLst/>
+          </a:prstGeom>
+          <a:noFill/>
+        </p:spPr>
+        <p:txBody>
+          <a:bodyPr wrap="none" rtlCol="0">
+            <a:spAutoFit/>
+          </a:bodyPr>
+          <a:lstStyle/>
+          <a:p>
+            <a:r>
+              <a:rPr lang="es-ES" dirty="0" err="1"/>
+              <a:t>forkJoin</a:t>
+            </a:r>
+            <a:endParaRPr lang="es-ES" dirty="0"/>
+          </a:p>
+        </p:txBody>
+      </p:sp>
+      <p:pic>
+        <p:nvPicPr>
+          <p:cNvPr id="18" name="Imagen 17"/>
+          <p:cNvPicPr>
+            <a:picLocks noChangeAspect="1"/>
+          </p:cNvPicPr>
+          <p:nvPr/>
+        </p:nvPicPr>
+        <p:blipFill>
+          <a:blip r:embed="rId7"/>
+          <a:stretch>
+            <a:fillRect/>
+          </a:stretch>
+        </p:blipFill>
+        <p:spPr>
+          <a:xfrm>
+            <a:off x="838200" y="1239629"/>
+            <a:ext cx="2867025" cy="304800"/>
+          </a:xfrm>
+          <a:prstGeom prst="rect">
+            <a:avLst/>
+          </a:prstGeom>
+        </p:spPr>
+      </p:pic>
     </p:spTree>
     <p:extLst>
       <p:ext uri="{BB962C8B-B14F-4D97-AF65-F5344CB8AC3E}">
-        <p14:creationId xmlns:p14="http://schemas.microsoft.com/office/powerpoint/2010/main" val="4203523006"/>
+        <p14:creationId xmlns:p14="http://schemas.microsoft.com/office/powerpoint/2010/main" val="2328631036"/>
       </p:ext>
     </p:extLst>
   </p:cSld>
@@ -6325,6 +6723,675 @@
             <p:ph type="title"/>
           </p:nvPr>
         </p:nvSpPr>
+        <p:spPr>
+          <a:xfrm>
+            <a:off x="838200" y="365126"/>
+            <a:ext cx="10663106" cy="759000"/>
+          </a:xfrm>
+        </p:spPr>
+        <p:txBody>
+          <a:bodyPr/>
+          <a:lstStyle/>
+          <a:p>
+            <a:r>
+              <a:rPr lang="es-ES" dirty="0"/>
+              <a:t>Peticiones en serie. Uso de </a:t>
+            </a:r>
+            <a:r>
+              <a:rPr lang="es-ES" dirty="0" err="1"/>
+              <a:t>async</a:t>
+            </a:r>
+            <a:r>
+              <a:rPr lang="es-ES" dirty="0"/>
+              <a:t>, </a:t>
+            </a:r>
+            <a:r>
+              <a:rPr lang="es-ES" dirty="0" err="1"/>
+              <a:t>await</a:t>
+            </a:r>
+            <a:endParaRPr lang="es-ES" dirty="0"/>
+          </a:p>
+        </p:txBody>
+      </p:sp>
+      <p:pic>
+        <p:nvPicPr>
+          <p:cNvPr id="5" name="Imagen 4"/>
+          <p:cNvPicPr>
+            <a:picLocks noChangeAspect="1"/>
+          </p:cNvPicPr>
+          <p:nvPr/>
+        </p:nvPicPr>
+        <p:blipFill>
+          <a:blip r:embed="rId2"/>
+          <a:stretch>
+            <a:fillRect/>
+          </a:stretch>
+        </p:blipFill>
+        <p:spPr>
+          <a:xfrm>
+            <a:off x="242552" y="1503014"/>
+            <a:ext cx="7438095" cy="1752381"/>
+          </a:xfrm>
+          <a:prstGeom prst="rect">
+            <a:avLst/>
+          </a:prstGeom>
+        </p:spPr>
+      </p:pic>
+      <p:pic>
+        <p:nvPicPr>
+          <p:cNvPr id="6" name="Imagen 5"/>
+          <p:cNvPicPr>
+            <a:picLocks noChangeAspect="1"/>
+          </p:cNvPicPr>
+          <p:nvPr/>
+        </p:nvPicPr>
+        <p:blipFill>
+          <a:blip r:embed="rId3"/>
+          <a:stretch>
+            <a:fillRect/>
+          </a:stretch>
+        </p:blipFill>
+        <p:spPr>
+          <a:xfrm>
+            <a:off x="242552" y="4199926"/>
+            <a:ext cx="6180952" cy="695238"/>
+          </a:xfrm>
+          <a:prstGeom prst="rect">
+            <a:avLst/>
+          </a:prstGeom>
+        </p:spPr>
+      </p:pic>
+      <p:sp>
+        <p:nvSpPr>
+          <p:cNvPr id="7" name="CuadroTexto 6"/>
+          <p:cNvSpPr txBox="1"/>
+          <p:nvPr/>
+        </p:nvSpPr>
+        <p:spPr>
+          <a:xfrm>
+            <a:off x="6308521" y="2754247"/>
+            <a:ext cx="1137234" cy="369332"/>
+          </a:xfrm>
+          <a:prstGeom prst="rect">
+            <a:avLst/>
+          </a:prstGeom>
+        </p:spPr>
+        <p:style>
+          <a:lnRef idx="2">
+            <a:schemeClr val="dk1"/>
+          </a:lnRef>
+          <a:fillRef idx="1">
+            <a:schemeClr val="lt1"/>
+          </a:fillRef>
+          <a:effectRef idx="0">
+            <a:schemeClr val="dk1"/>
+          </a:effectRef>
+          <a:fontRef idx="minor">
+            <a:schemeClr val="dk1"/>
+          </a:fontRef>
+        </p:style>
+        <p:txBody>
+          <a:bodyPr wrap="none" rtlCol="0">
+            <a:spAutoFit/>
+          </a:bodyPr>
+          <a:lstStyle/>
+          <a:p>
+            <a:r>
+              <a:rPr lang="es-ES" dirty="0" err="1"/>
+              <a:t>Servicio.ts</a:t>
+            </a:r>
+            <a:endParaRPr lang="es-ES" dirty="0"/>
+          </a:p>
+        </p:txBody>
+      </p:sp>
+      <p:sp>
+        <p:nvSpPr>
+          <p:cNvPr id="8" name="CuadroTexto 7"/>
+          <p:cNvSpPr txBox="1"/>
+          <p:nvPr/>
+        </p:nvSpPr>
+        <p:spPr>
+          <a:xfrm>
+            <a:off x="5739904" y="4679361"/>
+            <a:ext cx="1596656" cy="369332"/>
+          </a:xfrm>
+          <a:prstGeom prst="rect">
+            <a:avLst/>
+          </a:prstGeom>
+        </p:spPr>
+        <p:style>
+          <a:lnRef idx="2">
+            <a:schemeClr val="dk1"/>
+          </a:lnRef>
+          <a:fillRef idx="1">
+            <a:schemeClr val="lt1"/>
+          </a:fillRef>
+          <a:effectRef idx="0">
+            <a:schemeClr val="dk1"/>
+          </a:effectRef>
+          <a:fontRef idx="minor">
+            <a:schemeClr val="dk1"/>
+          </a:fontRef>
+        </p:style>
+        <p:txBody>
+          <a:bodyPr wrap="none" rtlCol="0">
+            <a:spAutoFit/>
+          </a:bodyPr>
+          <a:lstStyle/>
+          <a:p>
+            <a:r>
+              <a:rPr lang="es-ES" dirty="0" err="1"/>
+              <a:t>componente.ts</a:t>
+            </a:r>
+            <a:endParaRPr lang="es-ES" dirty="0"/>
+          </a:p>
+        </p:txBody>
+      </p:sp>
+      <p:pic>
+        <p:nvPicPr>
+          <p:cNvPr id="10" name="Imagen 9"/>
+          <p:cNvPicPr>
+            <a:picLocks noChangeAspect="1"/>
+          </p:cNvPicPr>
+          <p:nvPr/>
+        </p:nvPicPr>
+        <p:blipFill>
+          <a:blip r:embed="rId4"/>
+          <a:stretch>
+            <a:fillRect/>
+          </a:stretch>
+        </p:blipFill>
+        <p:spPr>
+          <a:xfrm>
+            <a:off x="7764014" y="1367296"/>
+            <a:ext cx="4247619" cy="4542857"/>
+          </a:xfrm>
+          <a:prstGeom prst="rect">
+            <a:avLst/>
+          </a:prstGeom>
+        </p:spPr>
+      </p:pic>
+    </p:spTree>
+    <p:extLst>
+      <p:ext uri="{BB962C8B-B14F-4D97-AF65-F5344CB8AC3E}">
+        <p14:creationId xmlns:p14="http://schemas.microsoft.com/office/powerpoint/2010/main" val="3477894215"/>
+      </p:ext>
+    </p:extLst>
+  </p:cSld>
+  <p:clrMapOvr>
+    <a:masterClrMapping/>
+  </p:clrMapOvr>
+</p:sld>
+</file>
+
+<file path=ppt/slides/slide22.xml><?xml version="1.0" encoding="utf-8"?>
+<p:sld xmlns:a="http://schemas.openxmlformats.org/drawingml/2006/main" xmlns:r="http://schemas.openxmlformats.org/officeDocument/2006/relationships" xmlns:p="http://schemas.openxmlformats.org/presentationml/2006/main">
+  <p:cSld>
+    <p:spTree>
+      <p:nvGrpSpPr>
+        <p:cNvPr id="1" name=""/>
+        <p:cNvGrpSpPr/>
+        <p:nvPr/>
+      </p:nvGrpSpPr>
+      <p:grpSpPr>
+        <a:xfrm>
+          <a:off x="0" y="0"/>
+          <a:ext cx="0" cy="0"/>
+          <a:chOff x="0" y="0"/>
+          <a:chExt cx="0" cy="0"/>
+        </a:xfrm>
+      </p:grpSpPr>
+      <p:sp>
+        <p:nvSpPr>
+          <p:cNvPr id="2" name="Título 1"/>
+          <p:cNvSpPr>
+            <a:spLocks noGrp="1"/>
+          </p:cNvSpPr>
+          <p:nvPr>
+            <p:ph type="title"/>
+          </p:nvPr>
+        </p:nvSpPr>
+        <p:spPr/>
+        <p:txBody>
+          <a:bodyPr/>
+          <a:lstStyle/>
+          <a:p>
+            <a:r>
+              <a:rPr lang="es-ES" dirty="0"/>
+              <a:t>Control de errores </a:t>
+            </a:r>
+            <a:r>
+              <a:rPr lang="es-ES" dirty="0" err="1"/>
+              <a:t>await</a:t>
+            </a:r>
+            <a:endParaRPr lang="es-ES" dirty="0"/>
+          </a:p>
+        </p:txBody>
+      </p:sp>
+      <p:pic>
+        <p:nvPicPr>
+          <p:cNvPr id="4" name="Imagen 3"/>
+          <p:cNvPicPr>
+            <a:picLocks noChangeAspect="1"/>
+          </p:cNvPicPr>
+          <p:nvPr/>
+        </p:nvPicPr>
+        <p:blipFill>
+          <a:blip r:embed="rId2"/>
+          <a:stretch>
+            <a:fillRect/>
+          </a:stretch>
+        </p:blipFill>
+        <p:spPr>
+          <a:xfrm>
+            <a:off x="250063" y="1279111"/>
+            <a:ext cx="6457143" cy="4333333"/>
+          </a:xfrm>
+          <a:prstGeom prst="rect">
+            <a:avLst/>
+          </a:prstGeom>
+        </p:spPr>
+      </p:pic>
+      <p:pic>
+        <p:nvPicPr>
+          <p:cNvPr id="5" name="Imagen 4"/>
+          <p:cNvPicPr>
+            <a:picLocks noChangeAspect="1"/>
+          </p:cNvPicPr>
+          <p:nvPr/>
+        </p:nvPicPr>
+        <p:blipFill>
+          <a:blip r:embed="rId3"/>
+          <a:stretch>
+            <a:fillRect/>
+          </a:stretch>
+        </p:blipFill>
+        <p:spPr>
+          <a:xfrm>
+            <a:off x="6044789" y="1396529"/>
+            <a:ext cx="5971429" cy="1095238"/>
+          </a:xfrm>
+          <a:prstGeom prst="rect">
+            <a:avLst/>
+          </a:prstGeom>
+        </p:spPr>
+      </p:pic>
+      <p:pic>
+        <p:nvPicPr>
+          <p:cNvPr id="6" name="Imagen 5"/>
+          <p:cNvPicPr>
+            <a:picLocks noChangeAspect="1"/>
+          </p:cNvPicPr>
+          <p:nvPr/>
+        </p:nvPicPr>
+        <p:blipFill>
+          <a:blip r:embed="rId4"/>
+          <a:stretch>
+            <a:fillRect/>
+          </a:stretch>
+        </p:blipFill>
+        <p:spPr>
+          <a:xfrm>
+            <a:off x="7507137" y="3674909"/>
+            <a:ext cx="4123809" cy="1504762"/>
+          </a:xfrm>
+          <a:prstGeom prst="rect">
+            <a:avLst/>
+          </a:prstGeom>
+        </p:spPr>
+      </p:pic>
+      <p:sp>
+        <p:nvSpPr>
+          <p:cNvPr id="7" name="CuadroTexto 6"/>
+          <p:cNvSpPr txBox="1"/>
+          <p:nvPr/>
+        </p:nvSpPr>
+        <p:spPr>
+          <a:xfrm>
+            <a:off x="5184396" y="4306210"/>
+            <a:ext cx="1137234" cy="369332"/>
+          </a:xfrm>
+          <a:prstGeom prst="rect">
+            <a:avLst/>
+          </a:prstGeom>
+        </p:spPr>
+        <p:style>
+          <a:lnRef idx="2">
+            <a:schemeClr val="dk1"/>
+          </a:lnRef>
+          <a:fillRef idx="1">
+            <a:schemeClr val="lt1"/>
+          </a:fillRef>
+          <a:effectRef idx="0">
+            <a:schemeClr val="dk1"/>
+          </a:effectRef>
+          <a:fontRef idx="minor">
+            <a:schemeClr val="dk1"/>
+          </a:fontRef>
+        </p:style>
+        <p:txBody>
+          <a:bodyPr wrap="none" rtlCol="0">
+            <a:spAutoFit/>
+          </a:bodyPr>
+          <a:lstStyle/>
+          <a:p>
+            <a:r>
+              <a:rPr lang="es-ES" dirty="0" err="1"/>
+              <a:t>Servicio.ts</a:t>
+            </a:r>
+            <a:endParaRPr lang="es-ES" dirty="0"/>
+          </a:p>
+        </p:txBody>
+      </p:sp>
+      <p:sp>
+        <p:nvSpPr>
+          <p:cNvPr id="8" name="CuadroTexto 7"/>
+          <p:cNvSpPr txBox="1"/>
+          <p:nvPr/>
+        </p:nvSpPr>
+        <p:spPr>
+          <a:xfrm>
+            <a:off x="10541686" y="909779"/>
+            <a:ext cx="1624227" cy="369332"/>
+          </a:xfrm>
+          <a:prstGeom prst="rect">
+            <a:avLst/>
+          </a:prstGeom>
+        </p:spPr>
+        <p:style>
+          <a:lnRef idx="2">
+            <a:schemeClr val="dk1"/>
+          </a:lnRef>
+          <a:fillRef idx="1">
+            <a:schemeClr val="lt1"/>
+          </a:fillRef>
+          <a:effectRef idx="0">
+            <a:schemeClr val="dk1"/>
+          </a:effectRef>
+          <a:fontRef idx="minor">
+            <a:schemeClr val="dk1"/>
+          </a:fontRef>
+        </p:style>
+        <p:txBody>
+          <a:bodyPr wrap="none" rtlCol="0">
+            <a:spAutoFit/>
+          </a:bodyPr>
+          <a:lstStyle/>
+          <a:p>
+            <a:r>
+              <a:rPr lang="es-ES" dirty="0" err="1"/>
+              <a:t>Componente.ts</a:t>
+            </a:r>
+            <a:endParaRPr lang="es-ES" dirty="0"/>
+          </a:p>
+        </p:txBody>
+      </p:sp>
+    </p:spTree>
+    <p:extLst>
+      <p:ext uri="{BB962C8B-B14F-4D97-AF65-F5344CB8AC3E}">
+        <p14:creationId xmlns:p14="http://schemas.microsoft.com/office/powerpoint/2010/main" val="3905809783"/>
+      </p:ext>
+    </p:extLst>
+  </p:cSld>
+  <p:clrMapOvr>
+    <a:masterClrMapping/>
+  </p:clrMapOvr>
+</p:sld>
+</file>
+
+<file path=ppt/slides/slide23.xml><?xml version="1.0" encoding="utf-8"?>
+<p:sld xmlns:a="http://schemas.openxmlformats.org/drawingml/2006/main" xmlns:r="http://schemas.openxmlformats.org/officeDocument/2006/relationships" xmlns:p="http://schemas.openxmlformats.org/presentationml/2006/main">
+  <p:cSld>
+    <p:spTree>
+      <p:nvGrpSpPr>
+        <p:cNvPr id="1" name=""/>
+        <p:cNvGrpSpPr/>
+        <p:nvPr/>
+      </p:nvGrpSpPr>
+      <p:grpSpPr>
+        <a:xfrm>
+          <a:off x="0" y="0"/>
+          <a:ext cx="0" cy="0"/>
+          <a:chOff x="0" y="0"/>
+          <a:chExt cx="0" cy="0"/>
+        </a:xfrm>
+      </p:grpSpPr>
+      <p:sp>
+        <p:nvSpPr>
+          <p:cNvPr id="2" name="Título 1"/>
+          <p:cNvSpPr>
+            <a:spLocks noGrp="1"/>
+          </p:cNvSpPr>
+          <p:nvPr>
+            <p:ph type="title"/>
+          </p:nvPr>
+        </p:nvSpPr>
+        <p:spPr>
+          <a:xfrm>
+            <a:off x="427139" y="298014"/>
+            <a:ext cx="10515600" cy="624776"/>
+          </a:xfrm>
+        </p:spPr>
+        <p:txBody>
+          <a:bodyPr>
+            <a:normAutofit fontScale="90000"/>
+          </a:bodyPr>
+          <a:lstStyle/>
+          <a:p>
+            <a:r>
+              <a:rPr lang="es-ES" dirty="0"/>
+              <a:t>EL CORS</a:t>
+            </a:r>
+          </a:p>
+        </p:txBody>
+      </p:sp>
+      <p:pic>
+        <p:nvPicPr>
+          <p:cNvPr id="4" name="Imagen 3"/>
+          <p:cNvPicPr>
+            <a:picLocks noChangeAspect="1"/>
+          </p:cNvPicPr>
+          <p:nvPr/>
+        </p:nvPicPr>
+        <p:blipFill>
+          <a:blip r:embed="rId2"/>
+          <a:stretch>
+            <a:fillRect/>
+          </a:stretch>
+        </p:blipFill>
+        <p:spPr>
+          <a:xfrm>
+            <a:off x="138953" y="1048134"/>
+            <a:ext cx="6492136" cy="1820902"/>
+          </a:xfrm>
+          <a:prstGeom prst="rect">
+            <a:avLst/>
+          </a:prstGeom>
+        </p:spPr>
+      </p:pic>
+      <p:sp>
+        <p:nvSpPr>
+          <p:cNvPr id="5" name="CuadroTexto 4"/>
+          <p:cNvSpPr txBox="1"/>
+          <p:nvPr/>
+        </p:nvSpPr>
+        <p:spPr>
+          <a:xfrm>
+            <a:off x="218113" y="2994380"/>
+            <a:ext cx="7310912" cy="369332"/>
+          </a:xfrm>
+          <a:prstGeom prst="rect">
+            <a:avLst/>
+          </a:prstGeom>
+          <a:noFill/>
+        </p:spPr>
+        <p:txBody>
+          <a:bodyPr wrap="none" rtlCol="0">
+            <a:spAutoFit/>
+          </a:bodyPr>
+          <a:lstStyle/>
+          <a:p>
+            <a:r>
+              <a:rPr lang="es-ES" dirty="0"/>
+              <a:t>http-server (lanza el servidor web con el raíz en el directorio de la aplicación)</a:t>
+            </a:r>
+          </a:p>
+        </p:txBody>
+      </p:sp>
+      <p:pic>
+        <p:nvPicPr>
+          <p:cNvPr id="6" name="Imagen 5"/>
+          <p:cNvPicPr>
+            <a:picLocks noChangeAspect="1"/>
+          </p:cNvPicPr>
+          <p:nvPr/>
+        </p:nvPicPr>
+        <p:blipFill>
+          <a:blip r:embed="rId3"/>
+          <a:stretch>
+            <a:fillRect/>
+          </a:stretch>
+        </p:blipFill>
+        <p:spPr>
+          <a:xfrm>
+            <a:off x="218113" y="3363712"/>
+            <a:ext cx="6619048" cy="1600000"/>
+          </a:xfrm>
+          <a:prstGeom prst="rect">
+            <a:avLst/>
+          </a:prstGeom>
+        </p:spPr>
+      </p:pic>
+      <p:pic>
+        <p:nvPicPr>
+          <p:cNvPr id="7" name="Imagen 6"/>
+          <p:cNvPicPr>
+            <a:picLocks noChangeAspect="1"/>
+          </p:cNvPicPr>
+          <p:nvPr/>
+        </p:nvPicPr>
+        <p:blipFill>
+          <a:blip r:embed="rId4"/>
+          <a:stretch>
+            <a:fillRect/>
+          </a:stretch>
+        </p:blipFill>
+        <p:spPr>
+          <a:xfrm>
+            <a:off x="4209001" y="4331102"/>
+            <a:ext cx="7780952" cy="609524"/>
+          </a:xfrm>
+          <a:prstGeom prst="rect">
+            <a:avLst/>
+          </a:prstGeom>
+        </p:spPr>
+      </p:pic>
+      <p:pic>
+        <p:nvPicPr>
+          <p:cNvPr id="8" name="Imagen 7"/>
+          <p:cNvPicPr>
+            <a:picLocks noChangeAspect="1"/>
+          </p:cNvPicPr>
+          <p:nvPr/>
+        </p:nvPicPr>
+        <p:blipFill>
+          <a:blip r:embed="rId5"/>
+          <a:stretch>
+            <a:fillRect/>
+          </a:stretch>
+        </p:blipFill>
+        <p:spPr>
+          <a:xfrm>
+            <a:off x="188090" y="5172286"/>
+            <a:ext cx="10047619" cy="1685714"/>
+          </a:xfrm>
+          <a:prstGeom prst="rect">
+            <a:avLst/>
+          </a:prstGeom>
+        </p:spPr>
+      </p:pic>
+      <p:sp>
+        <p:nvSpPr>
+          <p:cNvPr id="9" name="CuadroTexto 8"/>
+          <p:cNvSpPr txBox="1"/>
+          <p:nvPr/>
+        </p:nvSpPr>
+        <p:spPr>
+          <a:xfrm>
+            <a:off x="5847128" y="6277348"/>
+            <a:ext cx="4025589" cy="369332"/>
+          </a:xfrm>
+          <a:prstGeom prst="rect">
+            <a:avLst/>
+          </a:prstGeom>
+        </p:spPr>
+        <p:style>
+          <a:lnRef idx="2">
+            <a:schemeClr val="dk1"/>
+          </a:lnRef>
+          <a:fillRef idx="1">
+            <a:schemeClr val="lt1"/>
+          </a:fillRef>
+          <a:effectRef idx="0">
+            <a:schemeClr val="dk1"/>
+          </a:effectRef>
+          <a:fontRef idx="minor">
+            <a:schemeClr val="dk1"/>
+          </a:fontRef>
+        </p:style>
+        <p:txBody>
+          <a:bodyPr wrap="none" rtlCol="0">
+            <a:spAutoFit/>
+          </a:bodyPr>
+          <a:lstStyle/>
+          <a:p>
+            <a:r>
+              <a:rPr lang="es-ES" dirty="0"/>
+              <a:t>Quitar cabeceras en una posible solución</a:t>
+            </a:r>
+          </a:p>
+        </p:txBody>
+      </p:sp>
+    </p:spTree>
+    <p:extLst>
+      <p:ext uri="{BB962C8B-B14F-4D97-AF65-F5344CB8AC3E}">
+        <p14:creationId xmlns:p14="http://schemas.microsoft.com/office/powerpoint/2010/main" val="4203523006"/>
+      </p:ext>
+    </p:extLst>
+  </p:cSld>
+  <p:clrMapOvr>
+    <a:masterClrMapping/>
+  </p:clrMapOvr>
+</p:sld>
+</file>
+
+<file path=ppt/slides/slide24.xml><?xml version="1.0" encoding="utf-8"?>
+<p:sld xmlns:a="http://schemas.openxmlformats.org/drawingml/2006/main" xmlns:r="http://schemas.openxmlformats.org/officeDocument/2006/relationships" xmlns:p="http://schemas.openxmlformats.org/presentationml/2006/main">
+  <p:cSld>
+    <p:spTree>
+      <p:nvGrpSpPr>
+        <p:cNvPr id="1" name=""/>
+        <p:cNvGrpSpPr/>
+        <p:nvPr/>
+      </p:nvGrpSpPr>
+      <p:grpSpPr>
+        <a:xfrm>
+          <a:off x="0" y="0"/>
+          <a:ext cx="0" cy="0"/>
+          <a:chOff x="0" y="0"/>
+          <a:chExt cx="0" cy="0"/>
+        </a:xfrm>
+      </p:grpSpPr>
+      <p:sp>
+        <p:nvSpPr>
+          <p:cNvPr id="2" name="Título 1"/>
+          <p:cNvSpPr>
+            <a:spLocks noGrp="1"/>
+          </p:cNvSpPr>
+          <p:nvPr>
+            <p:ph type="title"/>
+          </p:nvPr>
+        </p:nvSpPr>
         <p:spPr/>
         <p:txBody>
           <a:bodyPr/>
@@ -6454,7 +7521,7 @@
 </p:sld>
 </file>
 
-<file path=ppt/slides/slide22.xml><?xml version="1.0" encoding="utf-8"?>
+<file path=ppt/slides/slide25.xml><?xml version="1.0" encoding="utf-8"?>
 <p:sld xmlns:a="http://schemas.openxmlformats.org/drawingml/2006/main" xmlns:r="http://schemas.openxmlformats.org/officeDocument/2006/relationships" xmlns:p="http://schemas.openxmlformats.org/presentationml/2006/main">
   <p:cSld>
     <p:spTree>

--- a/doc/pec3.pptx
+++ b/doc/pec3.pptx
@@ -19,17 +19,23 @@
     <p:sldId id="267" r:id="rId13"/>
     <p:sldId id="278" r:id="rId14"/>
     <p:sldId id="279" r:id="rId15"/>
-    <p:sldId id="269" r:id="rId16"/>
-    <p:sldId id="280" r:id="rId17"/>
-    <p:sldId id="270" r:id="rId18"/>
-    <p:sldId id="268" r:id="rId19"/>
-    <p:sldId id="271" r:id="rId20"/>
-    <p:sldId id="272" r:id="rId21"/>
-    <p:sldId id="273" r:id="rId22"/>
-    <p:sldId id="274" r:id="rId23"/>
-    <p:sldId id="275" r:id="rId24"/>
-    <p:sldId id="276" r:id="rId25"/>
-    <p:sldId id="277" r:id="rId26"/>
+    <p:sldId id="281" r:id="rId16"/>
+    <p:sldId id="282" r:id="rId17"/>
+    <p:sldId id="283" r:id="rId18"/>
+    <p:sldId id="284" r:id="rId19"/>
+    <p:sldId id="285" r:id="rId20"/>
+    <p:sldId id="286" r:id="rId21"/>
+    <p:sldId id="269" r:id="rId22"/>
+    <p:sldId id="280" r:id="rId23"/>
+    <p:sldId id="270" r:id="rId24"/>
+    <p:sldId id="268" r:id="rId25"/>
+    <p:sldId id="271" r:id="rId26"/>
+    <p:sldId id="272" r:id="rId27"/>
+    <p:sldId id="273" r:id="rId28"/>
+    <p:sldId id="274" r:id="rId29"/>
+    <p:sldId id="275" r:id="rId30"/>
+    <p:sldId id="276" r:id="rId31"/>
+    <p:sldId id="277" r:id="rId32"/>
   </p:sldIdLst>
   <p:sldSz cx="12192000" cy="6858000"/>
   <p:notesSz cx="6858000" cy="9144000"/>
@@ -265,7 +271,7 @@
           <a:p>
             <a:fld id="{1BD4731F-235D-4B72-BD02-1E5F1B5628E9}" type="datetimeFigureOut">
               <a:rPr lang="es-ES" smtClean="0"/>
-              <a:t>17/09/2018</a:t>
+              <a:t>20/09/2018</a:t>
             </a:fld>
             <a:endParaRPr lang="es-ES"/>
           </a:p>
@@ -433,7 +439,7 @@
           <a:p>
             <a:fld id="{1BD4731F-235D-4B72-BD02-1E5F1B5628E9}" type="datetimeFigureOut">
               <a:rPr lang="es-ES" smtClean="0"/>
-              <a:t>17/09/2018</a:t>
+              <a:t>20/09/2018</a:t>
             </a:fld>
             <a:endParaRPr lang="es-ES"/>
           </a:p>
@@ -611,7 +617,7 @@
           <a:p>
             <a:fld id="{1BD4731F-235D-4B72-BD02-1E5F1B5628E9}" type="datetimeFigureOut">
               <a:rPr lang="es-ES" smtClean="0"/>
-              <a:t>17/09/2018</a:t>
+              <a:t>20/09/2018</a:t>
             </a:fld>
             <a:endParaRPr lang="es-ES"/>
           </a:p>
@@ -779,7 +785,7 @@
           <a:p>
             <a:fld id="{1BD4731F-235D-4B72-BD02-1E5F1B5628E9}" type="datetimeFigureOut">
               <a:rPr lang="es-ES" smtClean="0"/>
-              <a:t>17/09/2018</a:t>
+              <a:t>20/09/2018</a:t>
             </a:fld>
             <a:endParaRPr lang="es-ES"/>
           </a:p>
@@ -1024,7 +1030,7 @@
           <a:p>
             <a:fld id="{1BD4731F-235D-4B72-BD02-1E5F1B5628E9}" type="datetimeFigureOut">
               <a:rPr lang="es-ES" smtClean="0"/>
-              <a:t>17/09/2018</a:t>
+              <a:t>20/09/2018</a:t>
             </a:fld>
             <a:endParaRPr lang="es-ES"/>
           </a:p>
@@ -1253,7 +1259,7 @@
           <a:p>
             <a:fld id="{1BD4731F-235D-4B72-BD02-1E5F1B5628E9}" type="datetimeFigureOut">
               <a:rPr lang="es-ES" smtClean="0"/>
-              <a:t>17/09/2018</a:t>
+              <a:t>20/09/2018</a:t>
             </a:fld>
             <a:endParaRPr lang="es-ES"/>
           </a:p>
@@ -1617,7 +1623,7 @@
           <a:p>
             <a:fld id="{1BD4731F-235D-4B72-BD02-1E5F1B5628E9}" type="datetimeFigureOut">
               <a:rPr lang="es-ES" smtClean="0"/>
-              <a:t>17/09/2018</a:t>
+              <a:t>20/09/2018</a:t>
             </a:fld>
             <a:endParaRPr lang="es-ES"/>
           </a:p>
@@ -1734,7 +1740,7 @@
           <a:p>
             <a:fld id="{1BD4731F-235D-4B72-BD02-1E5F1B5628E9}" type="datetimeFigureOut">
               <a:rPr lang="es-ES" smtClean="0"/>
-              <a:t>17/09/2018</a:t>
+              <a:t>20/09/2018</a:t>
             </a:fld>
             <a:endParaRPr lang="es-ES"/>
           </a:p>
@@ -1829,7 +1835,7 @@
           <a:p>
             <a:fld id="{1BD4731F-235D-4B72-BD02-1E5F1B5628E9}" type="datetimeFigureOut">
               <a:rPr lang="es-ES" smtClean="0"/>
-              <a:t>17/09/2018</a:t>
+              <a:t>20/09/2018</a:t>
             </a:fld>
             <a:endParaRPr lang="es-ES"/>
           </a:p>
@@ -2104,7 +2110,7 @@
           <a:p>
             <a:fld id="{1BD4731F-235D-4B72-BD02-1E5F1B5628E9}" type="datetimeFigureOut">
               <a:rPr lang="es-ES" smtClean="0"/>
-              <a:t>17/09/2018</a:t>
+              <a:t>20/09/2018</a:t>
             </a:fld>
             <a:endParaRPr lang="es-ES"/>
           </a:p>
@@ -2356,7 +2362,7 @@
           <a:p>
             <a:fld id="{1BD4731F-235D-4B72-BD02-1E5F1B5628E9}" type="datetimeFigureOut">
               <a:rPr lang="es-ES" smtClean="0"/>
-              <a:t>17/09/2018</a:t>
+              <a:t>20/09/2018</a:t>
             </a:fld>
             <a:endParaRPr lang="es-ES"/>
           </a:p>
@@ -2567,7 +2573,7 @@
           <a:p>
             <a:fld id="{1BD4731F-235D-4B72-BD02-1E5F1B5628E9}" type="datetimeFigureOut">
               <a:rPr lang="es-ES" smtClean="0"/>
-              <a:t>17/09/2018</a:t>
+              <a:t>20/09/2018</a:t>
             </a:fld>
             <a:endParaRPr lang="es-ES"/>
           </a:p>
@@ -5104,14 +5110,14 @@
           <a:p>
             <a:r>
               <a:rPr lang="es-ES" dirty="0"/>
-              <a:t>Directiva</a:t>
+              <a:t>Servicio</a:t>
             </a:r>
           </a:p>
         </p:txBody>
       </p:sp>
       <p:pic>
         <p:nvPicPr>
-          <p:cNvPr id="5" name="Imagen 4"/>
+          <p:cNvPr id="6" name="Imagen 5"/>
           <p:cNvPicPr>
             <a:picLocks noChangeAspect="1"/>
           </p:cNvPicPr>
@@ -5125,55 +5131,14 @@
         </p:blipFill>
         <p:spPr>
           <a:xfrm>
-            <a:off x="719729" y="1451093"/>
-            <a:ext cx="4780952" cy="2361905"/>
+            <a:off x="953425" y="1341791"/>
+            <a:ext cx="5704762" cy="2647619"/>
           </a:xfrm>
           <a:prstGeom prst="rect">
             <a:avLst/>
           </a:prstGeom>
         </p:spPr>
       </p:pic>
-      <p:sp>
-        <p:nvSpPr>
-          <p:cNvPr id="6" name="CuadroTexto 5"/>
-          <p:cNvSpPr txBox="1"/>
-          <p:nvPr/>
-        </p:nvSpPr>
-        <p:spPr>
-          <a:xfrm>
-            <a:off x="5813572" y="1506022"/>
-            <a:ext cx="2205604" cy="369332"/>
-          </a:xfrm>
-          <a:prstGeom prst="rect">
-            <a:avLst/>
-          </a:prstGeom>
-          <a:noFill/>
-        </p:spPr>
-        <p:txBody>
-          <a:bodyPr wrap="none" rtlCol="0">
-            <a:spAutoFit/>
-          </a:bodyPr>
-          <a:lstStyle/>
-          <a:p>
-            <a:r>
-              <a:rPr lang="es-ES" dirty="0" err="1"/>
-              <a:t>ng</a:t>
-            </a:r>
-            <a:r>
-              <a:rPr lang="es-ES" dirty="0"/>
-              <a:t> g d </a:t>
-            </a:r>
-            <a:r>
-              <a:rPr lang="es-ES" dirty="0" err="1"/>
-              <a:t>directives</a:t>
-            </a:r>
-            <a:r>
-              <a:rPr lang="es-ES" dirty="0"/>
-              <a:t>/i18n</a:t>
-            </a:r>
-          </a:p>
-        </p:txBody>
-      </p:sp>
       <p:pic>
         <p:nvPicPr>
           <p:cNvPr id="7" name="Imagen 6"/>
@@ -5190,8 +5155,8 @@
         </p:blipFill>
         <p:spPr>
           <a:xfrm>
-            <a:off x="719729" y="4417458"/>
-            <a:ext cx="3371850" cy="657225"/>
+            <a:off x="6773412" y="1341791"/>
+            <a:ext cx="4819048" cy="2657143"/>
           </a:xfrm>
           <a:prstGeom prst="rect">
             <a:avLst/>
@@ -5200,20 +5165,33 @@
       </p:pic>
       <p:sp>
         <p:nvSpPr>
-          <p:cNvPr id="8" name="CuadroTexto 7"/>
+          <p:cNvPr id="10" name="CuadroTexto 9"/>
           <p:cNvSpPr txBox="1"/>
           <p:nvPr/>
         </p:nvSpPr>
         <p:spPr>
           <a:xfrm>
-            <a:off x="3795948" y="5662160"/>
-            <a:ext cx="2307042" cy="369332"/>
-          </a:xfrm>
-          <a:prstGeom prst="rect">
-            <a:avLst/>
-          </a:prstGeom>
-          <a:noFill/>
-        </p:spPr>
+            <a:off x="8494350" y="3620078"/>
+            <a:ext cx="1377172" cy="369332"/>
+          </a:xfrm>
+          <a:prstGeom prst="rect">
+            <a:avLst/>
+          </a:prstGeom>
+        </p:spPr>
+        <p:style>
+          <a:lnRef idx="2">
+            <a:schemeClr val="dk1"/>
+          </a:lnRef>
+          <a:fillRef idx="1">
+            <a:schemeClr val="lt1"/>
+          </a:fillRef>
+          <a:effectRef idx="0">
+            <a:schemeClr val="dk1"/>
+          </a:effectRef>
+          <a:fontRef idx="minor">
+            <a:schemeClr val="dk1"/>
+          </a:fontRef>
+        </p:style>
         <p:txBody>
           <a:bodyPr wrap="none" rtlCol="0">
             <a:spAutoFit/>
@@ -5222,14 +5200,56 @@
           <a:p>
             <a:r>
               <a:rPr lang="es-ES" dirty="0"/>
-              <a:t>Así usamos la directiva</a:t>
+              <a:t>componente</a:t>
+            </a:r>
+          </a:p>
+        </p:txBody>
+      </p:sp>
+      <p:sp>
+        <p:nvSpPr>
+          <p:cNvPr id="11" name="CuadroTexto 10"/>
+          <p:cNvSpPr txBox="1"/>
+          <p:nvPr/>
+        </p:nvSpPr>
+        <p:spPr>
+          <a:xfrm>
+            <a:off x="5052474" y="3435412"/>
+            <a:ext cx="1081258" cy="369332"/>
+          </a:xfrm>
+          <a:prstGeom prst="rect">
+            <a:avLst/>
+          </a:prstGeom>
+        </p:spPr>
+        <p:style>
+          <a:lnRef idx="2">
+            <a:schemeClr val="dk1"/>
+          </a:lnRef>
+          <a:fillRef idx="1">
+            <a:schemeClr val="lt1"/>
+          </a:fillRef>
+          <a:effectRef idx="0">
+            <a:schemeClr val="dk1"/>
+          </a:effectRef>
+          <a:fontRef idx="minor">
+            <a:schemeClr val="dk1"/>
+          </a:fontRef>
+        </p:style>
+        <p:txBody>
+          <a:bodyPr wrap="none" rtlCol="0">
+            <a:spAutoFit/>
+          </a:bodyPr>
+          <a:lstStyle/>
+          <a:p>
+            <a:r>
+              <a:rPr lang="es-ES" dirty="0"/>
+              <a:t>S1Service</a:t>
             </a:r>
           </a:p>
         </p:txBody>
       </p:sp>
       <p:pic>
         <p:nvPicPr>
-          <p:cNvPr id="9" name="Imagen 8"/>
+          <p:cNvPr id="12" name="Imagen 11"/>
           <p:cNvPicPr>
             <a:picLocks noChangeAspect="1"/>
           </p:cNvPicPr>
@@ -5243,8 +5263,8 @@
         </p:blipFill>
         <p:spPr>
           <a:xfrm>
-            <a:off x="8968645" y="1506022"/>
-            <a:ext cx="3114286" cy="3085714"/>
+            <a:off x="6804296" y="4227877"/>
+            <a:ext cx="2286000" cy="952500"/>
           </a:xfrm>
           <a:prstGeom prst="rect">
             <a:avLst/>
@@ -5253,14 +5273,14 @@
       </p:pic>
       <p:cxnSp>
         <p:nvCxnSpPr>
-          <p:cNvPr id="11" name="Conector recto de flecha 10"/>
+          <p:cNvPr id="14" name="Conector recto de flecha 13"/>
           <p:cNvCxnSpPr/>
           <p:nvPr/>
         </p:nvCxnSpPr>
         <p:spPr>
-          <a:xfrm>
-            <a:off x="3246539" y="2726422"/>
-            <a:ext cx="5712903" cy="75501"/>
+          <a:xfrm flipH="1" flipV="1">
+            <a:off x="2508308" y="2231473"/>
+            <a:ext cx="704675" cy="2472654"/>
           </a:xfrm>
           <a:prstGeom prst="straightConnector1">
             <a:avLst/>
@@ -5286,14 +5306,14 @@
       </p:cxnSp>
       <p:sp>
         <p:nvSpPr>
-          <p:cNvPr id="12" name="CuadroTexto 11"/>
+          <p:cNvPr id="16" name="CuadroTexto 15"/>
           <p:cNvSpPr txBox="1"/>
           <p:nvPr/>
         </p:nvSpPr>
         <p:spPr>
           <a:xfrm>
-            <a:off x="5509884" y="2801923"/>
-            <a:ext cx="3262047" cy="646331"/>
+            <a:off x="2718034" y="4725275"/>
+            <a:ext cx="3021020" cy="369332"/>
           </a:xfrm>
           <a:prstGeom prst="rect">
             <a:avLst/>
@@ -5308,54 +5328,15 @@
           <a:p>
             <a:r>
               <a:rPr lang="es-ES" dirty="0"/>
-              <a:t>Se declara como un componente</a:t>
-            </a:r>
-          </a:p>
-          <a:p>
-            <a:r>
-              <a:rPr lang="es-ES" dirty="0"/>
-              <a:t>En el modulo</a:t>
-            </a:r>
-          </a:p>
-        </p:txBody>
-      </p:sp>
-      <p:cxnSp>
-        <p:nvCxnSpPr>
-          <p:cNvPr id="14" name="Conector recto de flecha 13"/>
-          <p:cNvCxnSpPr/>
-          <p:nvPr/>
-        </p:nvCxnSpPr>
-        <p:spPr>
-          <a:xfrm flipH="1" flipV="1">
-            <a:off x="1744910" y="4898966"/>
-            <a:ext cx="1912690" cy="906216"/>
-          </a:xfrm>
-          <a:prstGeom prst="straightConnector1">
-            <a:avLst/>
-          </a:prstGeom>
-          <a:ln>
-            <a:tailEnd type="triangle"/>
-          </a:ln>
-        </p:spPr>
-        <p:style>
-          <a:lnRef idx="1">
-            <a:schemeClr val="accent1"/>
-          </a:lnRef>
-          <a:fillRef idx="0">
-            <a:schemeClr val="accent1"/>
-          </a:fillRef>
-          <a:effectRef idx="0">
-            <a:schemeClr val="accent1"/>
-          </a:effectRef>
-          <a:fontRef idx="minor">
-            <a:schemeClr val="tx1"/>
-          </a:fontRef>
-        </p:style>
-      </p:cxnSp>
+              <a:t>Indica que su ámbito es global</a:t>
+            </a:r>
+          </a:p>
+        </p:txBody>
+      </p:sp>
     </p:spTree>
     <p:extLst>
       <p:ext uri="{BB962C8B-B14F-4D97-AF65-F5344CB8AC3E}">
-        <p14:creationId xmlns:p14="http://schemas.microsoft.com/office/powerpoint/2010/main" val="4180484404"/>
+        <p14:creationId xmlns:p14="http://schemas.microsoft.com/office/powerpoint/2010/main" val="3682883338"/>
       </p:ext>
     </p:extLst>
   </p:cSld>
@@ -5382,10 +5363,281 @@
           <a:chExt cx="0" cy="0"/>
         </a:xfrm>
       </p:grpSpPr>
+      <p:pic>
+        <p:nvPicPr>
+          <p:cNvPr id="5" name="Imagen 4"/>
+          <p:cNvPicPr>
+            <a:picLocks noChangeAspect="1"/>
+          </p:cNvPicPr>
+          <p:nvPr/>
+        </p:nvPicPr>
+        <p:blipFill>
+          <a:blip r:embed="rId2"/>
+          <a:stretch>
+            <a:fillRect/>
+          </a:stretch>
+        </p:blipFill>
+        <p:spPr>
+          <a:xfrm>
+            <a:off x="302797" y="261681"/>
+            <a:ext cx="4304762" cy="2190476"/>
+          </a:xfrm>
+          <a:prstGeom prst="rect">
+            <a:avLst/>
+          </a:prstGeom>
+        </p:spPr>
+      </p:pic>
+      <p:pic>
+        <p:nvPicPr>
+          <p:cNvPr id="6" name="Imagen 5"/>
+          <p:cNvPicPr>
+            <a:picLocks noChangeAspect="1"/>
+          </p:cNvPicPr>
+          <p:nvPr/>
+        </p:nvPicPr>
+        <p:blipFill>
+          <a:blip r:embed="rId3"/>
+          <a:stretch>
+            <a:fillRect/>
+          </a:stretch>
+        </p:blipFill>
+        <p:spPr>
+          <a:xfrm>
+            <a:off x="5300947" y="328348"/>
+            <a:ext cx="5952381" cy="1028571"/>
+          </a:xfrm>
+          <a:prstGeom prst="rect">
+            <a:avLst/>
+          </a:prstGeom>
+        </p:spPr>
+      </p:pic>
+      <p:pic>
+        <p:nvPicPr>
+          <p:cNvPr id="7" name="Imagen 6"/>
+          <p:cNvPicPr>
+            <a:picLocks noChangeAspect="1"/>
+          </p:cNvPicPr>
+          <p:nvPr/>
+        </p:nvPicPr>
+        <p:blipFill>
+          <a:blip r:embed="rId4"/>
+          <a:stretch>
+            <a:fillRect/>
+          </a:stretch>
+        </p:blipFill>
+        <p:spPr>
+          <a:xfrm>
+            <a:off x="4963053" y="1908947"/>
+            <a:ext cx="7047619" cy="942857"/>
+          </a:xfrm>
+          <a:prstGeom prst="rect">
+            <a:avLst/>
+          </a:prstGeom>
+        </p:spPr>
+      </p:pic>
+      <p:cxnSp>
+        <p:nvCxnSpPr>
+          <p:cNvPr id="9" name="Conector recto de flecha 8"/>
+          <p:cNvCxnSpPr/>
+          <p:nvPr/>
+        </p:nvCxnSpPr>
+        <p:spPr>
+          <a:xfrm flipH="1" flipV="1">
+            <a:off x="1430444" y="842633"/>
+            <a:ext cx="1564426" cy="1682453"/>
+          </a:xfrm>
+          <a:prstGeom prst="straightConnector1">
+            <a:avLst/>
+          </a:prstGeom>
+          <a:ln>
+            <a:tailEnd type="triangle"/>
+          </a:ln>
+        </p:spPr>
+        <p:style>
+          <a:lnRef idx="1">
+            <a:schemeClr val="accent1"/>
+          </a:lnRef>
+          <a:fillRef idx="0">
+            <a:schemeClr val="accent1"/>
+          </a:fillRef>
+          <a:effectRef idx="0">
+            <a:schemeClr val="accent1"/>
+          </a:effectRef>
+          <a:fontRef idx="minor">
+            <a:schemeClr val="tx1"/>
+          </a:fontRef>
+        </p:style>
+      </p:cxnSp>
+      <p:sp>
+        <p:nvSpPr>
+          <p:cNvPr id="10" name="CuadroTexto 9"/>
+          <p:cNvSpPr txBox="1"/>
+          <p:nvPr/>
+        </p:nvSpPr>
+        <p:spPr>
+          <a:xfrm>
+            <a:off x="1984933" y="2452157"/>
+            <a:ext cx="2539991" cy="369332"/>
+          </a:xfrm>
+          <a:prstGeom prst="rect">
+            <a:avLst/>
+          </a:prstGeom>
+          <a:noFill/>
+        </p:spPr>
+        <p:txBody>
+          <a:bodyPr wrap="none" rtlCol="0">
+            <a:spAutoFit/>
+          </a:bodyPr>
+          <a:lstStyle/>
+          <a:p>
+            <a:r>
+              <a:rPr lang="es-ES" dirty="0"/>
+              <a:t>No tiene definido </a:t>
+            </a:r>
+            <a:r>
+              <a:rPr lang="es-ES" dirty="0" err="1"/>
+              <a:t>ambito</a:t>
+            </a:r>
+            <a:endParaRPr lang="es-ES" dirty="0"/>
+          </a:p>
+        </p:txBody>
+      </p:sp>
+      <p:pic>
+        <p:nvPicPr>
+          <p:cNvPr id="11" name="Imagen 10"/>
+          <p:cNvPicPr>
+            <a:picLocks noChangeAspect="1"/>
+          </p:cNvPicPr>
+          <p:nvPr/>
+        </p:nvPicPr>
+        <p:blipFill>
+          <a:blip r:embed="rId5"/>
+          <a:stretch>
+            <a:fillRect/>
+          </a:stretch>
+        </p:blipFill>
+        <p:spPr>
+          <a:xfrm>
+            <a:off x="302797" y="2821489"/>
+            <a:ext cx="6000000" cy="3952381"/>
+          </a:xfrm>
+          <a:prstGeom prst="rect">
+            <a:avLst/>
+          </a:prstGeom>
+        </p:spPr>
+      </p:pic>
+      <p:sp>
+        <p:nvSpPr>
+          <p:cNvPr id="13" name="CuadroTexto 12"/>
+          <p:cNvSpPr txBox="1"/>
+          <p:nvPr/>
+        </p:nvSpPr>
+        <p:spPr>
+          <a:xfrm>
+            <a:off x="6727971" y="3699545"/>
+            <a:ext cx="5440913" cy="646331"/>
+          </a:xfrm>
+          <a:prstGeom prst="rect">
+            <a:avLst/>
+          </a:prstGeom>
+          <a:noFill/>
+        </p:spPr>
+        <p:txBody>
+          <a:bodyPr wrap="none" rtlCol="0">
+            <a:spAutoFit/>
+          </a:bodyPr>
+          <a:lstStyle/>
+          <a:p>
+            <a:r>
+              <a:rPr lang="es-ES" dirty="0"/>
+              <a:t>El servicio esta definido en el </a:t>
+            </a:r>
+            <a:r>
+              <a:rPr lang="es-ES" dirty="0" err="1"/>
+              <a:t>metadata</a:t>
+            </a:r>
+            <a:r>
+              <a:rPr lang="es-ES" dirty="0"/>
+              <a:t> del componente</a:t>
+            </a:r>
+          </a:p>
+          <a:p>
+            <a:endParaRPr lang="es-ES" dirty="0"/>
+          </a:p>
+        </p:txBody>
+      </p:sp>
+      <p:cxnSp>
+        <p:nvCxnSpPr>
+          <p:cNvPr id="15" name="Conector recto de flecha 14"/>
+          <p:cNvCxnSpPr/>
+          <p:nvPr/>
+        </p:nvCxnSpPr>
+        <p:spPr>
+          <a:xfrm flipH="1">
+            <a:off x="2212657" y="3850547"/>
+            <a:ext cx="4515314" cy="0"/>
+          </a:xfrm>
+          <a:prstGeom prst="straightConnector1">
+            <a:avLst/>
+          </a:prstGeom>
+          <a:ln>
+            <a:tailEnd type="triangle"/>
+          </a:ln>
+        </p:spPr>
+        <p:style>
+          <a:lnRef idx="1">
+            <a:schemeClr val="accent1"/>
+          </a:lnRef>
+          <a:fillRef idx="0">
+            <a:schemeClr val="accent1"/>
+          </a:fillRef>
+          <a:effectRef idx="0">
+            <a:schemeClr val="accent1"/>
+          </a:effectRef>
+          <a:fontRef idx="minor">
+            <a:schemeClr val="tx1"/>
+          </a:fontRef>
+        </p:style>
+      </p:cxnSp>
+      <p:cxnSp>
+        <p:nvCxnSpPr>
+          <p:cNvPr id="17" name="Conector recto de flecha 16"/>
+          <p:cNvCxnSpPr>
+            <a:stCxn id="13" idx="1"/>
+          </p:cNvCxnSpPr>
+          <p:nvPr/>
+        </p:nvCxnSpPr>
+        <p:spPr>
+          <a:xfrm flipH="1">
+            <a:off x="4681057" y="4022711"/>
+            <a:ext cx="2046914" cy="1052628"/>
+          </a:xfrm>
+          <a:prstGeom prst="straightConnector1">
+            <a:avLst/>
+          </a:prstGeom>
+          <a:ln>
+            <a:tailEnd type="triangle"/>
+          </a:ln>
+        </p:spPr>
+        <p:style>
+          <a:lnRef idx="1">
+            <a:schemeClr val="accent1"/>
+          </a:lnRef>
+          <a:fillRef idx="0">
+            <a:schemeClr val="accent1"/>
+          </a:fillRef>
+          <a:effectRef idx="0">
+            <a:schemeClr val="accent1"/>
+          </a:effectRef>
+          <a:fontRef idx="minor">
+            <a:schemeClr val="tx1"/>
+          </a:fontRef>
+        </p:style>
+      </p:cxnSp>
     </p:spTree>
     <p:extLst>
       <p:ext uri="{BB962C8B-B14F-4D97-AF65-F5344CB8AC3E}">
-        <p14:creationId xmlns:p14="http://schemas.microsoft.com/office/powerpoint/2010/main" val="4276242880"/>
+        <p14:creationId xmlns:p14="http://schemas.microsoft.com/office/powerpoint/2010/main" val="2410709296"/>
       </p:ext>
     </p:extLst>
   </p:cSld>
@@ -5422,55 +5674,236 @@
             <p:ph type="title"/>
           </p:nvPr>
         </p:nvSpPr>
-        <p:spPr/>
+        <p:spPr>
+          <a:xfrm>
+            <a:off x="323439" y="107967"/>
+            <a:ext cx="10515600" cy="1325563"/>
+          </a:xfrm>
+        </p:spPr>
         <p:txBody>
           <a:bodyPr/>
           <a:lstStyle/>
           <a:p>
             <a:r>
               <a:rPr lang="es-ES" dirty="0"/>
-              <a:t>Ejercicio</a:t>
-            </a:r>
-          </a:p>
-        </p:txBody>
-      </p:sp>
-      <p:sp>
-        <p:nvSpPr>
-          <p:cNvPr id="3" name="Marcador de contenido 2"/>
-          <p:cNvSpPr>
-            <a:spLocks noGrp="1"/>
-          </p:cNvSpPr>
-          <p:nvPr>
-            <p:ph idx="1"/>
-          </p:nvPr>
-        </p:nvSpPr>
-        <p:spPr/>
-        <p:txBody>
-          <a:bodyPr/>
-          <a:lstStyle/>
-          <a:p>
-            <a:r>
-              <a:rPr lang="es-ES" dirty="0"/>
-              <a:t>Implementar un sistema de i18n dentro de la una directiva</a:t>
-            </a:r>
-          </a:p>
-          <a:p>
-            <a:pPr lvl="1"/>
-            <a:r>
-              <a:rPr lang="es-ES" dirty="0"/>
-              <a:t>Creamos la directiva</a:t>
-            </a:r>
-          </a:p>
-          <a:p>
-            <a:pPr lvl="1"/>
-            <a:endParaRPr lang="es-ES" dirty="0"/>
-          </a:p>
-        </p:txBody>
-      </p:sp>
+              <a:t>Inyección de dependencias</a:t>
+            </a:r>
+          </a:p>
+        </p:txBody>
+      </p:sp>
+      <p:pic>
+        <p:nvPicPr>
+          <p:cNvPr id="5" name="Imagen 4"/>
+          <p:cNvPicPr>
+            <a:picLocks noChangeAspect="1"/>
+          </p:cNvPicPr>
+          <p:nvPr/>
+        </p:nvPicPr>
+        <p:blipFill>
+          <a:blip r:embed="rId2"/>
+          <a:stretch>
+            <a:fillRect/>
+          </a:stretch>
+        </p:blipFill>
+        <p:spPr>
+          <a:xfrm>
+            <a:off x="450796" y="1442862"/>
+            <a:ext cx="5200000" cy="3485714"/>
+          </a:xfrm>
+          <a:prstGeom prst="rect">
+            <a:avLst/>
+          </a:prstGeom>
+        </p:spPr>
+      </p:pic>
+      <p:pic>
+        <p:nvPicPr>
+          <p:cNvPr id="6" name="Imagen 5"/>
+          <p:cNvPicPr>
+            <a:picLocks noChangeAspect="1"/>
+          </p:cNvPicPr>
+          <p:nvPr/>
+        </p:nvPicPr>
+        <p:blipFill>
+          <a:blip r:embed="rId3"/>
+          <a:stretch>
+            <a:fillRect/>
+          </a:stretch>
+        </p:blipFill>
+        <p:spPr>
+          <a:xfrm>
+            <a:off x="6812453" y="1496795"/>
+            <a:ext cx="3885714" cy="1809524"/>
+          </a:xfrm>
+          <a:prstGeom prst="rect">
+            <a:avLst/>
+          </a:prstGeom>
+        </p:spPr>
+      </p:pic>
+      <p:cxnSp>
+        <p:nvCxnSpPr>
+          <p:cNvPr id="8" name="Conector recto de flecha 7"/>
+          <p:cNvCxnSpPr/>
+          <p:nvPr/>
+        </p:nvCxnSpPr>
+        <p:spPr>
+          <a:xfrm flipV="1">
+            <a:off x="4689446" y="2404870"/>
+            <a:ext cx="2315361" cy="1361787"/>
+          </a:xfrm>
+          <a:prstGeom prst="straightConnector1">
+            <a:avLst/>
+          </a:prstGeom>
+          <a:ln>
+            <a:tailEnd type="triangle"/>
+          </a:ln>
+        </p:spPr>
+        <p:style>
+          <a:lnRef idx="1">
+            <a:schemeClr val="accent1"/>
+          </a:lnRef>
+          <a:fillRef idx="0">
+            <a:schemeClr val="accent1"/>
+          </a:fillRef>
+          <a:effectRef idx="0">
+            <a:schemeClr val="accent1"/>
+          </a:effectRef>
+          <a:fontRef idx="minor">
+            <a:schemeClr val="tx1"/>
+          </a:fontRef>
+        </p:style>
+      </p:cxnSp>
+      <p:cxnSp>
+        <p:nvCxnSpPr>
+          <p:cNvPr id="10" name="Conector recto de flecha 9"/>
+          <p:cNvCxnSpPr/>
+          <p:nvPr/>
+        </p:nvCxnSpPr>
+        <p:spPr>
+          <a:xfrm flipV="1">
+            <a:off x="4905868" y="2628738"/>
+            <a:ext cx="2249941" cy="1280532"/>
+          </a:xfrm>
+          <a:prstGeom prst="straightConnector1">
+            <a:avLst/>
+          </a:prstGeom>
+          <a:ln>
+            <a:tailEnd type="triangle"/>
+          </a:ln>
+        </p:spPr>
+        <p:style>
+          <a:lnRef idx="1">
+            <a:schemeClr val="accent1"/>
+          </a:lnRef>
+          <a:fillRef idx="0">
+            <a:schemeClr val="accent1"/>
+          </a:fillRef>
+          <a:effectRef idx="0">
+            <a:schemeClr val="accent1"/>
+          </a:effectRef>
+          <a:fontRef idx="minor">
+            <a:schemeClr val="tx1"/>
+          </a:fontRef>
+        </p:style>
+      </p:cxnSp>
+      <p:cxnSp>
+        <p:nvCxnSpPr>
+          <p:cNvPr id="12" name="Conector recto de flecha 11"/>
+          <p:cNvCxnSpPr/>
+          <p:nvPr/>
+        </p:nvCxnSpPr>
+        <p:spPr>
+          <a:xfrm flipV="1">
+            <a:off x="5041783" y="2896222"/>
+            <a:ext cx="2088859" cy="1264717"/>
+          </a:xfrm>
+          <a:prstGeom prst="straightConnector1">
+            <a:avLst/>
+          </a:prstGeom>
+          <a:ln>
+            <a:tailEnd type="triangle"/>
+          </a:ln>
+        </p:spPr>
+        <p:style>
+          <a:lnRef idx="1">
+            <a:schemeClr val="accent1"/>
+          </a:lnRef>
+          <a:fillRef idx="0">
+            <a:schemeClr val="accent1"/>
+          </a:fillRef>
+          <a:effectRef idx="0">
+            <a:schemeClr val="accent1"/>
+          </a:effectRef>
+          <a:fontRef idx="minor">
+            <a:schemeClr val="tx1"/>
+          </a:fontRef>
+        </p:style>
+      </p:cxnSp>
+      <p:sp>
+        <p:nvSpPr>
+          <p:cNvPr id="13" name="CuadroTexto 12"/>
+          <p:cNvSpPr txBox="1"/>
+          <p:nvPr/>
+        </p:nvSpPr>
+        <p:spPr>
+          <a:xfrm>
+            <a:off x="6156820" y="4526387"/>
+            <a:ext cx="2392322" cy="369332"/>
+          </a:xfrm>
+          <a:prstGeom prst="rect">
+            <a:avLst/>
+          </a:prstGeom>
+          <a:noFill/>
+        </p:spPr>
+        <p:txBody>
+          <a:bodyPr wrap="none" rtlCol="0">
+            <a:spAutoFit/>
+          </a:bodyPr>
+          <a:lstStyle/>
+          <a:p>
+            <a:r>
+              <a:rPr lang="es-ES" dirty="0"/>
+              <a:t>Equivalente a S2Service</a:t>
+            </a:r>
+          </a:p>
+        </p:txBody>
+      </p:sp>
+      <p:cxnSp>
+        <p:nvCxnSpPr>
+          <p:cNvPr id="15" name="Conector recto de flecha 14"/>
+          <p:cNvCxnSpPr/>
+          <p:nvPr/>
+        </p:nvCxnSpPr>
+        <p:spPr>
+          <a:xfrm>
+            <a:off x="5131641" y="4428423"/>
+            <a:ext cx="899197" cy="276284"/>
+          </a:xfrm>
+          <a:prstGeom prst="straightConnector1">
+            <a:avLst/>
+          </a:prstGeom>
+          <a:ln>
+            <a:tailEnd type="triangle"/>
+          </a:ln>
+        </p:spPr>
+        <p:style>
+          <a:lnRef idx="1">
+            <a:schemeClr val="accent1"/>
+          </a:lnRef>
+          <a:fillRef idx="0">
+            <a:schemeClr val="accent1"/>
+          </a:fillRef>
+          <a:effectRef idx="0">
+            <a:schemeClr val="accent1"/>
+          </a:effectRef>
+          <a:fontRef idx="minor">
+            <a:schemeClr val="tx1"/>
+          </a:fontRef>
+        </p:style>
+      </p:cxnSp>
     </p:spTree>
     <p:extLst>
       <p:ext uri="{BB962C8B-B14F-4D97-AF65-F5344CB8AC3E}">
-        <p14:creationId xmlns:p14="http://schemas.microsoft.com/office/powerpoint/2010/main" val="975720002"/>
+        <p14:creationId xmlns:p14="http://schemas.microsoft.com/office/powerpoint/2010/main" val="944840386"/>
       </p:ext>
     </p:extLst>
   </p:cSld>
@@ -5514,7 +5947,7 @@
           <a:p>
             <a:r>
               <a:rPr lang="es-ES" dirty="0"/>
-              <a:t>Pipe</a:t>
+              <a:t>DI</a:t>
             </a:r>
           </a:p>
         </p:txBody>
@@ -5531,16 +5964,111 @@
         </p:nvSpPr>
         <p:spPr/>
         <p:txBody>
-          <a:bodyPr/>
-          <a:lstStyle/>
-          <a:p>
+          <a:bodyPr>
+            <a:normAutofit lnSpcReduction="10000"/>
+          </a:bodyPr>
+          <a:lstStyle/>
+          <a:p>
+            <a:r>
+              <a:rPr lang="es-ES" dirty="0"/>
+              <a:t>Es jerárquico</a:t>
+            </a:r>
+          </a:p>
+          <a:p>
+            <a:pPr lvl="1"/>
+            <a:r>
+              <a:rPr lang="es-ES" dirty="0"/>
+              <a:t>Existe un árbol de inyectores</a:t>
+            </a:r>
+          </a:p>
+          <a:p>
+            <a:pPr lvl="1"/>
+            <a:r>
+              <a:rPr lang="es-ES" dirty="0"/>
+              <a:t>Un </a:t>
+            </a:r>
             <a:r>
               <a:rPr lang="es-ES" dirty="0" err="1"/>
-              <a:t>ng</a:t>
-            </a:r>
-            <a:r>
-              <a:rPr lang="es-ES" dirty="0"/>
-              <a:t> g pipe nombre</a:t>
+              <a:t>root</a:t>
+            </a:r>
+            <a:r>
+              <a:rPr lang="es-ES" dirty="0"/>
+              <a:t>, uno por modulo y otro por componente.</a:t>
+            </a:r>
+          </a:p>
+          <a:p>
+            <a:r>
+              <a:rPr lang="es-ES" dirty="0"/>
+              <a:t>Es recursivo</a:t>
+            </a:r>
+          </a:p>
+          <a:p>
+            <a:pPr lvl="1"/>
+            <a:r>
+              <a:rPr lang="es-ES" dirty="0"/>
+              <a:t>Un servicio puede inyectar otros servicios</a:t>
+            </a:r>
+          </a:p>
+          <a:p>
+            <a:r>
+              <a:rPr lang="es-ES" dirty="0"/>
+              <a:t>Los elementos a inyectar</a:t>
+            </a:r>
+          </a:p>
+          <a:p>
+            <a:pPr lvl="1"/>
+            <a:r>
+              <a:rPr lang="es-ES" dirty="0"/>
+              <a:t>Valores</a:t>
+            </a:r>
+          </a:p>
+          <a:p>
+            <a:pPr lvl="1"/>
+            <a:r>
+              <a:rPr lang="es-ES" dirty="0"/>
+              <a:t>Instancias</a:t>
+            </a:r>
+          </a:p>
+          <a:p>
+            <a:pPr lvl="1"/>
+            <a:r>
+              <a:rPr lang="es-ES" dirty="0" err="1"/>
+              <a:t>Factorias</a:t>
+            </a:r>
+            <a:endParaRPr lang="es-ES" dirty="0"/>
+          </a:p>
+          <a:p>
+            <a:r>
+              <a:rPr lang="es-ES" dirty="0"/>
+              <a:t>El mismo servicio puede estar definido a distintos niveles</a:t>
+            </a:r>
+          </a:p>
+        </p:txBody>
+      </p:sp>
+      <p:sp>
+        <p:nvSpPr>
+          <p:cNvPr id="4" name="Rectángulo 3"/>
+          <p:cNvSpPr/>
+          <p:nvPr/>
+        </p:nvSpPr>
+        <p:spPr>
+          <a:xfrm>
+            <a:off x="1630719" y="843240"/>
+            <a:ext cx="5457520" cy="369332"/>
+          </a:xfrm>
+          <a:prstGeom prst="rect">
+            <a:avLst/>
+          </a:prstGeom>
+        </p:spPr>
+        <p:txBody>
+          <a:bodyPr wrap="none">
+            <a:spAutoFit/>
+          </a:bodyPr>
+          <a:lstStyle/>
+          <a:p>
+            <a:r>
+              <a:rPr lang="es-ES" dirty="0"/>
+              <a:t>https://angular.io/guide/dependency-injection-in-action</a:t>
             </a:r>
           </a:p>
         </p:txBody>
@@ -5548,7 +6076,7 @@
     </p:spTree>
     <p:extLst>
       <p:ext uri="{BB962C8B-B14F-4D97-AF65-F5344CB8AC3E}">
-        <p14:creationId xmlns:p14="http://schemas.microsoft.com/office/powerpoint/2010/main" val="396167931"/>
+        <p14:creationId xmlns:p14="http://schemas.microsoft.com/office/powerpoint/2010/main" val="2824663725"/>
       </p:ext>
     </p:extLst>
   </p:cSld>
@@ -5585,27 +6113,21 @@
             <p:ph type="title"/>
           </p:nvPr>
         </p:nvSpPr>
-        <p:spPr>
-          <a:xfrm>
-            <a:off x="209026" y="162004"/>
-            <a:ext cx="10515600" cy="995678"/>
-          </a:xfrm>
-        </p:spPr>
+        <p:spPr/>
         <p:txBody>
           <a:bodyPr/>
           <a:lstStyle/>
           <a:p>
             <a:r>
-              <a:rPr lang="es-ES" dirty="0" err="1"/>
-              <a:t>HttpClient</a:t>
-            </a:r>
-            <a:endParaRPr lang="es-ES" dirty="0"/>
+              <a:rPr lang="es-ES" dirty="0"/>
+              <a:t>Inicialización de la aplicación</a:t>
+            </a:r>
           </a:p>
         </p:txBody>
       </p:sp>
       <p:pic>
         <p:nvPicPr>
-          <p:cNvPr id="5" name="Imagen 4"/>
+          <p:cNvPr id="4" name="Imagen 3"/>
           <p:cNvPicPr>
             <a:picLocks noChangeAspect="1"/>
           </p:cNvPicPr>
@@ -5619,8 +6141,8 @@
         </p:blipFill>
         <p:spPr>
           <a:xfrm>
-            <a:off x="272250" y="1370119"/>
-            <a:ext cx="7000000" cy="4190476"/>
+            <a:off x="911077" y="1690688"/>
+            <a:ext cx="4866667" cy="1942857"/>
           </a:xfrm>
           <a:prstGeom prst="rect">
             <a:avLst/>
@@ -5629,14 +6151,14 @@
       </p:pic>
       <p:sp>
         <p:nvSpPr>
-          <p:cNvPr id="6" name="CuadroTexto 5"/>
+          <p:cNvPr id="5" name="CuadroTexto 4"/>
           <p:cNvSpPr txBox="1"/>
           <p:nvPr/>
         </p:nvSpPr>
         <p:spPr>
           <a:xfrm>
-            <a:off x="7623440" y="1047880"/>
-            <a:ext cx="4118115" cy="2031325"/>
+            <a:off x="6199464" y="2332139"/>
+            <a:ext cx="4199739" cy="369332"/>
           </a:xfrm>
           <a:prstGeom prst="rect">
             <a:avLst/>
@@ -5651,48 +6173,26 @@
           <a:p>
             <a:r>
               <a:rPr lang="es-ES" dirty="0"/>
-              <a:t>Importación</a:t>
-            </a:r>
-          </a:p>
-          <a:p>
+              <a:t>Esta función se ejecuta antes de </a:t>
+            </a:r>
+            <a:r>
+              <a:rPr lang="es-ES" dirty="0" err="1"/>
+              <a:t>renderizar</a:t>
+            </a:r>
             <a:endParaRPr lang="es-ES" dirty="0"/>
-          </a:p>
-          <a:p>
-            <a:endParaRPr lang="es-ES" dirty="0"/>
-          </a:p>
-          <a:p>
-            <a:r>
-              <a:rPr lang="es-ES" dirty="0"/>
-              <a:t>Declaración</a:t>
-            </a:r>
-          </a:p>
-          <a:p>
-            <a:endParaRPr lang="es-ES" dirty="0"/>
-          </a:p>
-          <a:p>
-            <a:r>
-              <a:rPr lang="es-ES" dirty="0"/>
-              <a:t>Importación de la clase e inyección en el c</a:t>
-            </a:r>
-          </a:p>
-          <a:p>
-            <a:r>
-              <a:rPr lang="es-ES" dirty="0"/>
-              <a:t>constructor</a:t>
-            </a:r>
           </a:p>
         </p:txBody>
       </p:sp>
       <p:cxnSp>
         <p:nvCxnSpPr>
-          <p:cNvPr id="8" name="Conector recto de flecha 7"/>
+          <p:cNvPr id="7" name="Conector recto de flecha 6"/>
           <p:cNvCxnSpPr/>
           <p:nvPr/>
         </p:nvCxnSpPr>
         <p:spPr>
           <a:xfrm flipH="1">
-            <a:off x="2332140" y="1276821"/>
-            <a:ext cx="5291300" cy="543738"/>
+            <a:off x="4169328" y="2477450"/>
+            <a:ext cx="1803633" cy="184666"/>
           </a:xfrm>
           <a:prstGeom prst="straightConnector1">
             <a:avLst/>
@@ -5716,380 +6216,10 @@
           </a:fontRef>
         </p:style>
       </p:cxnSp>
-      <p:cxnSp>
-        <p:nvCxnSpPr>
-          <p:cNvPr id="10" name="Conector recto de flecha 9"/>
-          <p:cNvCxnSpPr>
-            <a:stCxn id="6" idx="1"/>
-          </p:cNvCxnSpPr>
-          <p:nvPr/>
-        </p:nvCxnSpPr>
-        <p:spPr>
-          <a:xfrm flipH="1">
-            <a:off x="2902592" y="2063543"/>
-            <a:ext cx="4720848" cy="3011796"/>
-          </a:xfrm>
-          <a:prstGeom prst="straightConnector1">
-            <a:avLst/>
-          </a:prstGeom>
-          <a:ln>
-            <a:tailEnd type="triangle"/>
-          </a:ln>
-        </p:spPr>
-        <p:style>
-          <a:lnRef idx="1">
-            <a:schemeClr val="accent1"/>
-          </a:lnRef>
-          <a:fillRef idx="0">
-            <a:schemeClr val="accent1"/>
-          </a:fillRef>
-          <a:effectRef idx="0">
-            <a:schemeClr val="accent1"/>
-          </a:effectRef>
-          <a:fontRef idx="minor">
-            <a:schemeClr val="tx1"/>
-          </a:fontRef>
-        </p:style>
-      </p:cxnSp>
-      <p:pic>
-        <p:nvPicPr>
-          <p:cNvPr id="13" name="Imagen 12"/>
-          <p:cNvPicPr>
-            <a:picLocks noChangeAspect="1"/>
-          </p:cNvPicPr>
-          <p:nvPr/>
-        </p:nvPicPr>
-        <p:blipFill>
-          <a:blip r:embed="rId3"/>
-          <a:stretch>
-            <a:fillRect/>
-          </a:stretch>
-        </p:blipFill>
-        <p:spPr>
-          <a:xfrm>
-            <a:off x="6877714" y="3465357"/>
-            <a:ext cx="5314286" cy="2457143"/>
-          </a:xfrm>
-          <a:prstGeom prst="rect">
-            <a:avLst/>
-          </a:prstGeom>
-        </p:spPr>
-      </p:pic>
-      <p:pic>
-        <p:nvPicPr>
-          <p:cNvPr id="18" name="Imagen 17"/>
-          <p:cNvPicPr>
-            <a:picLocks noChangeAspect="1"/>
-          </p:cNvPicPr>
-          <p:nvPr/>
-        </p:nvPicPr>
-        <p:blipFill>
-          <a:blip r:embed="rId4"/>
-          <a:stretch>
-            <a:fillRect/>
-          </a:stretch>
-        </p:blipFill>
-        <p:spPr>
-          <a:xfrm>
-            <a:off x="6877714" y="6011034"/>
-            <a:ext cx="4409524" cy="752381"/>
-          </a:xfrm>
-          <a:prstGeom prst="rect">
-            <a:avLst/>
-          </a:prstGeom>
-        </p:spPr>
-      </p:pic>
-      <p:cxnSp>
-        <p:nvCxnSpPr>
-          <p:cNvPr id="22" name="Conector recto de flecha 21"/>
-          <p:cNvCxnSpPr>
-            <a:endCxn id="18" idx="1"/>
-          </p:cNvCxnSpPr>
-          <p:nvPr/>
-        </p:nvCxnSpPr>
-        <p:spPr>
-          <a:xfrm>
-            <a:off x="5075693" y="5879829"/>
-            <a:ext cx="1802021" cy="507396"/>
-          </a:xfrm>
-          <a:prstGeom prst="straightConnector1">
-            <a:avLst/>
-          </a:prstGeom>
-          <a:ln>
-            <a:tailEnd type="triangle"/>
-          </a:ln>
-        </p:spPr>
-        <p:style>
-          <a:lnRef idx="1">
-            <a:schemeClr val="accent1"/>
-          </a:lnRef>
-          <a:fillRef idx="0">
-            <a:schemeClr val="accent1"/>
-          </a:fillRef>
-          <a:effectRef idx="0">
-            <a:schemeClr val="accent1"/>
-          </a:effectRef>
-          <a:fontRef idx="minor">
-            <a:schemeClr val="tx1"/>
-          </a:fontRef>
-        </p:style>
-      </p:cxnSp>
-      <p:sp>
-        <p:nvSpPr>
-          <p:cNvPr id="23" name="CuadroTexto 22"/>
-          <p:cNvSpPr txBox="1"/>
-          <p:nvPr/>
-        </p:nvSpPr>
-        <p:spPr>
-          <a:xfrm>
-            <a:off x="2838806" y="5567454"/>
-            <a:ext cx="2309928" cy="369332"/>
-          </a:xfrm>
-          <a:prstGeom prst="rect">
-            <a:avLst/>
-          </a:prstGeom>
-          <a:noFill/>
-        </p:spPr>
-        <p:txBody>
-          <a:bodyPr wrap="none" rtlCol="0">
-            <a:spAutoFit/>
-          </a:bodyPr>
-          <a:lstStyle/>
-          <a:p>
-            <a:r>
-              <a:rPr lang="es-ES" dirty="0"/>
-              <a:t>Retorna un observable</a:t>
-            </a:r>
-          </a:p>
-        </p:txBody>
-      </p:sp>
-      <p:cxnSp>
-        <p:nvCxnSpPr>
-          <p:cNvPr id="25" name="Conector recto de flecha 24"/>
-          <p:cNvCxnSpPr/>
-          <p:nvPr/>
-        </p:nvCxnSpPr>
-        <p:spPr>
-          <a:xfrm flipH="1">
-            <a:off x="8095376" y="2659310"/>
-            <a:ext cx="184558" cy="806047"/>
-          </a:xfrm>
-          <a:prstGeom prst="straightConnector1">
-            <a:avLst/>
-          </a:prstGeom>
-          <a:ln>
-            <a:tailEnd type="triangle"/>
-          </a:ln>
-        </p:spPr>
-        <p:style>
-          <a:lnRef idx="1">
-            <a:schemeClr val="accent1"/>
-          </a:lnRef>
-          <a:fillRef idx="0">
-            <a:schemeClr val="accent1"/>
-          </a:fillRef>
-          <a:effectRef idx="0">
-            <a:schemeClr val="accent1"/>
-          </a:effectRef>
-          <a:fontRef idx="minor">
-            <a:schemeClr val="tx1"/>
-          </a:fontRef>
-        </p:style>
-      </p:cxnSp>
-      <p:cxnSp>
-        <p:nvCxnSpPr>
-          <p:cNvPr id="27" name="Conector recto de flecha 26"/>
-          <p:cNvCxnSpPr/>
-          <p:nvPr/>
-        </p:nvCxnSpPr>
-        <p:spPr>
-          <a:xfrm flipH="1">
-            <a:off x="9378892" y="2692866"/>
-            <a:ext cx="1283515" cy="2256639"/>
-          </a:xfrm>
-          <a:prstGeom prst="straightConnector1">
-            <a:avLst/>
-          </a:prstGeom>
-          <a:ln>
-            <a:tailEnd type="triangle"/>
-          </a:ln>
-        </p:spPr>
-        <p:style>
-          <a:lnRef idx="1">
-            <a:schemeClr val="accent1"/>
-          </a:lnRef>
-          <a:fillRef idx="0">
-            <a:schemeClr val="accent1"/>
-          </a:fillRef>
-          <a:effectRef idx="0">
-            <a:schemeClr val="accent1"/>
-          </a:effectRef>
-          <a:fontRef idx="minor">
-            <a:schemeClr val="tx1"/>
-          </a:fontRef>
-        </p:style>
-      </p:cxnSp>
-      <p:pic>
-        <p:nvPicPr>
-          <p:cNvPr id="28" name="Imagen 27"/>
-          <p:cNvPicPr>
-            <a:picLocks noChangeAspect="1"/>
-          </p:cNvPicPr>
-          <p:nvPr/>
-        </p:nvPicPr>
-        <p:blipFill>
-          <a:blip r:embed="rId5"/>
-          <a:stretch>
-            <a:fillRect/>
-          </a:stretch>
-        </p:blipFill>
-        <p:spPr>
-          <a:xfrm>
-            <a:off x="282067" y="6133527"/>
-            <a:ext cx="4866667" cy="638095"/>
-          </a:xfrm>
-          <a:prstGeom prst="rect">
-            <a:avLst/>
-          </a:prstGeom>
-        </p:spPr>
-      </p:pic>
-      <p:sp>
-        <p:nvSpPr>
-          <p:cNvPr id="30" name="CuadroTexto 29"/>
-          <p:cNvSpPr txBox="1"/>
-          <p:nvPr/>
-        </p:nvSpPr>
-        <p:spPr>
-          <a:xfrm>
-            <a:off x="10352015" y="4240687"/>
-            <a:ext cx="1137234" cy="369332"/>
-          </a:xfrm>
-          <a:prstGeom prst="rect">
-            <a:avLst/>
-          </a:prstGeom>
-        </p:spPr>
-        <p:style>
-          <a:lnRef idx="2">
-            <a:schemeClr val="dk1"/>
-          </a:lnRef>
-          <a:fillRef idx="1">
-            <a:schemeClr val="lt1"/>
-          </a:fillRef>
-          <a:effectRef idx="0">
-            <a:schemeClr val="dk1"/>
-          </a:effectRef>
-          <a:fontRef idx="minor">
-            <a:schemeClr val="dk1"/>
-          </a:fontRef>
-        </p:style>
-        <p:txBody>
-          <a:bodyPr wrap="none" rtlCol="0">
-            <a:spAutoFit/>
-          </a:bodyPr>
-          <a:lstStyle/>
-          <a:p>
-            <a:r>
-              <a:rPr lang="es-ES" dirty="0" err="1"/>
-              <a:t>Servicio.ts</a:t>
-            </a:r>
-            <a:endParaRPr lang="es-ES" dirty="0"/>
-          </a:p>
-        </p:txBody>
-      </p:sp>
-      <p:sp>
-        <p:nvSpPr>
-          <p:cNvPr id="31" name="CuadroTexto 30"/>
-          <p:cNvSpPr txBox="1"/>
-          <p:nvPr/>
-        </p:nvSpPr>
-        <p:spPr>
-          <a:xfrm>
-            <a:off x="3037449" y="6366539"/>
-            <a:ext cx="2104807" cy="369332"/>
-          </a:xfrm>
-          <a:prstGeom prst="rect">
-            <a:avLst/>
-          </a:prstGeom>
-        </p:spPr>
-        <p:style>
-          <a:lnRef idx="2">
-            <a:schemeClr val="dk1"/>
-          </a:lnRef>
-          <a:fillRef idx="1">
-            <a:schemeClr val="lt1"/>
-          </a:fillRef>
-          <a:effectRef idx="0">
-            <a:schemeClr val="dk1"/>
-          </a:effectRef>
-          <a:fontRef idx="minor">
-            <a:schemeClr val="dk1"/>
-          </a:fontRef>
-        </p:style>
-        <p:txBody>
-          <a:bodyPr wrap="none" rtlCol="0">
-            <a:spAutoFit/>
-          </a:bodyPr>
-          <a:lstStyle/>
-          <a:p>
-            <a:r>
-              <a:rPr lang="es-ES" dirty="0"/>
-              <a:t>En el </a:t>
-            </a:r>
-            <a:r>
-              <a:rPr lang="es-ES" dirty="0" err="1"/>
-              <a:t>componente.ts</a:t>
-            </a:r>
-            <a:endParaRPr lang="es-ES" dirty="0"/>
-          </a:p>
-        </p:txBody>
-      </p:sp>
-      <p:sp>
-        <p:nvSpPr>
-          <p:cNvPr id="32" name="CuadroTexto 31"/>
-          <p:cNvSpPr txBox="1"/>
-          <p:nvPr/>
-        </p:nvSpPr>
-        <p:spPr>
-          <a:xfrm>
-            <a:off x="3593202" y="3033259"/>
-            <a:ext cx="1534266" cy="369332"/>
-          </a:xfrm>
-          <a:prstGeom prst="rect">
-            <a:avLst/>
-          </a:prstGeom>
-        </p:spPr>
-        <p:style>
-          <a:lnRef idx="2">
-            <a:schemeClr val="dk1"/>
-          </a:lnRef>
-          <a:fillRef idx="1">
-            <a:schemeClr val="lt1"/>
-          </a:fillRef>
-          <a:effectRef idx="0">
-            <a:schemeClr val="dk1"/>
-          </a:effectRef>
-          <a:fontRef idx="minor">
-            <a:schemeClr val="dk1"/>
-          </a:fontRef>
-        </p:style>
-        <p:txBody>
-          <a:bodyPr wrap="none" rtlCol="0">
-            <a:spAutoFit/>
-          </a:bodyPr>
-          <a:lstStyle/>
-          <a:p>
-            <a:r>
-              <a:rPr lang="es-ES" dirty="0" err="1"/>
-              <a:t>app.module.ts</a:t>
-            </a:r>
-            <a:endParaRPr lang="es-ES" dirty="0"/>
-          </a:p>
-        </p:txBody>
-      </p:sp>
     </p:spTree>
     <p:extLst>
       <p:ext uri="{BB962C8B-B14F-4D97-AF65-F5344CB8AC3E}">
-        <p14:creationId xmlns:p14="http://schemas.microsoft.com/office/powerpoint/2010/main" val="949299333"/>
+        <p14:creationId xmlns:p14="http://schemas.microsoft.com/office/powerpoint/2010/main" val="1874542822"/>
       </p:ext>
     </p:extLst>
   </p:cSld>
@@ -6251,7 +6381,15 @@
           <a:p>
             <a:r>
               <a:rPr lang="es-ES" dirty="0"/>
-              <a:t>Varias peticiones en paralelo</a:t>
+              <a:t>Arranque de </a:t>
+            </a:r>
+            <a:r>
+              <a:rPr lang="es-ES" dirty="0" err="1"/>
+              <a:t>multiples</a:t>
+            </a:r>
+            <a:r>
+              <a:rPr lang="es-ES" dirty="0"/>
+              <a:t> componentes</a:t>
             </a:r>
           </a:p>
         </p:txBody>
@@ -6272,291 +6410,8 @@
         </p:blipFill>
         <p:spPr>
           <a:xfrm>
-            <a:off x="838200" y="1690688"/>
-            <a:ext cx="4276190" cy="1600000"/>
-          </a:xfrm>
-          <a:prstGeom prst="rect">
-            <a:avLst/>
-          </a:prstGeom>
-        </p:spPr>
-      </p:pic>
-      <p:pic>
-        <p:nvPicPr>
-          <p:cNvPr id="5" name="Imagen 4"/>
-          <p:cNvPicPr>
-            <a:picLocks noChangeAspect="1"/>
-          </p:cNvPicPr>
-          <p:nvPr/>
-        </p:nvPicPr>
-        <p:blipFill>
-          <a:blip r:embed="rId3"/>
-          <a:stretch>
-            <a:fillRect/>
-          </a:stretch>
-        </p:blipFill>
-        <p:spPr>
-          <a:xfrm>
-            <a:off x="6403841" y="1690688"/>
-            <a:ext cx="4619048" cy="704762"/>
-          </a:xfrm>
-          <a:prstGeom prst="rect">
-            <a:avLst/>
-          </a:prstGeom>
-        </p:spPr>
-      </p:pic>
-      <p:sp>
-        <p:nvSpPr>
-          <p:cNvPr id="6" name="CuadroTexto 5"/>
-          <p:cNvSpPr txBox="1"/>
-          <p:nvPr/>
-        </p:nvSpPr>
-        <p:spPr>
-          <a:xfrm>
-            <a:off x="3816991" y="2691170"/>
-            <a:ext cx="1137234" cy="369332"/>
-          </a:xfrm>
-          <a:prstGeom prst="rect">
-            <a:avLst/>
-          </a:prstGeom>
-        </p:spPr>
-        <p:style>
-          <a:lnRef idx="2">
-            <a:schemeClr val="dk1"/>
-          </a:lnRef>
-          <a:fillRef idx="1">
-            <a:schemeClr val="lt1"/>
-          </a:fillRef>
-          <a:effectRef idx="0">
-            <a:schemeClr val="dk1"/>
-          </a:effectRef>
-          <a:fontRef idx="minor">
-            <a:schemeClr val="dk1"/>
-          </a:fontRef>
-        </p:style>
-        <p:txBody>
-          <a:bodyPr wrap="none" rtlCol="0">
-            <a:spAutoFit/>
-          </a:bodyPr>
-          <a:lstStyle/>
-          <a:p>
-            <a:r>
-              <a:rPr lang="es-ES" dirty="0" err="1"/>
-              <a:t>Servicio.ts</a:t>
-            </a:r>
-            <a:endParaRPr lang="es-ES" dirty="0"/>
-          </a:p>
-        </p:txBody>
-      </p:sp>
-      <p:sp>
-        <p:nvSpPr>
-          <p:cNvPr id="7" name="CuadroTexto 6"/>
-          <p:cNvSpPr txBox="1"/>
-          <p:nvPr/>
-        </p:nvSpPr>
-        <p:spPr>
-          <a:xfrm>
-            <a:off x="8986007" y="1936690"/>
-            <a:ext cx="1814664" cy="369332"/>
-          </a:xfrm>
-          <a:prstGeom prst="rect">
-            <a:avLst/>
-          </a:prstGeom>
-        </p:spPr>
-        <p:style>
-          <a:lnRef idx="2">
-            <a:schemeClr val="dk1"/>
-          </a:lnRef>
-          <a:fillRef idx="1">
-            <a:schemeClr val="lt1"/>
-          </a:fillRef>
-          <a:effectRef idx="0">
-            <a:schemeClr val="dk1"/>
-          </a:effectRef>
-          <a:fontRef idx="minor">
-            <a:schemeClr val="dk1"/>
-          </a:fontRef>
-        </p:style>
-        <p:txBody>
-          <a:bodyPr wrap="none" rtlCol="0">
-            <a:spAutoFit/>
-          </a:bodyPr>
-          <a:lstStyle/>
-          <a:p>
-            <a:r>
-              <a:rPr lang="es-ES" dirty="0"/>
-              <a:t>El </a:t>
-            </a:r>
-            <a:r>
-              <a:rPr lang="es-ES" dirty="0" err="1"/>
-              <a:t>componente.ts</a:t>
-            </a:r>
-            <a:endParaRPr lang="es-ES" dirty="0"/>
-          </a:p>
-        </p:txBody>
-      </p:sp>
-      <p:pic>
-        <p:nvPicPr>
-          <p:cNvPr id="8" name="Imagen 7"/>
-          <p:cNvPicPr>
-            <a:picLocks noChangeAspect="1"/>
-          </p:cNvPicPr>
-          <p:nvPr/>
-        </p:nvPicPr>
-        <p:blipFill>
-          <a:blip r:embed="rId4"/>
-          <a:stretch>
-            <a:fillRect/>
-          </a:stretch>
-        </p:blipFill>
-        <p:spPr>
-          <a:xfrm>
-            <a:off x="904600" y="4291170"/>
-            <a:ext cx="3285714" cy="704762"/>
-          </a:xfrm>
-          <a:prstGeom prst="rect">
-            <a:avLst/>
-          </a:prstGeom>
-        </p:spPr>
-      </p:pic>
-      <p:pic>
-        <p:nvPicPr>
-          <p:cNvPr id="9" name="Imagen 8"/>
-          <p:cNvPicPr>
-            <a:picLocks noChangeAspect="1"/>
-          </p:cNvPicPr>
-          <p:nvPr/>
-        </p:nvPicPr>
-        <p:blipFill>
-          <a:blip r:embed="rId5"/>
-          <a:stretch>
-            <a:fillRect/>
-          </a:stretch>
-        </p:blipFill>
-        <p:spPr>
-          <a:xfrm>
-            <a:off x="909628" y="5368393"/>
-            <a:ext cx="2066667" cy="819048"/>
-          </a:xfrm>
-          <a:prstGeom prst="rect">
-            <a:avLst/>
-          </a:prstGeom>
-        </p:spPr>
-      </p:pic>
-      <p:sp>
-        <p:nvSpPr>
-          <p:cNvPr id="10" name="CuadroTexto 9"/>
-          <p:cNvSpPr txBox="1"/>
-          <p:nvPr/>
-        </p:nvSpPr>
-        <p:spPr>
-          <a:xfrm>
-            <a:off x="3053080" y="4811266"/>
-            <a:ext cx="2025747" cy="369332"/>
-          </a:xfrm>
-          <a:prstGeom prst="rect">
-            <a:avLst/>
-          </a:prstGeom>
-        </p:spPr>
-        <p:style>
-          <a:lnRef idx="2">
-            <a:schemeClr val="dk1"/>
-          </a:lnRef>
-          <a:fillRef idx="1">
-            <a:schemeClr val="lt1"/>
-          </a:fillRef>
-          <a:effectRef idx="0">
-            <a:schemeClr val="dk1"/>
-          </a:effectRef>
-          <a:fontRef idx="minor">
-            <a:schemeClr val="dk1"/>
-          </a:fontRef>
-        </p:style>
-        <p:txBody>
-          <a:bodyPr wrap="none" rtlCol="0">
-            <a:spAutoFit/>
-          </a:bodyPr>
-          <a:lstStyle/>
-          <a:p>
-            <a:r>
-              <a:rPr lang="es-ES" dirty="0" err="1"/>
-              <a:t>Assets</a:t>
-            </a:r>
-            <a:r>
-              <a:rPr lang="es-ES" dirty="0"/>
-              <a:t>/Datos.1.json</a:t>
-            </a:r>
-          </a:p>
-        </p:txBody>
-      </p:sp>
-      <p:sp>
-        <p:nvSpPr>
-          <p:cNvPr id="11" name="CuadroTexto 10"/>
-          <p:cNvSpPr txBox="1"/>
-          <p:nvPr/>
-        </p:nvSpPr>
-        <p:spPr>
-          <a:xfrm>
-            <a:off x="2547457" y="5777917"/>
-            <a:ext cx="1851020" cy="369332"/>
-          </a:xfrm>
-          <a:prstGeom prst="rect">
-            <a:avLst/>
-          </a:prstGeom>
-        </p:spPr>
-        <p:style>
-          <a:lnRef idx="2">
-            <a:schemeClr val="dk1"/>
-          </a:lnRef>
-          <a:fillRef idx="1">
-            <a:schemeClr val="lt1"/>
-          </a:fillRef>
-          <a:effectRef idx="0">
-            <a:schemeClr val="dk1"/>
-          </a:effectRef>
-          <a:fontRef idx="minor">
-            <a:schemeClr val="dk1"/>
-          </a:fontRef>
-        </p:style>
-        <p:txBody>
-          <a:bodyPr wrap="none" rtlCol="0">
-            <a:spAutoFit/>
-          </a:bodyPr>
-          <a:lstStyle/>
-          <a:p>
-            <a:r>
-              <a:rPr lang="es-ES" dirty="0" err="1"/>
-              <a:t>Assets</a:t>
-            </a:r>
-            <a:r>
-              <a:rPr lang="es-ES" dirty="0"/>
-              <a:t>/</a:t>
-            </a:r>
-            <a:r>
-              <a:rPr lang="es-ES" dirty="0" err="1"/>
-              <a:t>Datos.json</a:t>
-            </a:r>
-            <a:endParaRPr lang="es-ES" dirty="0"/>
-          </a:p>
-        </p:txBody>
-      </p:sp>
-      <p:pic>
-        <p:nvPicPr>
-          <p:cNvPr id="12" name="Imagen 11"/>
-          <p:cNvPicPr>
-            <a:picLocks noChangeAspect="1"/>
-          </p:cNvPicPr>
-          <p:nvPr/>
-        </p:nvPicPr>
-        <p:blipFill>
-          <a:blip r:embed="rId6"/>
-          <a:stretch>
-            <a:fillRect/>
-          </a:stretch>
-        </p:blipFill>
-        <p:spPr>
-          <a:xfrm>
-            <a:off x="6403841" y="4386408"/>
-            <a:ext cx="4466667" cy="1219048"/>
+            <a:off x="648718" y="1267879"/>
+            <a:ext cx="3800000" cy="1619048"/>
           </a:xfrm>
           <a:prstGeom prst="rect">
             <a:avLst/>
@@ -6565,14 +6420,16 @@
       </p:pic>
       <p:cxnSp>
         <p:nvCxnSpPr>
-          <p:cNvPr id="14" name="Conector recto de flecha 13"/>
-          <p:cNvCxnSpPr/>
+          <p:cNvPr id="6" name="Conector recto de flecha 5"/>
+          <p:cNvCxnSpPr>
+            <a:stCxn id="7" idx="1"/>
+          </p:cNvCxnSpPr>
           <p:nvPr/>
         </p:nvCxnSpPr>
         <p:spPr>
-          <a:xfrm flipH="1">
-            <a:off x="7373923" y="2121356"/>
-            <a:ext cx="486561" cy="2417088"/>
+          <a:xfrm flipH="1" flipV="1">
+            <a:off x="3061981" y="1870637"/>
+            <a:ext cx="1610687" cy="184666"/>
           </a:xfrm>
           <a:prstGeom prst="straightConnector1">
             <a:avLst/>
@@ -6596,16 +6453,95 @@
           </a:fontRef>
         </p:style>
       </p:cxnSp>
+      <p:sp>
+        <p:nvSpPr>
+          <p:cNvPr id="7" name="CuadroTexto 6"/>
+          <p:cNvSpPr txBox="1"/>
+          <p:nvPr/>
+        </p:nvSpPr>
+        <p:spPr>
+          <a:xfrm>
+            <a:off x="4672668" y="1870637"/>
+            <a:ext cx="3229761" cy="369332"/>
+          </a:xfrm>
+          <a:prstGeom prst="rect">
+            <a:avLst/>
+          </a:prstGeom>
+          <a:noFill/>
+        </p:spPr>
+        <p:txBody>
+          <a:bodyPr wrap="square" rtlCol="0">
+            <a:spAutoFit/>
+          </a:bodyPr>
+          <a:lstStyle/>
+          <a:p>
+            <a:r>
+              <a:rPr lang="es-ES" dirty="0"/>
+              <a:t>Se </a:t>
+            </a:r>
+            <a:r>
+              <a:rPr lang="es-ES" dirty="0" err="1"/>
+              <a:t>renderiza</a:t>
+            </a:r>
+            <a:r>
+              <a:rPr lang="es-ES" dirty="0"/>
+              <a:t> el </a:t>
+            </a:r>
+            <a:r>
+              <a:rPr lang="es-ES" dirty="0" err="1"/>
+              <a:t>AppComponent</a:t>
+            </a:r>
+            <a:endParaRPr lang="es-ES" dirty="0"/>
+          </a:p>
+        </p:txBody>
+      </p:sp>
+      <p:sp>
+        <p:nvSpPr>
+          <p:cNvPr id="8" name="CuadroTexto 7"/>
+          <p:cNvSpPr txBox="1"/>
+          <p:nvPr/>
+        </p:nvSpPr>
+        <p:spPr>
+          <a:xfrm>
+            <a:off x="1484852" y="3650394"/>
+            <a:ext cx="3741152" cy="369332"/>
+          </a:xfrm>
+          <a:prstGeom prst="rect">
+            <a:avLst/>
+          </a:prstGeom>
+          <a:noFill/>
+        </p:spPr>
+        <p:txBody>
+          <a:bodyPr wrap="none" rtlCol="0">
+            <a:spAutoFit/>
+          </a:bodyPr>
+          <a:lstStyle/>
+          <a:p>
+            <a:r>
+              <a:rPr lang="es-ES" dirty="0"/>
+              <a:t>Se </a:t>
+            </a:r>
+            <a:r>
+              <a:rPr lang="es-ES" dirty="0" err="1"/>
+              <a:t>renderiza</a:t>
+            </a:r>
+            <a:r>
+              <a:rPr lang="es-ES" dirty="0"/>
+              <a:t> el componente Ejemplo1</a:t>
+            </a:r>
+          </a:p>
+        </p:txBody>
+      </p:sp>
       <p:cxnSp>
         <p:nvCxnSpPr>
-          <p:cNvPr id="16" name="Conector recto de flecha 15"/>
+          <p:cNvPr id="10" name="Conector recto de flecha 9"/>
           <p:cNvCxnSpPr/>
           <p:nvPr/>
         </p:nvCxnSpPr>
         <p:spPr>
           <a:xfrm flipH="1" flipV="1">
-            <a:off x="2348917" y="2919369"/>
-            <a:ext cx="2605308" cy="1031846"/>
+            <a:off x="2776757" y="2374084"/>
+            <a:ext cx="1090567" cy="1276310"/>
           </a:xfrm>
           <a:prstGeom prst="straightConnector1">
             <a:avLst/>
@@ -6629,54 +6565,24 @@
           </a:fontRef>
         </p:style>
       </p:cxnSp>
-      <p:sp>
-        <p:nvSpPr>
-          <p:cNvPr id="17" name="CuadroTexto 16"/>
-          <p:cNvSpPr txBox="1"/>
-          <p:nvPr/>
-        </p:nvSpPr>
-        <p:spPr>
-          <a:xfrm>
-            <a:off x="5078827" y="3934437"/>
-            <a:ext cx="926792" cy="369332"/>
-          </a:xfrm>
-          <a:prstGeom prst="rect">
-            <a:avLst/>
-          </a:prstGeom>
-          <a:noFill/>
-        </p:spPr>
-        <p:txBody>
-          <a:bodyPr wrap="none" rtlCol="0">
-            <a:spAutoFit/>
-          </a:bodyPr>
-          <a:lstStyle/>
-          <a:p>
-            <a:r>
-              <a:rPr lang="es-ES" dirty="0" err="1"/>
-              <a:t>forkJoin</a:t>
-            </a:r>
-            <a:endParaRPr lang="es-ES" dirty="0"/>
-          </a:p>
-        </p:txBody>
-      </p:sp>
       <p:pic>
         <p:nvPicPr>
-          <p:cNvPr id="18" name="Imagen 17"/>
+          <p:cNvPr id="11" name="Imagen 10"/>
           <p:cNvPicPr>
             <a:picLocks noChangeAspect="1"/>
           </p:cNvPicPr>
           <p:nvPr/>
         </p:nvPicPr>
         <p:blipFill>
-          <a:blip r:embed="rId7"/>
+          <a:blip r:embed="rId3"/>
           <a:stretch>
             <a:fillRect/>
           </a:stretch>
         </p:blipFill>
         <p:spPr>
           <a:xfrm>
-            <a:off x="838200" y="1239629"/>
-            <a:ext cx="2867025" cy="304800"/>
+            <a:off x="6427939" y="2219905"/>
+            <a:ext cx="4925861" cy="4401641"/>
           </a:xfrm>
           <a:prstGeom prst="rect">
             <a:avLst/>
@@ -6686,7 +6592,7 @@
     </p:spTree>
     <p:extLst>
       <p:ext uri="{BB962C8B-B14F-4D97-AF65-F5344CB8AC3E}">
-        <p14:creationId xmlns:p14="http://schemas.microsoft.com/office/powerpoint/2010/main" val="2328631036"/>
+        <p14:creationId xmlns:p14="http://schemas.microsoft.com/office/powerpoint/2010/main" val="1289032136"/>
       </p:ext>
     </p:extLst>
   </p:cSld>
@@ -6723,33 +6629,15 @@
             <p:ph type="title"/>
           </p:nvPr>
         </p:nvSpPr>
-        <p:spPr>
-          <a:xfrm>
-            <a:off x="838200" y="365126"/>
-            <a:ext cx="10663106" cy="759000"/>
-          </a:xfrm>
-        </p:spPr>
+        <p:spPr/>
         <p:txBody>
           <a:bodyPr/>
           <a:lstStyle/>
           <a:p>
             <a:r>
               <a:rPr lang="es-ES" dirty="0"/>
-              <a:t>Peticiones en serie. Uso de </a:t>
-            </a:r>
-            <a:r>
-              <a:rPr lang="es-ES" dirty="0" err="1"/>
-              <a:t>async</a:t>
-            </a:r>
-            <a:r>
-              <a:rPr lang="es-ES" dirty="0"/>
-              <a:t>, </a:t>
-            </a:r>
-            <a:r>
-              <a:rPr lang="es-ES" dirty="0" err="1"/>
-              <a:t>await</a:t>
-            </a:r>
-            <a:endParaRPr lang="es-ES" dirty="0"/>
+              <a:t>Directiva</a:t>
+            </a:r>
           </a:p>
         </p:txBody>
       </p:sp>
@@ -6769,17 +6657,58 @@
         </p:blipFill>
         <p:spPr>
           <a:xfrm>
-            <a:off x="242552" y="1503014"/>
-            <a:ext cx="7438095" cy="1752381"/>
+            <a:off x="719729" y="1451093"/>
+            <a:ext cx="4780952" cy="2361905"/>
           </a:xfrm>
           <a:prstGeom prst="rect">
             <a:avLst/>
           </a:prstGeom>
         </p:spPr>
       </p:pic>
+      <p:sp>
+        <p:nvSpPr>
+          <p:cNvPr id="6" name="CuadroTexto 5"/>
+          <p:cNvSpPr txBox="1"/>
+          <p:nvPr/>
+        </p:nvSpPr>
+        <p:spPr>
+          <a:xfrm>
+            <a:off x="5813572" y="1506022"/>
+            <a:ext cx="2205604" cy="369332"/>
+          </a:xfrm>
+          <a:prstGeom prst="rect">
+            <a:avLst/>
+          </a:prstGeom>
+          <a:noFill/>
+        </p:spPr>
+        <p:txBody>
+          <a:bodyPr wrap="none" rtlCol="0">
+            <a:spAutoFit/>
+          </a:bodyPr>
+          <a:lstStyle/>
+          <a:p>
+            <a:r>
+              <a:rPr lang="es-ES" dirty="0" err="1"/>
+              <a:t>ng</a:t>
+            </a:r>
+            <a:r>
+              <a:rPr lang="es-ES" dirty="0"/>
+              <a:t> g d </a:t>
+            </a:r>
+            <a:r>
+              <a:rPr lang="es-ES" dirty="0" err="1"/>
+              <a:t>directives</a:t>
+            </a:r>
+            <a:r>
+              <a:rPr lang="es-ES" dirty="0"/>
+              <a:t>/i18n</a:t>
+            </a:r>
+          </a:p>
+        </p:txBody>
+      </p:sp>
       <p:pic>
         <p:nvPicPr>
-          <p:cNvPr id="6" name="Imagen 5"/>
+          <p:cNvPr id="7" name="Imagen 6"/>
           <p:cNvPicPr>
             <a:picLocks noChangeAspect="1"/>
           </p:cNvPicPr>
@@ -6793,8 +6722,8 @@
         </p:blipFill>
         <p:spPr>
           <a:xfrm>
-            <a:off x="242552" y="4199926"/>
-            <a:ext cx="6180952" cy="695238"/>
+            <a:off x="719729" y="4417458"/>
+            <a:ext cx="3371850" cy="657225"/>
           </a:xfrm>
           <a:prstGeom prst="rect">
             <a:avLst/>
@@ -6803,33 +6732,20 @@
       </p:pic>
       <p:sp>
         <p:nvSpPr>
-          <p:cNvPr id="7" name="CuadroTexto 6"/>
+          <p:cNvPr id="8" name="CuadroTexto 7"/>
           <p:cNvSpPr txBox="1"/>
           <p:nvPr/>
         </p:nvSpPr>
         <p:spPr>
           <a:xfrm>
-            <a:off x="6308521" y="2754247"/>
-            <a:ext cx="1137234" cy="369332"/>
-          </a:xfrm>
-          <a:prstGeom prst="rect">
-            <a:avLst/>
-          </a:prstGeom>
-        </p:spPr>
-        <p:style>
-          <a:lnRef idx="2">
-            <a:schemeClr val="dk1"/>
-          </a:lnRef>
-          <a:fillRef idx="1">
-            <a:schemeClr val="lt1"/>
-          </a:fillRef>
-          <a:effectRef idx="0">
-            <a:schemeClr val="dk1"/>
-          </a:effectRef>
-          <a:fontRef idx="minor">
-            <a:schemeClr val="dk1"/>
-          </a:fontRef>
-        </p:style>
+            <a:off x="3795948" y="5662160"/>
+            <a:ext cx="2307042" cy="369332"/>
+          </a:xfrm>
+          <a:prstGeom prst="rect">
+            <a:avLst/>
+          </a:prstGeom>
+          <a:noFill/>
+        </p:spPr>
         <p:txBody>
           <a:bodyPr wrap="none" rtlCol="0">
             <a:spAutoFit/>
@@ -6837,59 +6753,15 @@
           <a:lstStyle/>
           <a:p>
             <a:r>
-              <a:rPr lang="es-ES" dirty="0" err="1"/>
-              <a:t>Servicio.ts</a:t>
-            </a:r>
-            <a:endParaRPr lang="es-ES" dirty="0"/>
-          </a:p>
-        </p:txBody>
-      </p:sp>
-      <p:sp>
-        <p:nvSpPr>
-          <p:cNvPr id="8" name="CuadroTexto 7"/>
-          <p:cNvSpPr txBox="1"/>
-          <p:nvPr/>
-        </p:nvSpPr>
-        <p:spPr>
-          <a:xfrm>
-            <a:off x="5739904" y="4679361"/>
-            <a:ext cx="1596656" cy="369332"/>
-          </a:xfrm>
-          <a:prstGeom prst="rect">
-            <a:avLst/>
-          </a:prstGeom>
-        </p:spPr>
-        <p:style>
-          <a:lnRef idx="2">
-            <a:schemeClr val="dk1"/>
-          </a:lnRef>
-          <a:fillRef idx="1">
-            <a:schemeClr val="lt1"/>
-          </a:fillRef>
-          <a:effectRef idx="0">
-            <a:schemeClr val="dk1"/>
-          </a:effectRef>
-          <a:fontRef idx="minor">
-            <a:schemeClr val="dk1"/>
-          </a:fontRef>
-        </p:style>
-        <p:txBody>
-          <a:bodyPr wrap="none" rtlCol="0">
-            <a:spAutoFit/>
-          </a:bodyPr>
-          <a:lstStyle/>
-          <a:p>
-            <a:r>
-              <a:rPr lang="es-ES" dirty="0" err="1"/>
-              <a:t>componente.ts</a:t>
-            </a:r>
-            <a:endParaRPr lang="es-ES" dirty="0"/>
+              <a:rPr lang="es-ES" dirty="0"/>
+              <a:t>Así usamos la directiva</a:t>
+            </a:r>
           </a:p>
         </p:txBody>
       </p:sp>
       <p:pic>
         <p:nvPicPr>
-          <p:cNvPr id="10" name="Imagen 9"/>
+          <p:cNvPr id="9" name="Imagen 8"/>
           <p:cNvPicPr>
             <a:picLocks noChangeAspect="1"/>
           </p:cNvPicPr>
@@ -6903,18 +6775,119 @@
         </p:blipFill>
         <p:spPr>
           <a:xfrm>
-            <a:off x="7764014" y="1367296"/>
-            <a:ext cx="4247619" cy="4542857"/>
+            <a:off x="8968645" y="1506022"/>
+            <a:ext cx="3114286" cy="3085714"/>
           </a:xfrm>
           <a:prstGeom prst="rect">
             <a:avLst/>
           </a:prstGeom>
         </p:spPr>
       </p:pic>
+      <p:cxnSp>
+        <p:nvCxnSpPr>
+          <p:cNvPr id="11" name="Conector recto de flecha 10"/>
+          <p:cNvCxnSpPr/>
+          <p:nvPr/>
+        </p:nvCxnSpPr>
+        <p:spPr>
+          <a:xfrm>
+            <a:off x="3246539" y="2726422"/>
+            <a:ext cx="5712903" cy="75501"/>
+          </a:xfrm>
+          <a:prstGeom prst="straightConnector1">
+            <a:avLst/>
+          </a:prstGeom>
+          <a:ln>
+            <a:tailEnd type="triangle"/>
+          </a:ln>
+        </p:spPr>
+        <p:style>
+          <a:lnRef idx="1">
+            <a:schemeClr val="accent1"/>
+          </a:lnRef>
+          <a:fillRef idx="0">
+            <a:schemeClr val="accent1"/>
+          </a:fillRef>
+          <a:effectRef idx="0">
+            <a:schemeClr val="accent1"/>
+          </a:effectRef>
+          <a:fontRef idx="minor">
+            <a:schemeClr val="tx1"/>
+          </a:fontRef>
+        </p:style>
+      </p:cxnSp>
+      <p:sp>
+        <p:nvSpPr>
+          <p:cNvPr id="12" name="CuadroTexto 11"/>
+          <p:cNvSpPr txBox="1"/>
+          <p:nvPr/>
+        </p:nvSpPr>
+        <p:spPr>
+          <a:xfrm>
+            <a:off x="5509884" y="2801923"/>
+            <a:ext cx="3262047" cy="646331"/>
+          </a:xfrm>
+          <a:prstGeom prst="rect">
+            <a:avLst/>
+          </a:prstGeom>
+          <a:noFill/>
+        </p:spPr>
+        <p:txBody>
+          <a:bodyPr wrap="none" rtlCol="0">
+            <a:spAutoFit/>
+          </a:bodyPr>
+          <a:lstStyle/>
+          <a:p>
+            <a:r>
+              <a:rPr lang="es-ES" dirty="0"/>
+              <a:t>Se declara como un componente</a:t>
+            </a:r>
+          </a:p>
+          <a:p>
+            <a:r>
+              <a:rPr lang="es-ES" dirty="0"/>
+              <a:t>En el modulo</a:t>
+            </a:r>
+          </a:p>
+        </p:txBody>
+      </p:sp>
+      <p:cxnSp>
+        <p:nvCxnSpPr>
+          <p:cNvPr id="14" name="Conector recto de flecha 13"/>
+          <p:cNvCxnSpPr/>
+          <p:nvPr/>
+        </p:nvCxnSpPr>
+        <p:spPr>
+          <a:xfrm flipH="1" flipV="1">
+            <a:off x="1744910" y="4898966"/>
+            <a:ext cx="1912690" cy="906216"/>
+          </a:xfrm>
+          <a:prstGeom prst="straightConnector1">
+            <a:avLst/>
+          </a:prstGeom>
+          <a:ln>
+            <a:tailEnd type="triangle"/>
+          </a:ln>
+        </p:spPr>
+        <p:style>
+          <a:lnRef idx="1">
+            <a:schemeClr val="accent1"/>
+          </a:lnRef>
+          <a:fillRef idx="0">
+            <a:schemeClr val="accent1"/>
+          </a:fillRef>
+          <a:effectRef idx="0">
+            <a:schemeClr val="accent1"/>
+          </a:effectRef>
+          <a:fontRef idx="minor">
+            <a:schemeClr val="tx1"/>
+          </a:fontRef>
+        </p:style>
+      </p:cxnSp>
     </p:spTree>
     <p:extLst>
       <p:ext uri="{BB962C8B-B14F-4D97-AF65-F5344CB8AC3E}">
-        <p14:creationId xmlns:p14="http://schemas.microsoft.com/office/powerpoint/2010/main" val="3477894215"/>
+        <p14:creationId xmlns:p14="http://schemas.microsoft.com/office/powerpoint/2010/main" val="4180484404"/>
       </p:ext>
     </p:extLst>
   </p:cSld>
@@ -6941,195 +6914,10 @@
           <a:chExt cx="0" cy="0"/>
         </a:xfrm>
       </p:grpSpPr>
-      <p:sp>
-        <p:nvSpPr>
-          <p:cNvPr id="2" name="Título 1"/>
-          <p:cNvSpPr>
-            <a:spLocks noGrp="1"/>
-          </p:cNvSpPr>
-          <p:nvPr>
-            <p:ph type="title"/>
-          </p:nvPr>
-        </p:nvSpPr>
-        <p:spPr/>
-        <p:txBody>
-          <a:bodyPr/>
-          <a:lstStyle/>
-          <a:p>
-            <a:r>
-              <a:rPr lang="es-ES" dirty="0"/>
-              <a:t>Control de errores </a:t>
-            </a:r>
-            <a:r>
-              <a:rPr lang="es-ES" dirty="0" err="1"/>
-              <a:t>await</a:t>
-            </a:r>
-            <a:endParaRPr lang="es-ES" dirty="0"/>
-          </a:p>
-        </p:txBody>
-      </p:sp>
-      <p:pic>
-        <p:nvPicPr>
-          <p:cNvPr id="4" name="Imagen 3"/>
-          <p:cNvPicPr>
-            <a:picLocks noChangeAspect="1"/>
-          </p:cNvPicPr>
-          <p:nvPr/>
-        </p:nvPicPr>
-        <p:blipFill>
-          <a:blip r:embed="rId2"/>
-          <a:stretch>
-            <a:fillRect/>
-          </a:stretch>
-        </p:blipFill>
-        <p:spPr>
-          <a:xfrm>
-            <a:off x="250063" y="1279111"/>
-            <a:ext cx="6457143" cy="4333333"/>
-          </a:xfrm>
-          <a:prstGeom prst="rect">
-            <a:avLst/>
-          </a:prstGeom>
-        </p:spPr>
-      </p:pic>
-      <p:pic>
-        <p:nvPicPr>
-          <p:cNvPr id="5" name="Imagen 4"/>
-          <p:cNvPicPr>
-            <a:picLocks noChangeAspect="1"/>
-          </p:cNvPicPr>
-          <p:nvPr/>
-        </p:nvPicPr>
-        <p:blipFill>
-          <a:blip r:embed="rId3"/>
-          <a:stretch>
-            <a:fillRect/>
-          </a:stretch>
-        </p:blipFill>
-        <p:spPr>
-          <a:xfrm>
-            <a:off x="6044789" y="1396529"/>
-            <a:ext cx="5971429" cy="1095238"/>
-          </a:xfrm>
-          <a:prstGeom prst="rect">
-            <a:avLst/>
-          </a:prstGeom>
-        </p:spPr>
-      </p:pic>
-      <p:pic>
-        <p:nvPicPr>
-          <p:cNvPr id="6" name="Imagen 5"/>
-          <p:cNvPicPr>
-            <a:picLocks noChangeAspect="1"/>
-          </p:cNvPicPr>
-          <p:nvPr/>
-        </p:nvPicPr>
-        <p:blipFill>
-          <a:blip r:embed="rId4"/>
-          <a:stretch>
-            <a:fillRect/>
-          </a:stretch>
-        </p:blipFill>
-        <p:spPr>
-          <a:xfrm>
-            <a:off x="7507137" y="3674909"/>
-            <a:ext cx="4123809" cy="1504762"/>
-          </a:xfrm>
-          <a:prstGeom prst="rect">
-            <a:avLst/>
-          </a:prstGeom>
-        </p:spPr>
-      </p:pic>
-      <p:sp>
-        <p:nvSpPr>
-          <p:cNvPr id="7" name="CuadroTexto 6"/>
-          <p:cNvSpPr txBox="1"/>
-          <p:nvPr/>
-        </p:nvSpPr>
-        <p:spPr>
-          <a:xfrm>
-            <a:off x="5184396" y="4306210"/>
-            <a:ext cx="1137234" cy="369332"/>
-          </a:xfrm>
-          <a:prstGeom prst="rect">
-            <a:avLst/>
-          </a:prstGeom>
-        </p:spPr>
-        <p:style>
-          <a:lnRef idx="2">
-            <a:schemeClr val="dk1"/>
-          </a:lnRef>
-          <a:fillRef idx="1">
-            <a:schemeClr val="lt1"/>
-          </a:fillRef>
-          <a:effectRef idx="0">
-            <a:schemeClr val="dk1"/>
-          </a:effectRef>
-          <a:fontRef idx="minor">
-            <a:schemeClr val="dk1"/>
-          </a:fontRef>
-        </p:style>
-        <p:txBody>
-          <a:bodyPr wrap="none" rtlCol="0">
-            <a:spAutoFit/>
-          </a:bodyPr>
-          <a:lstStyle/>
-          <a:p>
-            <a:r>
-              <a:rPr lang="es-ES" dirty="0" err="1"/>
-              <a:t>Servicio.ts</a:t>
-            </a:r>
-            <a:endParaRPr lang="es-ES" dirty="0"/>
-          </a:p>
-        </p:txBody>
-      </p:sp>
-      <p:sp>
-        <p:nvSpPr>
-          <p:cNvPr id="8" name="CuadroTexto 7"/>
-          <p:cNvSpPr txBox="1"/>
-          <p:nvPr/>
-        </p:nvSpPr>
-        <p:spPr>
-          <a:xfrm>
-            <a:off x="10541686" y="909779"/>
-            <a:ext cx="1624227" cy="369332"/>
-          </a:xfrm>
-          <a:prstGeom prst="rect">
-            <a:avLst/>
-          </a:prstGeom>
-        </p:spPr>
-        <p:style>
-          <a:lnRef idx="2">
-            <a:schemeClr val="dk1"/>
-          </a:lnRef>
-          <a:fillRef idx="1">
-            <a:schemeClr val="lt1"/>
-          </a:fillRef>
-          <a:effectRef idx="0">
-            <a:schemeClr val="dk1"/>
-          </a:effectRef>
-          <a:fontRef idx="minor">
-            <a:schemeClr val="dk1"/>
-          </a:fontRef>
-        </p:style>
-        <p:txBody>
-          <a:bodyPr wrap="none" rtlCol="0">
-            <a:spAutoFit/>
-          </a:bodyPr>
-          <a:lstStyle/>
-          <a:p>
-            <a:r>
-              <a:rPr lang="es-ES" dirty="0" err="1"/>
-              <a:t>Componente.ts</a:t>
-            </a:r>
-            <a:endParaRPr lang="es-ES" dirty="0"/>
-          </a:p>
-        </p:txBody>
-      </p:sp>
     </p:spTree>
     <p:extLst>
       <p:ext uri="{BB962C8B-B14F-4D97-AF65-F5344CB8AC3E}">
-        <p14:creationId xmlns:p14="http://schemas.microsoft.com/office/powerpoint/2010/main" val="3905809783"/>
+        <p14:creationId xmlns:p14="http://schemas.microsoft.com/office/powerpoint/2010/main" val="4276242880"/>
       </p:ext>
     </p:extLst>
   </p:cSld>
@@ -7166,196 +6954,55 @@
             <p:ph type="title"/>
           </p:nvPr>
         </p:nvSpPr>
-        <p:spPr>
-          <a:xfrm>
-            <a:off x="427139" y="298014"/>
-            <a:ext cx="10515600" cy="624776"/>
-          </a:xfrm>
-        </p:spPr>
-        <p:txBody>
-          <a:bodyPr>
-            <a:normAutofit fontScale="90000"/>
-          </a:bodyPr>
-          <a:lstStyle/>
-          <a:p>
-            <a:r>
-              <a:rPr lang="es-ES" dirty="0"/>
-              <a:t>EL CORS</a:t>
-            </a:r>
-          </a:p>
-        </p:txBody>
-      </p:sp>
-      <p:pic>
-        <p:nvPicPr>
-          <p:cNvPr id="4" name="Imagen 3"/>
-          <p:cNvPicPr>
-            <a:picLocks noChangeAspect="1"/>
-          </p:cNvPicPr>
-          <p:nvPr/>
-        </p:nvPicPr>
-        <p:blipFill>
-          <a:blip r:embed="rId2"/>
-          <a:stretch>
-            <a:fillRect/>
-          </a:stretch>
-        </p:blipFill>
-        <p:spPr>
-          <a:xfrm>
-            <a:off x="138953" y="1048134"/>
-            <a:ext cx="6492136" cy="1820902"/>
-          </a:xfrm>
-          <a:prstGeom prst="rect">
-            <a:avLst/>
-          </a:prstGeom>
-        </p:spPr>
-      </p:pic>
-      <p:sp>
-        <p:nvSpPr>
-          <p:cNvPr id="5" name="CuadroTexto 4"/>
-          <p:cNvSpPr txBox="1"/>
-          <p:nvPr/>
-        </p:nvSpPr>
-        <p:spPr>
-          <a:xfrm>
-            <a:off x="218113" y="2994380"/>
-            <a:ext cx="7310912" cy="369332"/>
-          </a:xfrm>
-          <a:prstGeom prst="rect">
-            <a:avLst/>
-          </a:prstGeom>
-          <a:noFill/>
-        </p:spPr>
-        <p:txBody>
-          <a:bodyPr wrap="none" rtlCol="0">
-            <a:spAutoFit/>
-          </a:bodyPr>
-          <a:lstStyle/>
-          <a:p>
-            <a:r>
-              <a:rPr lang="es-ES" dirty="0"/>
-              <a:t>http-server (lanza el servidor web con el raíz en el directorio de la aplicación)</a:t>
-            </a:r>
-          </a:p>
-        </p:txBody>
-      </p:sp>
-      <p:pic>
-        <p:nvPicPr>
-          <p:cNvPr id="6" name="Imagen 5"/>
-          <p:cNvPicPr>
-            <a:picLocks noChangeAspect="1"/>
-          </p:cNvPicPr>
-          <p:nvPr/>
-        </p:nvPicPr>
-        <p:blipFill>
-          <a:blip r:embed="rId3"/>
-          <a:stretch>
-            <a:fillRect/>
-          </a:stretch>
-        </p:blipFill>
-        <p:spPr>
-          <a:xfrm>
-            <a:off x="218113" y="3363712"/>
-            <a:ext cx="6619048" cy="1600000"/>
-          </a:xfrm>
-          <a:prstGeom prst="rect">
-            <a:avLst/>
-          </a:prstGeom>
-        </p:spPr>
-      </p:pic>
-      <p:pic>
-        <p:nvPicPr>
-          <p:cNvPr id="7" name="Imagen 6"/>
-          <p:cNvPicPr>
-            <a:picLocks noChangeAspect="1"/>
-          </p:cNvPicPr>
-          <p:nvPr/>
-        </p:nvPicPr>
-        <p:blipFill>
-          <a:blip r:embed="rId4"/>
-          <a:stretch>
-            <a:fillRect/>
-          </a:stretch>
-        </p:blipFill>
-        <p:spPr>
-          <a:xfrm>
-            <a:off x="4209001" y="4331102"/>
-            <a:ext cx="7780952" cy="609524"/>
-          </a:xfrm>
-          <a:prstGeom prst="rect">
-            <a:avLst/>
-          </a:prstGeom>
-        </p:spPr>
-      </p:pic>
-      <p:pic>
-        <p:nvPicPr>
-          <p:cNvPr id="8" name="Imagen 7"/>
-          <p:cNvPicPr>
-            <a:picLocks noChangeAspect="1"/>
-          </p:cNvPicPr>
-          <p:nvPr/>
-        </p:nvPicPr>
-        <p:blipFill>
-          <a:blip r:embed="rId5"/>
-          <a:stretch>
-            <a:fillRect/>
-          </a:stretch>
-        </p:blipFill>
-        <p:spPr>
-          <a:xfrm>
-            <a:off x="188090" y="5172286"/>
-            <a:ext cx="10047619" cy="1685714"/>
-          </a:xfrm>
-          <a:prstGeom prst="rect">
-            <a:avLst/>
-          </a:prstGeom>
-        </p:spPr>
-      </p:pic>
-      <p:sp>
-        <p:nvSpPr>
-          <p:cNvPr id="9" name="CuadroTexto 8"/>
-          <p:cNvSpPr txBox="1"/>
-          <p:nvPr/>
-        </p:nvSpPr>
-        <p:spPr>
-          <a:xfrm>
-            <a:off x="5847128" y="6277348"/>
-            <a:ext cx="4025589" cy="369332"/>
-          </a:xfrm>
-          <a:prstGeom prst="rect">
-            <a:avLst/>
-          </a:prstGeom>
-        </p:spPr>
-        <p:style>
-          <a:lnRef idx="2">
-            <a:schemeClr val="dk1"/>
-          </a:lnRef>
-          <a:fillRef idx="1">
-            <a:schemeClr val="lt1"/>
-          </a:fillRef>
-          <a:effectRef idx="0">
-            <a:schemeClr val="dk1"/>
-          </a:effectRef>
-          <a:fontRef idx="minor">
-            <a:schemeClr val="dk1"/>
-          </a:fontRef>
-        </p:style>
-        <p:txBody>
-          <a:bodyPr wrap="none" rtlCol="0">
-            <a:spAutoFit/>
-          </a:bodyPr>
-          <a:lstStyle/>
-          <a:p>
-            <a:r>
-              <a:rPr lang="es-ES" dirty="0"/>
-              <a:t>Quitar cabeceras en una posible solución</a:t>
-            </a:r>
+        <p:spPr/>
+        <p:txBody>
+          <a:bodyPr/>
+          <a:lstStyle/>
+          <a:p>
+            <a:r>
+              <a:rPr lang="es-ES" dirty="0"/>
+              <a:t>Ejercicio</a:t>
+            </a:r>
+          </a:p>
+        </p:txBody>
+      </p:sp>
+      <p:sp>
+        <p:nvSpPr>
+          <p:cNvPr id="3" name="Marcador de contenido 2"/>
+          <p:cNvSpPr>
+            <a:spLocks noGrp="1"/>
+          </p:cNvSpPr>
+          <p:nvPr>
+            <p:ph idx="1"/>
+          </p:nvPr>
+        </p:nvSpPr>
+        <p:spPr/>
+        <p:txBody>
+          <a:bodyPr/>
+          <a:lstStyle/>
+          <a:p>
+            <a:r>
+              <a:rPr lang="es-ES" dirty="0"/>
+              <a:t>Implementar un sistema de i18n dentro de la una directiva</a:t>
+            </a:r>
+          </a:p>
+          <a:p>
+            <a:pPr lvl="1"/>
+            <a:r>
+              <a:rPr lang="es-ES" dirty="0"/>
+              <a:t>Creamos la directiva</a:t>
+            </a:r>
+          </a:p>
+          <a:p>
+            <a:pPr lvl="1"/>
+            <a:endParaRPr lang="es-ES" dirty="0"/>
           </a:p>
         </p:txBody>
       </p:sp>
     </p:spTree>
     <p:extLst>
       <p:ext uri="{BB962C8B-B14F-4D97-AF65-F5344CB8AC3E}">
-        <p14:creationId xmlns:p14="http://schemas.microsoft.com/office/powerpoint/2010/main" val="4203523006"/>
+        <p14:creationId xmlns:p14="http://schemas.microsoft.com/office/powerpoint/2010/main" val="975720002"/>
       </p:ext>
     </p:extLst>
   </p:cSld>
@@ -7398,112 +7045,34 @@
           <a:lstStyle/>
           <a:p>
             <a:r>
+              <a:rPr lang="es-ES" dirty="0"/>
+              <a:t>Pipe</a:t>
+            </a:r>
+          </a:p>
+        </p:txBody>
+      </p:sp>
+      <p:sp>
+        <p:nvSpPr>
+          <p:cNvPr id="3" name="Marcador de contenido 2"/>
+          <p:cNvSpPr>
+            <a:spLocks noGrp="1"/>
+          </p:cNvSpPr>
+          <p:nvPr>
+            <p:ph idx="1"/>
+          </p:nvPr>
+        </p:nvSpPr>
+        <p:spPr/>
+        <p:txBody>
+          <a:bodyPr/>
+          <a:lstStyle/>
+          <a:p>
+            <a:r>
               <a:rPr lang="es-ES" dirty="0" err="1"/>
-              <a:t>Cors</a:t>
-            </a:r>
-            <a:r>
-              <a:rPr lang="es-ES" dirty="0"/>
-              <a:t> (2)</a:t>
-            </a:r>
-          </a:p>
-        </p:txBody>
-      </p:sp>
-      <p:pic>
-        <p:nvPicPr>
-          <p:cNvPr id="4" name="Imagen 3"/>
-          <p:cNvPicPr>
-            <a:picLocks noChangeAspect="1"/>
-          </p:cNvPicPr>
-          <p:nvPr/>
-        </p:nvPicPr>
-        <p:blipFill>
-          <a:blip r:embed="rId2"/>
-          <a:stretch>
-            <a:fillRect/>
-          </a:stretch>
-        </p:blipFill>
-        <p:spPr>
-          <a:xfrm>
-            <a:off x="838200" y="1547265"/>
-            <a:ext cx="7657143" cy="1733333"/>
-          </a:xfrm>
-          <a:prstGeom prst="rect">
-            <a:avLst/>
-          </a:prstGeom>
-        </p:spPr>
-      </p:pic>
-      <p:pic>
-        <p:nvPicPr>
-          <p:cNvPr id="5" name="Imagen 4"/>
-          <p:cNvPicPr>
-            <a:picLocks noChangeAspect="1"/>
-          </p:cNvPicPr>
-          <p:nvPr/>
-        </p:nvPicPr>
-        <p:blipFill>
-          <a:blip r:embed="rId3"/>
-          <a:stretch>
-            <a:fillRect/>
-          </a:stretch>
-        </p:blipFill>
-        <p:spPr>
-          <a:xfrm>
-            <a:off x="838200" y="3445953"/>
-            <a:ext cx="8267700" cy="419100"/>
-          </a:xfrm>
-          <a:prstGeom prst="rect">
-            <a:avLst/>
-          </a:prstGeom>
-        </p:spPr>
-      </p:pic>
-      <p:sp>
-        <p:nvSpPr>
-          <p:cNvPr id="7" name="CuadroTexto 6"/>
-          <p:cNvSpPr txBox="1"/>
-          <p:nvPr/>
-        </p:nvSpPr>
-        <p:spPr>
-          <a:xfrm>
-            <a:off x="838200" y="4228051"/>
-            <a:ext cx="6670801" cy="1200329"/>
-          </a:xfrm>
-          <a:prstGeom prst="rect">
-            <a:avLst/>
-          </a:prstGeom>
-          <a:noFill/>
-        </p:spPr>
-        <p:txBody>
-          <a:bodyPr wrap="none" rtlCol="0">
-            <a:spAutoFit/>
-          </a:bodyPr>
-          <a:lstStyle/>
-          <a:p>
-            <a:r>
-              <a:rPr lang="es-ES" dirty="0"/>
-              <a:t>El problema es que enviamos una cabecera y el servidor no la conoce</a:t>
-            </a:r>
-          </a:p>
-          <a:p>
-            <a:endParaRPr lang="es-ES" dirty="0"/>
-          </a:p>
-          <a:p>
-            <a:r>
-              <a:rPr lang="es-ES" dirty="0"/>
-              <a:t>Si lanzamos http-server –</a:t>
-            </a:r>
-            <a:r>
-              <a:rPr lang="es-ES" dirty="0" err="1"/>
-              <a:t>cors</a:t>
-            </a:r>
-            <a:r>
-              <a:rPr lang="es-ES" dirty="0"/>
-              <a:t>=id </a:t>
-            </a:r>
-          </a:p>
-          <a:p>
-            <a:r>
-              <a:rPr lang="es-ES" dirty="0"/>
-              <a:t>eliminamos el error</a:t>
+              <a:t>ng</a:t>
+            </a:r>
+            <a:r>
+              <a:rPr lang="es-ES" dirty="0"/>
+              <a:t> g pipe nombre</a:t>
             </a:r>
           </a:p>
         </p:txBody>
@@ -7511,7 +7080,7 @@
     </p:spTree>
     <p:extLst>
       <p:ext uri="{BB962C8B-B14F-4D97-AF65-F5344CB8AC3E}">
-        <p14:creationId xmlns:p14="http://schemas.microsoft.com/office/powerpoint/2010/main" val="3156097739"/>
+        <p14:creationId xmlns:p14="http://schemas.microsoft.com/office/powerpoint/2010/main" val="396167931"/>
       </p:ext>
     </p:extLst>
   </p:cSld>
@@ -7548,22 +7117,1659 @@
             <p:ph type="title"/>
           </p:nvPr>
         </p:nvSpPr>
-        <p:spPr/>
+        <p:spPr>
+          <a:xfrm>
+            <a:off x="209026" y="162004"/>
+            <a:ext cx="10515600" cy="995678"/>
+          </a:xfrm>
+        </p:spPr>
         <p:txBody>
           <a:bodyPr/>
           <a:lstStyle/>
           <a:p>
             <a:r>
-              <a:rPr lang="es-ES" dirty="0"/>
-              <a:t>Http Interceptor</a:t>
-            </a:r>
+              <a:rPr lang="es-ES" dirty="0" err="1"/>
+              <a:t>HttpClient</a:t>
+            </a:r>
+            <a:endParaRPr lang="es-ES" dirty="0"/>
+          </a:p>
+        </p:txBody>
+      </p:sp>
+      <p:pic>
+        <p:nvPicPr>
+          <p:cNvPr id="5" name="Imagen 4"/>
+          <p:cNvPicPr>
+            <a:picLocks noChangeAspect="1"/>
+          </p:cNvPicPr>
+          <p:nvPr/>
+        </p:nvPicPr>
+        <p:blipFill>
+          <a:blip r:embed="rId2"/>
+          <a:stretch>
+            <a:fillRect/>
+          </a:stretch>
+        </p:blipFill>
+        <p:spPr>
+          <a:xfrm>
+            <a:off x="272250" y="1370119"/>
+            <a:ext cx="7000000" cy="4190476"/>
+          </a:xfrm>
+          <a:prstGeom prst="rect">
+            <a:avLst/>
+          </a:prstGeom>
+        </p:spPr>
+      </p:pic>
+      <p:sp>
+        <p:nvSpPr>
+          <p:cNvPr id="6" name="CuadroTexto 5"/>
+          <p:cNvSpPr txBox="1"/>
+          <p:nvPr/>
+        </p:nvSpPr>
+        <p:spPr>
+          <a:xfrm>
+            <a:off x="7623440" y="1047880"/>
+            <a:ext cx="4118115" cy="2031325"/>
+          </a:xfrm>
+          <a:prstGeom prst="rect">
+            <a:avLst/>
+          </a:prstGeom>
+          <a:noFill/>
+        </p:spPr>
+        <p:txBody>
+          <a:bodyPr wrap="none" rtlCol="0">
+            <a:spAutoFit/>
+          </a:bodyPr>
+          <a:lstStyle/>
+          <a:p>
+            <a:r>
+              <a:rPr lang="es-ES" dirty="0"/>
+              <a:t>Importación</a:t>
+            </a:r>
+          </a:p>
+          <a:p>
+            <a:endParaRPr lang="es-ES" dirty="0"/>
+          </a:p>
+          <a:p>
+            <a:endParaRPr lang="es-ES" dirty="0"/>
+          </a:p>
+          <a:p>
+            <a:r>
+              <a:rPr lang="es-ES" dirty="0"/>
+              <a:t>Declaración</a:t>
+            </a:r>
+          </a:p>
+          <a:p>
+            <a:endParaRPr lang="es-ES" dirty="0"/>
+          </a:p>
+          <a:p>
+            <a:r>
+              <a:rPr lang="es-ES" dirty="0"/>
+              <a:t>Importación de la clase e inyección en el c</a:t>
+            </a:r>
+          </a:p>
+          <a:p>
+            <a:r>
+              <a:rPr lang="es-ES" dirty="0"/>
+              <a:t>constructor</a:t>
+            </a:r>
+          </a:p>
+        </p:txBody>
+      </p:sp>
+      <p:cxnSp>
+        <p:nvCxnSpPr>
+          <p:cNvPr id="8" name="Conector recto de flecha 7"/>
+          <p:cNvCxnSpPr/>
+          <p:nvPr/>
+        </p:nvCxnSpPr>
+        <p:spPr>
+          <a:xfrm flipH="1">
+            <a:off x="2332140" y="1276821"/>
+            <a:ext cx="5291300" cy="543738"/>
+          </a:xfrm>
+          <a:prstGeom prst="straightConnector1">
+            <a:avLst/>
+          </a:prstGeom>
+          <a:ln>
+            <a:tailEnd type="triangle"/>
+          </a:ln>
+        </p:spPr>
+        <p:style>
+          <a:lnRef idx="1">
+            <a:schemeClr val="accent1"/>
+          </a:lnRef>
+          <a:fillRef idx="0">
+            <a:schemeClr val="accent1"/>
+          </a:fillRef>
+          <a:effectRef idx="0">
+            <a:schemeClr val="accent1"/>
+          </a:effectRef>
+          <a:fontRef idx="minor">
+            <a:schemeClr val="tx1"/>
+          </a:fontRef>
+        </p:style>
+      </p:cxnSp>
+      <p:cxnSp>
+        <p:nvCxnSpPr>
+          <p:cNvPr id="10" name="Conector recto de flecha 9"/>
+          <p:cNvCxnSpPr>
+            <a:stCxn id="6" idx="1"/>
+          </p:cNvCxnSpPr>
+          <p:nvPr/>
+        </p:nvCxnSpPr>
+        <p:spPr>
+          <a:xfrm flipH="1">
+            <a:off x="2902592" y="2063543"/>
+            <a:ext cx="4720848" cy="3011796"/>
+          </a:xfrm>
+          <a:prstGeom prst="straightConnector1">
+            <a:avLst/>
+          </a:prstGeom>
+          <a:ln>
+            <a:tailEnd type="triangle"/>
+          </a:ln>
+        </p:spPr>
+        <p:style>
+          <a:lnRef idx="1">
+            <a:schemeClr val="accent1"/>
+          </a:lnRef>
+          <a:fillRef idx="0">
+            <a:schemeClr val="accent1"/>
+          </a:fillRef>
+          <a:effectRef idx="0">
+            <a:schemeClr val="accent1"/>
+          </a:effectRef>
+          <a:fontRef idx="minor">
+            <a:schemeClr val="tx1"/>
+          </a:fontRef>
+        </p:style>
+      </p:cxnSp>
+      <p:pic>
+        <p:nvPicPr>
+          <p:cNvPr id="13" name="Imagen 12"/>
+          <p:cNvPicPr>
+            <a:picLocks noChangeAspect="1"/>
+          </p:cNvPicPr>
+          <p:nvPr/>
+        </p:nvPicPr>
+        <p:blipFill>
+          <a:blip r:embed="rId3"/>
+          <a:stretch>
+            <a:fillRect/>
+          </a:stretch>
+        </p:blipFill>
+        <p:spPr>
+          <a:xfrm>
+            <a:off x="6877714" y="3465357"/>
+            <a:ext cx="5314286" cy="2457143"/>
+          </a:xfrm>
+          <a:prstGeom prst="rect">
+            <a:avLst/>
+          </a:prstGeom>
+        </p:spPr>
+      </p:pic>
+      <p:pic>
+        <p:nvPicPr>
+          <p:cNvPr id="18" name="Imagen 17"/>
+          <p:cNvPicPr>
+            <a:picLocks noChangeAspect="1"/>
+          </p:cNvPicPr>
+          <p:nvPr/>
+        </p:nvPicPr>
+        <p:blipFill>
+          <a:blip r:embed="rId4"/>
+          <a:stretch>
+            <a:fillRect/>
+          </a:stretch>
+        </p:blipFill>
+        <p:spPr>
+          <a:xfrm>
+            <a:off x="6877714" y="6011034"/>
+            <a:ext cx="4409524" cy="752381"/>
+          </a:xfrm>
+          <a:prstGeom prst="rect">
+            <a:avLst/>
+          </a:prstGeom>
+        </p:spPr>
+      </p:pic>
+      <p:cxnSp>
+        <p:nvCxnSpPr>
+          <p:cNvPr id="22" name="Conector recto de flecha 21"/>
+          <p:cNvCxnSpPr>
+            <a:endCxn id="18" idx="1"/>
+          </p:cNvCxnSpPr>
+          <p:nvPr/>
+        </p:nvCxnSpPr>
+        <p:spPr>
+          <a:xfrm>
+            <a:off x="5075693" y="5879829"/>
+            <a:ext cx="1802021" cy="507396"/>
+          </a:xfrm>
+          <a:prstGeom prst="straightConnector1">
+            <a:avLst/>
+          </a:prstGeom>
+          <a:ln>
+            <a:tailEnd type="triangle"/>
+          </a:ln>
+        </p:spPr>
+        <p:style>
+          <a:lnRef idx="1">
+            <a:schemeClr val="accent1"/>
+          </a:lnRef>
+          <a:fillRef idx="0">
+            <a:schemeClr val="accent1"/>
+          </a:fillRef>
+          <a:effectRef idx="0">
+            <a:schemeClr val="accent1"/>
+          </a:effectRef>
+          <a:fontRef idx="minor">
+            <a:schemeClr val="tx1"/>
+          </a:fontRef>
+        </p:style>
+      </p:cxnSp>
+      <p:sp>
+        <p:nvSpPr>
+          <p:cNvPr id="23" name="CuadroTexto 22"/>
+          <p:cNvSpPr txBox="1"/>
+          <p:nvPr/>
+        </p:nvSpPr>
+        <p:spPr>
+          <a:xfrm>
+            <a:off x="2838806" y="5567454"/>
+            <a:ext cx="2309928" cy="369332"/>
+          </a:xfrm>
+          <a:prstGeom prst="rect">
+            <a:avLst/>
+          </a:prstGeom>
+          <a:noFill/>
+        </p:spPr>
+        <p:txBody>
+          <a:bodyPr wrap="none" rtlCol="0">
+            <a:spAutoFit/>
+          </a:bodyPr>
+          <a:lstStyle/>
+          <a:p>
+            <a:r>
+              <a:rPr lang="es-ES" dirty="0"/>
+              <a:t>Retorna un observable</a:t>
+            </a:r>
+          </a:p>
+        </p:txBody>
+      </p:sp>
+      <p:cxnSp>
+        <p:nvCxnSpPr>
+          <p:cNvPr id="25" name="Conector recto de flecha 24"/>
+          <p:cNvCxnSpPr/>
+          <p:nvPr/>
+        </p:nvCxnSpPr>
+        <p:spPr>
+          <a:xfrm flipH="1">
+            <a:off x="8095376" y="2659310"/>
+            <a:ext cx="184558" cy="806047"/>
+          </a:xfrm>
+          <a:prstGeom prst="straightConnector1">
+            <a:avLst/>
+          </a:prstGeom>
+          <a:ln>
+            <a:tailEnd type="triangle"/>
+          </a:ln>
+        </p:spPr>
+        <p:style>
+          <a:lnRef idx="1">
+            <a:schemeClr val="accent1"/>
+          </a:lnRef>
+          <a:fillRef idx="0">
+            <a:schemeClr val="accent1"/>
+          </a:fillRef>
+          <a:effectRef idx="0">
+            <a:schemeClr val="accent1"/>
+          </a:effectRef>
+          <a:fontRef idx="minor">
+            <a:schemeClr val="tx1"/>
+          </a:fontRef>
+        </p:style>
+      </p:cxnSp>
+      <p:cxnSp>
+        <p:nvCxnSpPr>
+          <p:cNvPr id="27" name="Conector recto de flecha 26"/>
+          <p:cNvCxnSpPr/>
+          <p:nvPr/>
+        </p:nvCxnSpPr>
+        <p:spPr>
+          <a:xfrm flipH="1">
+            <a:off x="9378892" y="2692866"/>
+            <a:ext cx="1283515" cy="2256639"/>
+          </a:xfrm>
+          <a:prstGeom prst="straightConnector1">
+            <a:avLst/>
+          </a:prstGeom>
+          <a:ln>
+            <a:tailEnd type="triangle"/>
+          </a:ln>
+        </p:spPr>
+        <p:style>
+          <a:lnRef idx="1">
+            <a:schemeClr val="accent1"/>
+          </a:lnRef>
+          <a:fillRef idx="0">
+            <a:schemeClr val="accent1"/>
+          </a:fillRef>
+          <a:effectRef idx="0">
+            <a:schemeClr val="accent1"/>
+          </a:effectRef>
+          <a:fontRef idx="minor">
+            <a:schemeClr val="tx1"/>
+          </a:fontRef>
+        </p:style>
+      </p:cxnSp>
+      <p:pic>
+        <p:nvPicPr>
+          <p:cNvPr id="28" name="Imagen 27"/>
+          <p:cNvPicPr>
+            <a:picLocks noChangeAspect="1"/>
+          </p:cNvPicPr>
+          <p:nvPr/>
+        </p:nvPicPr>
+        <p:blipFill>
+          <a:blip r:embed="rId5"/>
+          <a:stretch>
+            <a:fillRect/>
+          </a:stretch>
+        </p:blipFill>
+        <p:spPr>
+          <a:xfrm>
+            <a:off x="282067" y="6133527"/>
+            <a:ext cx="4866667" cy="638095"/>
+          </a:xfrm>
+          <a:prstGeom prst="rect">
+            <a:avLst/>
+          </a:prstGeom>
+        </p:spPr>
+      </p:pic>
+      <p:sp>
+        <p:nvSpPr>
+          <p:cNvPr id="30" name="CuadroTexto 29"/>
+          <p:cNvSpPr txBox="1"/>
+          <p:nvPr/>
+        </p:nvSpPr>
+        <p:spPr>
+          <a:xfrm>
+            <a:off x="10352015" y="4240687"/>
+            <a:ext cx="1137234" cy="369332"/>
+          </a:xfrm>
+          <a:prstGeom prst="rect">
+            <a:avLst/>
+          </a:prstGeom>
+        </p:spPr>
+        <p:style>
+          <a:lnRef idx="2">
+            <a:schemeClr val="dk1"/>
+          </a:lnRef>
+          <a:fillRef idx="1">
+            <a:schemeClr val="lt1"/>
+          </a:fillRef>
+          <a:effectRef idx="0">
+            <a:schemeClr val="dk1"/>
+          </a:effectRef>
+          <a:fontRef idx="minor">
+            <a:schemeClr val="dk1"/>
+          </a:fontRef>
+        </p:style>
+        <p:txBody>
+          <a:bodyPr wrap="none" rtlCol="0">
+            <a:spAutoFit/>
+          </a:bodyPr>
+          <a:lstStyle/>
+          <a:p>
+            <a:r>
+              <a:rPr lang="es-ES" dirty="0" err="1"/>
+              <a:t>Servicio.ts</a:t>
+            </a:r>
+            <a:endParaRPr lang="es-ES" dirty="0"/>
+          </a:p>
+        </p:txBody>
+      </p:sp>
+      <p:sp>
+        <p:nvSpPr>
+          <p:cNvPr id="31" name="CuadroTexto 30"/>
+          <p:cNvSpPr txBox="1"/>
+          <p:nvPr/>
+        </p:nvSpPr>
+        <p:spPr>
+          <a:xfrm>
+            <a:off x="3037449" y="6366539"/>
+            <a:ext cx="2104807" cy="369332"/>
+          </a:xfrm>
+          <a:prstGeom prst="rect">
+            <a:avLst/>
+          </a:prstGeom>
+        </p:spPr>
+        <p:style>
+          <a:lnRef idx="2">
+            <a:schemeClr val="dk1"/>
+          </a:lnRef>
+          <a:fillRef idx="1">
+            <a:schemeClr val="lt1"/>
+          </a:fillRef>
+          <a:effectRef idx="0">
+            <a:schemeClr val="dk1"/>
+          </a:effectRef>
+          <a:fontRef idx="minor">
+            <a:schemeClr val="dk1"/>
+          </a:fontRef>
+        </p:style>
+        <p:txBody>
+          <a:bodyPr wrap="none" rtlCol="0">
+            <a:spAutoFit/>
+          </a:bodyPr>
+          <a:lstStyle/>
+          <a:p>
+            <a:r>
+              <a:rPr lang="es-ES" dirty="0"/>
+              <a:t>En el </a:t>
+            </a:r>
+            <a:r>
+              <a:rPr lang="es-ES" dirty="0" err="1"/>
+              <a:t>componente.ts</a:t>
+            </a:r>
+            <a:endParaRPr lang="es-ES" dirty="0"/>
+          </a:p>
+        </p:txBody>
+      </p:sp>
+      <p:sp>
+        <p:nvSpPr>
+          <p:cNvPr id="32" name="CuadroTexto 31"/>
+          <p:cNvSpPr txBox="1"/>
+          <p:nvPr/>
+        </p:nvSpPr>
+        <p:spPr>
+          <a:xfrm>
+            <a:off x="3593202" y="3033259"/>
+            <a:ext cx="1534266" cy="369332"/>
+          </a:xfrm>
+          <a:prstGeom prst="rect">
+            <a:avLst/>
+          </a:prstGeom>
+        </p:spPr>
+        <p:style>
+          <a:lnRef idx="2">
+            <a:schemeClr val="dk1"/>
+          </a:lnRef>
+          <a:fillRef idx="1">
+            <a:schemeClr val="lt1"/>
+          </a:fillRef>
+          <a:effectRef idx="0">
+            <a:schemeClr val="dk1"/>
+          </a:effectRef>
+          <a:fontRef idx="minor">
+            <a:schemeClr val="dk1"/>
+          </a:fontRef>
+        </p:style>
+        <p:txBody>
+          <a:bodyPr wrap="none" rtlCol="0">
+            <a:spAutoFit/>
+          </a:bodyPr>
+          <a:lstStyle/>
+          <a:p>
+            <a:r>
+              <a:rPr lang="es-ES" dirty="0" err="1"/>
+              <a:t>app.module.ts</a:t>
+            </a:r>
+            <a:endParaRPr lang="es-ES" dirty="0"/>
           </a:p>
         </p:txBody>
       </p:sp>
     </p:spTree>
     <p:extLst>
       <p:ext uri="{BB962C8B-B14F-4D97-AF65-F5344CB8AC3E}">
-        <p14:creationId xmlns:p14="http://schemas.microsoft.com/office/powerpoint/2010/main" val="4143135401"/>
+        <p14:creationId xmlns:p14="http://schemas.microsoft.com/office/powerpoint/2010/main" val="949299333"/>
+      </p:ext>
+    </p:extLst>
+  </p:cSld>
+  <p:clrMapOvr>
+    <a:masterClrMapping/>
+  </p:clrMapOvr>
+</p:sld>
+</file>
+
+<file path=ppt/slides/slide26.xml><?xml version="1.0" encoding="utf-8"?>
+<p:sld xmlns:a="http://schemas.openxmlformats.org/drawingml/2006/main" xmlns:r="http://schemas.openxmlformats.org/officeDocument/2006/relationships" xmlns:p="http://schemas.openxmlformats.org/presentationml/2006/main">
+  <p:cSld>
+    <p:spTree>
+      <p:nvGrpSpPr>
+        <p:cNvPr id="1" name=""/>
+        <p:cNvGrpSpPr/>
+        <p:nvPr/>
+      </p:nvGrpSpPr>
+      <p:grpSpPr>
+        <a:xfrm>
+          <a:off x="0" y="0"/>
+          <a:ext cx="0" cy="0"/>
+          <a:chOff x="0" y="0"/>
+          <a:chExt cx="0" cy="0"/>
+        </a:xfrm>
+      </p:grpSpPr>
+      <p:sp>
+        <p:nvSpPr>
+          <p:cNvPr id="2" name="Título 1"/>
+          <p:cNvSpPr>
+            <a:spLocks noGrp="1"/>
+          </p:cNvSpPr>
+          <p:nvPr>
+            <p:ph type="title"/>
+          </p:nvPr>
+        </p:nvSpPr>
+        <p:spPr/>
+        <p:txBody>
+          <a:bodyPr/>
+          <a:lstStyle/>
+          <a:p>
+            <a:r>
+              <a:rPr lang="es-ES" dirty="0"/>
+              <a:t>Varias peticiones en paralelo</a:t>
+            </a:r>
+          </a:p>
+        </p:txBody>
+      </p:sp>
+      <p:pic>
+        <p:nvPicPr>
+          <p:cNvPr id="4" name="Imagen 3"/>
+          <p:cNvPicPr>
+            <a:picLocks noChangeAspect="1"/>
+          </p:cNvPicPr>
+          <p:nvPr/>
+        </p:nvPicPr>
+        <p:blipFill>
+          <a:blip r:embed="rId2"/>
+          <a:stretch>
+            <a:fillRect/>
+          </a:stretch>
+        </p:blipFill>
+        <p:spPr>
+          <a:xfrm>
+            <a:off x="838200" y="1690688"/>
+            <a:ext cx="4276190" cy="1600000"/>
+          </a:xfrm>
+          <a:prstGeom prst="rect">
+            <a:avLst/>
+          </a:prstGeom>
+        </p:spPr>
+      </p:pic>
+      <p:pic>
+        <p:nvPicPr>
+          <p:cNvPr id="5" name="Imagen 4"/>
+          <p:cNvPicPr>
+            <a:picLocks noChangeAspect="1"/>
+          </p:cNvPicPr>
+          <p:nvPr/>
+        </p:nvPicPr>
+        <p:blipFill>
+          <a:blip r:embed="rId3"/>
+          <a:stretch>
+            <a:fillRect/>
+          </a:stretch>
+        </p:blipFill>
+        <p:spPr>
+          <a:xfrm>
+            <a:off x="6403841" y="1690688"/>
+            <a:ext cx="4619048" cy="704762"/>
+          </a:xfrm>
+          <a:prstGeom prst="rect">
+            <a:avLst/>
+          </a:prstGeom>
+        </p:spPr>
+      </p:pic>
+      <p:sp>
+        <p:nvSpPr>
+          <p:cNvPr id="6" name="CuadroTexto 5"/>
+          <p:cNvSpPr txBox="1"/>
+          <p:nvPr/>
+        </p:nvSpPr>
+        <p:spPr>
+          <a:xfrm>
+            <a:off x="3816991" y="2691170"/>
+            <a:ext cx="1137234" cy="369332"/>
+          </a:xfrm>
+          <a:prstGeom prst="rect">
+            <a:avLst/>
+          </a:prstGeom>
+        </p:spPr>
+        <p:style>
+          <a:lnRef idx="2">
+            <a:schemeClr val="dk1"/>
+          </a:lnRef>
+          <a:fillRef idx="1">
+            <a:schemeClr val="lt1"/>
+          </a:fillRef>
+          <a:effectRef idx="0">
+            <a:schemeClr val="dk1"/>
+          </a:effectRef>
+          <a:fontRef idx="minor">
+            <a:schemeClr val="dk1"/>
+          </a:fontRef>
+        </p:style>
+        <p:txBody>
+          <a:bodyPr wrap="none" rtlCol="0">
+            <a:spAutoFit/>
+          </a:bodyPr>
+          <a:lstStyle/>
+          <a:p>
+            <a:r>
+              <a:rPr lang="es-ES" dirty="0" err="1"/>
+              <a:t>Servicio.ts</a:t>
+            </a:r>
+            <a:endParaRPr lang="es-ES" dirty="0"/>
+          </a:p>
+        </p:txBody>
+      </p:sp>
+      <p:sp>
+        <p:nvSpPr>
+          <p:cNvPr id="7" name="CuadroTexto 6"/>
+          <p:cNvSpPr txBox="1"/>
+          <p:nvPr/>
+        </p:nvSpPr>
+        <p:spPr>
+          <a:xfrm>
+            <a:off x="8986007" y="1936690"/>
+            <a:ext cx="1814664" cy="369332"/>
+          </a:xfrm>
+          <a:prstGeom prst="rect">
+            <a:avLst/>
+          </a:prstGeom>
+        </p:spPr>
+        <p:style>
+          <a:lnRef idx="2">
+            <a:schemeClr val="dk1"/>
+          </a:lnRef>
+          <a:fillRef idx="1">
+            <a:schemeClr val="lt1"/>
+          </a:fillRef>
+          <a:effectRef idx="0">
+            <a:schemeClr val="dk1"/>
+          </a:effectRef>
+          <a:fontRef idx="minor">
+            <a:schemeClr val="dk1"/>
+          </a:fontRef>
+        </p:style>
+        <p:txBody>
+          <a:bodyPr wrap="none" rtlCol="0">
+            <a:spAutoFit/>
+          </a:bodyPr>
+          <a:lstStyle/>
+          <a:p>
+            <a:r>
+              <a:rPr lang="es-ES" dirty="0"/>
+              <a:t>El </a:t>
+            </a:r>
+            <a:r>
+              <a:rPr lang="es-ES" dirty="0" err="1"/>
+              <a:t>componente.ts</a:t>
+            </a:r>
+            <a:endParaRPr lang="es-ES" dirty="0"/>
+          </a:p>
+        </p:txBody>
+      </p:sp>
+      <p:pic>
+        <p:nvPicPr>
+          <p:cNvPr id="8" name="Imagen 7"/>
+          <p:cNvPicPr>
+            <a:picLocks noChangeAspect="1"/>
+          </p:cNvPicPr>
+          <p:nvPr/>
+        </p:nvPicPr>
+        <p:blipFill>
+          <a:blip r:embed="rId4"/>
+          <a:stretch>
+            <a:fillRect/>
+          </a:stretch>
+        </p:blipFill>
+        <p:spPr>
+          <a:xfrm>
+            <a:off x="904600" y="4291170"/>
+            <a:ext cx="3285714" cy="704762"/>
+          </a:xfrm>
+          <a:prstGeom prst="rect">
+            <a:avLst/>
+          </a:prstGeom>
+        </p:spPr>
+      </p:pic>
+      <p:pic>
+        <p:nvPicPr>
+          <p:cNvPr id="9" name="Imagen 8"/>
+          <p:cNvPicPr>
+            <a:picLocks noChangeAspect="1"/>
+          </p:cNvPicPr>
+          <p:nvPr/>
+        </p:nvPicPr>
+        <p:blipFill>
+          <a:blip r:embed="rId5"/>
+          <a:stretch>
+            <a:fillRect/>
+          </a:stretch>
+        </p:blipFill>
+        <p:spPr>
+          <a:xfrm>
+            <a:off x="909628" y="5368393"/>
+            <a:ext cx="2066667" cy="819048"/>
+          </a:xfrm>
+          <a:prstGeom prst="rect">
+            <a:avLst/>
+          </a:prstGeom>
+        </p:spPr>
+      </p:pic>
+      <p:sp>
+        <p:nvSpPr>
+          <p:cNvPr id="10" name="CuadroTexto 9"/>
+          <p:cNvSpPr txBox="1"/>
+          <p:nvPr/>
+        </p:nvSpPr>
+        <p:spPr>
+          <a:xfrm>
+            <a:off x="3053080" y="4811266"/>
+            <a:ext cx="2025747" cy="369332"/>
+          </a:xfrm>
+          <a:prstGeom prst="rect">
+            <a:avLst/>
+          </a:prstGeom>
+        </p:spPr>
+        <p:style>
+          <a:lnRef idx="2">
+            <a:schemeClr val="dk1"/>
+          </a:lnRef>
+          <a:fillRef idx="1">
+            <a:schemeClr val="lt1"/>
+          </a:fillRef>
+          <a:effectRef idx="0">
+            <a:schemeClr val="dk1"/>
+          </a:effectRef>
+          <a:fontRef idx="minor">
+            <a:schemeClr val="dk1"/>
+          </a:fontRef>
+        </p:style>
+        <p:txBody>
+          <a:bodyPr wrap="none" rtlCol="0">
+            <a:spAutoFit/>
+          </a:bodyPr>
+          <a:lstStyle/>
+          <a:p>
+            <a:r>
+              <a:rPr lang="es-ES" dirty="0" err="1"/>
+              <a:t>Assets</a:t>
+            </a:r>
+            <a:r>
+              <a:rPr lang="es-ES" dirty="0"/>
+              <a:t>/Datos.1.json</a:t>
+            </a:r>
+          </a:p>
+        </p:txBody>
+      </p:sp>
+      <p:sp>
+        <p:nvSpPr>
+          <p:cNvPr id="11" name="CuadroTexto 10"/>
+          <p:cNvSpPr txBox="1"/>
+          <p:nvPr/>
+        </p:nvSpPr>
+        <p:spPr>
+          <a:xfrm>
+            <a:off x="2547457" y="5777917"/>
+            <a:ext cx="1851020" cy="369332"/>
+          </a:xfrm>
+          <a:prstGeom prst="rect">
+            <a:avLst/>
+          </a:prstGeom>
+        </p:spPr>
+        <p:style>
+          <a:lnRef idx="2">
+            <a:schemeClr val="dk1"/>
+          </a:lnRef>
+          <a:fillRef idx="1">
+            <a:schemeClr val="lt1"/>
+          </a:fillRef>
+          <a:effectRef idx="0">
+            <a:schemeClr val="dk1"/>
+          </a:effectRef>
+          <a:fontRef idx="minor">
+            <a:schemeClr val="dk1"/>
+          </a:fontRef>
+        </p:style>
+        <p:txBody>
+          <a:bodyPr wrap="none" rtlCol="0">
+            <a:spAutoFit/>
+          </a:bodyPr>
+          <a:lstStyle/>
+          <a:p>
+            <a:r>
+              <a:rPr lang="es-ES" dirty="0" err="1"/>
+              <a:t>Assets</a:t>
+            </a:r>
+            <a:r>
+              <a:rPr lang="es-ES" dirty="0"/>
+              <a:t>/</a:t>
+            </a:r>
+            <a:r>
+              <a:rPr lang="es-ES" dirty="0" err="1"/>
+              <a:t>Datos.json</a:t>
+            </a:r>
+            <a:endParaRPr lang="es-ES" dirty="0"/>
+          </a:p>
+        </p:txBody>
+      </p:sp>
+      <p:pic>
+        <p:nvPicPr>
+          <p:cNvPr id="12" name="Imagen 11"/>
+          <p:cNvPicPr>
+            <a:picLocks noChangeAspect="1"/>
+          </p:cNvPicPr>
+          <p:nvPr/>
+        </p:nvPicPr>
+        <p:blipFill>
+          <a:blip r:embed="rId6"/>
+          <a:stretch>
+            <a:fillRect/>
+          </a:stretch>
+        </p:blipFill>
+        <p:spPr>
+          <a:xfrm>
+            <a:off x="6403841" y="4386408"/>
+            <a:ext cx="4466667" cy="1219048"/>
+          </a:xfrm>
+          <a:prstGeom prst="rect">
+            <a:avLst/>
+          </a:prstGeom>
+        </p:spPr>
+      </p:pic>
+      <p:cxnSp>
+        <p:nvCxnSpPr>
+          <p:cNvPr id="14" name="Conector recto de flecha 13"/>
+          <p:cNvCxnSpPr/>
+          <p:nvPr/>
+        </p:nvCxnSpPr>
+        <p:spPr>
+          <a:xfrm flipH="1">
+            <a:off x="7373923" y="2121356"/>
+            <a:ext cx="486561" cy="2417088"/>
+          </a:xfrm>
+          <a:prstGeom prst="straightConnector1">
+            <a:avLst/>
+          </a:prstGeom>
+          <a:ln>
+            <a:tailEnd type="triangle"/>
+          </a:ln>
+        </p:spPr>
+        <p:style>
+          <a:lnRef idx="1">
+            <a:schemeClr val="accent1"/>
+          </a:lnRef>
+          <a:fillRef idx="0">
+            <a:schemeClr val="accent1"/>
+          </a:fillRef>
+          <a:effectRef idx="0">
+            <a:schemeClr val="accent1"/>
+          </a:effectRef>
+          <a:fontRef idx="minor">
+            <a:schemeClr val="tx1"/>
+          </a:fontRef>
+        </p:style>
+      </p:cxnSp>
+      <p:cxnSp>
+        <p:nvCxnSpPr>
+          <p:cNvPr id="16" name="Conector recto de flecha 15"/>
+          <p:cNvCxnSpPr/>
+          <p:nvPr/>
+        </p:nvCxnSpPr>
+        <p:spPr>
+          <a:xfrm flipH="1" flipV="1">
+            <a:off x="2348917" y="2919369"/>
+            <a:ext cx="2605308" cy="1031846"/>
+          </a:xfrm>
+          <a:prstGeom prst="straightConnector1">
+            <a:avLst/>
+          </a:prstGeom>
+          <a:ln>
+            <a:tailEnd type="triangle"/>
+          </a:ln>
+        </p:spPr>
+        <p:style>
+          <a:lnRef idx="1">
+            <a:schemeClr val="accent1"/>
+          </a:lnRef>
+          <a:fillRef idx="0">
+            <a:schemeClr val="accent1"/>
+          </a:fillRef>
+          <a:effectRef idx="0">
+            <a:schemeClr val="accent1"/>
+          </a:effectRef>
+          <a:fontRef idx="minor">
+            <a:schemeClr val="tx1"/>
+          </a:fontRef>
+        </p:style>
+      </p:cxnSp>
+      <p:sp>
+        <p:nvSpPr>
+          <p:cNvPr id="17" name="CuadroTexto 16"/>
+          <p:cNvSpPr txBox="1"/>
+          <p:nvPr/>
+        </p:nvSpPr>
+        <p:spPr>
+          <a:xfrm>
+            <a:off x="5078827" y="3934437"/>
+            <a:ext cx="926792" cy="369332"/>
+          </a:xfrm>
+          <a:prstGeom prst="rect">
+            <a:avLst/>
+          </a:prstGeom>
+          <a:noFill/>
+        </p:spPr>
+        <p:txBody>
+          <a:bodyPr wrap="none" rtlCol="0">
+            <a:spAutoFit/>
+          </a:bodyPr>
+          <a:lstStyle/>
+          <a:p>
+            <a:r>
+              <a:rPr lang="es-ES" dirty="0" err="1"/>
+              <a:t>forkJoin</a:t>
+            </a:r>
+            <a:endParaRPr lang="es-ES" dirty="0"/>
+          </a:p>
+        </p:txBody>
+      </p:sp>
+      <p:pic>
+        <p:nvPicPr>
+          <p:cNvPr id="18" name="Imagen 17"/>
+          <p:cNvPicPr>
+            <a:picLocks noChangeAspect="1"/>
+          </p:cNvPicPr>
+          <p:nvPr/>
+        </p:nvPicPr>
+        <p:blipFill>
+          <a:blip r:embed="rId7"/>
+          <a:stretch>
+            <a:fillRect/>
+          </a:stretch>
+        </p:blipFill>
+        <p:spPr>
+          <a:xfrm>
+            <a:off x="838200" y="1239629"/>
+            <a:ext cx="2867025" cy="304800"/>
+          </a:xfrm>
+          <a:prstGeom prst="rect">
+            <a:avLst/>
+          </a:prstGeom>
+        </p:spPr>
+      </p:pic>
+    </p:spTree>
+    <p:extLst>
+      <p:ext uri="{BB962C8B-B14F-4D97-AF65-F5344CB8AC3E}">
+        <p14:creationId xmlns:p14="http://schemas.microsoft.com/office/powerpoint/2010/main" val="2328631036"/>
+      </p:ext>
+    </p:extLst>
+  </p:cSld>
+  <p:clrMapOvr>
+    <a:masterClrMapping/>
+  </p:clrMapOvr>
+</p:sld>
+</file>
+
+<file path=ppt/slides/slide27.xml><?xml version="1.0" encoding="utf-8"?>
+<p:sld xmlns:a="http://schemas.openxmlformats.org/drawingml/2006/main" xmlns:r="http://schemas.openxmlformats.org/officeDocument/2006/relationships" xmlns:p="http://schemas.openxmlformats.org/presentationml/2006/main">
+  <p:cSld>
+    <p:spTree>
+      <p:nvGrpSpPr>
+        <p:cNvPr id="1" name=""/>
+        <p:cNvGrpSpPr/>
+        <p:nvPr/>
+      </p:nvGrpSpPr>
+      <p:grpSpPr>
+        <a:xfrm>
+          <a:off x="0" y="0"/>
+          <a:ext cx="0" cy="0"/>
+          <a:chOff x="0" y="0"/>
+          <a:chExt cx="0" cy="0"/>
+        </a:xfrm>
+      </p:grpSpPr>
+      <p:sp>
+        <p:nvSpPr>
+          <p:cNvPr id="2" name="Título 1"/>
+          <p:cNvSpPr>
+            <a:spLocks noGrp="1"/>
+          </p:cNvSpPr>
+          <p:nvPr>
+            <p:ph type="title"/>
+          </p:nvPr>
+        </p:nvSpPr>
+        <p:spPr>
+          <a:xfrm>
+            <a:off x="838200" y="365126"/>
+            <a:ext cx="10663106" cy="759000"/>
+          </a:xfrm>
+        </p:spPr>
+        <p:txBody>
+          <a:bodyPr/>
+          <a:lstStyle/>
+          <a:p>
+            <a:r>
+              <a:rPr lang="es-ES" dirty="0"/>
+              <a:t>Peticiones en serie. Uso de </a:t>
+            </a:r>
+            <a:r>
+              <a:rPr lang="es-ES" dirty="0" err="1"/>
+              <a:t>async</a:t>
+            </a:r>
+            <a:r>
+              <a:rPr lang="es-ES" dirty="0"/>
+              <a:t>, </a:t>
+            </a:r>
+            <a:r>
+              <a:rPr lang="es-ES" dirty="0" err="1"/>
+              <a:t>await</a:t>
+            </a:r>
+            <a:endParaRPr lang="es-ES" dirty="0"/>
+          </a:p>
+        </p:txBody>
+      </p:sp>
+      <p:pic>
+        <p:nvPicPr>
+          <p:cNvPr id="5" name="Imagen 4"/>
+          <p:cNvPicPr>
+            <a:picLocks noChangeAspect="1"/>
+          </p:cNvPicPr>
+          <p:nvPr/>
+        </p:nvPicPr>
+        <p:blipFill>
+          <a:blip r:embed="rId2"/>
+          <a:stretch>
+            <a:fillRect/>
+          </a:stretch>
+        </p:blipFill>
+        <p:spPr>
+          <a:xfrm>
+            <a:off x="242552" y="1503014"/>
+            <a:ext cx="7438095" cy="1752381"/>
+          </a:xfrm>
+          <a:prstGeom prst="rect">
+            <a:avLst/>
+          </a:prstGeom>
+        </p:spPr>
+      </p:pic>
+      <p:pic>
+        <p:nvPicPr>
+          <p:cNvPr id="6" name="Imagen 5"/>
+          <p:cNvPicPr>
+            <a:picLocks noChangeAspect="1"/>
+          </p:cNvPicPr>
+          <p:nvPr/>
+        </p:nvPicPr>
+        <p:blipFill>
+          <a:blip r:embed="rId3"/>
+          <a:stretch>
+            <a:fillRect/>
+          </a:stretch>
+        </p:blipFill>
+        <p:spPr>
+          <a:xfrm>
+            <a:off x="242552" y="4199926"/>
+            <a:ext cx="6180952" cy="695238"/>
+          </a:xfrm>
+          <a:prstGeom prst="rect">
+            <a:avLst/>
+          </a:prstGeom>
+        </p:spPr>
+      </p:pic>
+      <p:sp>
+        <p:nvSpPr>
+          <p:cNvPr id="7" name="CuadroTexto 6"/>
+          <p:cNvSpPr txBox="1"/>
+          <p:nvPr/>
+        </p:nvSpPr>
+        <p:spPr>
+          <a:xfrm>
+            <a:off x="6308521" y="2754247"/>
+            <a:ext cx="1137234" cy="369332"/>
+          </a:xfrm>
+          <a:prstGeom prst="rect">
+            <a:avLst/>
+          </a:prstGeom>
+        </p:spPr>
+        <p:style>
+          <a:lnRef idx="2">
+            <a:schemeClr val="dk1"/>
+          </a:lnRef>
+          <a:fillRef idx="1">
+            <a:schemeClr val="lt1"/>
+          </a:fillRef>
+          <a:effectRef idx="0">
+            <a:schemeClr val="dk1"/>
+          </a:effectRef>
+          <a:fontRef idx="minor">
+            <a:schemeClr val="dk1"/>
+          </a:fontRef>
+        </p:style>
+        <p:txBody>
+          <a:bodyPr wrap="none" rtlCol="0">
+            <a:spAutoFit/>
+          </a:bodyPr>
+          <a:lstStyle/>
+          <a:p>
+            <a:r>
+              <a:rPr lang="es-ES" dirty="0" err="1"/>
+              <a:t>Servicio.ts</a:t>
+            </a:r>
+            <a:endParaRPr lang="es-ES" dirty="0"/>
+          </a:p>
+        </p:txBody>
+      </p:sp>
+      <p:sp>
+        <p:nvSpPr>
+          <p:cNvPr id="8" name="CuadroTexto 7"/>
+          <p:cNvSpPr txBox="1"/>
+          <p:nvPr/>
+        </p:nvSpPr>
+        <p:spPr>
+          <a:xfrm>
+            <a:off x="5739904" y="4679361"/>
+            <a:ext cx="1596656" cy="369332"/>
+          </a:xfrm>
+          <a:prstGeom prst="rect">
+            <a:avLst/>
+          </a:prstGeom>
+        </p:spPr>
+        <p:style>
+          <a:lnRef idx="2">
+            <a:schemeClr val="dk1"/>
+          </a:lnRef>
+          <a:fillRef idx="1">
+            <a:schemeClr val="lt1"/>
+          </a:fillRef>
+          <a:effectRef idx="0">
+            <a:schemeClr val="dk1"/>
+          </a:effectRef>
+          <a:fontRef idx="minor">
+            <a:schemeClr val="dk1"/>
+          </a:fontRef>
+        </p:style>
+        <p:txBody>
+          <a:bodyPr wrap="none" rtlCol="0">
+            <a:spAutoFit/>
+          </a:bodyPr>
+          <a:lstStyle/>
+          <a:p>
+            <a:r>
+              <a:rPr lang="es-ES" dirty="0" err="1"/>
+              <a:t>componente.ts</a:t>
+            </a:r>
+            <a:endParaRPr lang="es-ES" dirty="0"/>
+          </a:p>
+        </p:txBody>
+      </p:sp>
+      <p:pic>
+        <p:nvPicPr>
+          <p:cNvPr id="10" name="Imagen 9"/>
+          <p:cNvPicPr>
+            <a:picLocks noChangeAspect="1"/>
+          </p:cNvPicPr>
+          <p:nvPr/>
+        </p:nvPicPr>
+        <p:blipFill>
+          <a:blip r:embed="rId4"/>
+          <a:stretch>
+            <a:fillRect/>
+          </a:stretch>
+        </p:blipFill>
+        <p:spPr>
+          <a:xfrm>
+            <a:off x="7764014" y="1367296"/>
+            <a:ext cx="4247619" cy="4542857"/>
+          </a:xfrm>
+          <a:prstGeom prst="rect">
+            <a:avLst/>
+          </a:prstGeom>
+        </p:spPr>
+      </p:pic>
+    </p:spTree>
+    <p:extLst>
+      <p:ext uri="{BB962C8B-B14F-4D97-AF65-F5344CB8AC3E}">
+        <p14:creationId xmlns:p14="http://schemas.microsoft.com/office/powerpoint/2010/main" val="3477894215"/>
+      </p:ext>
+    </p:extLst>
+  </p:cSld>
+  <p:clrMapOvr>
+    <a:masterClrMapping/>
+  </p:clrMapOvr>
+</p:sld>
+</file>
+
+<file path=ppt/slides/slide28.xml><?xml version="1.0" encoding="utf-8"?>
+<p:sld xmlns:a="http://schemas.openxmlformats.org/drawingml/2006/main" xmlns:r="http://schemas.openxmlformats.org/officeDocument/2006/relationships" xmlns:p="http://schemas.openxmlformats.org/presentationml/2006/main">
+  <p:cSld>
+    <p:spTree>
+      <p:nvGrpSpPr>
+        <p:cNvPr id="1" name=""/>
+        <p:cNvGrpSpPr/>
+        <p:nvPr/>
+      </p:nvGrpSpPr>
+      <p:grpSpPr>
+        <a:xfrm>
+          <a:off x="0" y="0"/>
+          <a:ext cx="0" cy="0"/>
+          <a:chOff x="0" y="0"/>
+          <a:chExt cx="0" cy="0"/>
+        </a:xfrm>
+      </p:grpSpPr>
+      <p:sp>
+        <p:nvSpPr>
+          <p:cNvPr id="2" name="Título 1"/>
+          <p:cNvSpPr>
+            <a:spLocks noGrp="1"/>
+          </p:cNvSpPr>
+          <p:nvPr>
+            <p:ph type="title"/>
+          </p:nvPr>
+        </p:nvSpPr>
+        <p:spPr/>
+        <p:txBody>
+          <a:bodyPr/>
+          <a:lstStyle/>
+          <a:p>
+            <a:r>
+              <a:rPr lang="es-ES" dirty="0"/>
+              <a:t>Control de errores </a:t>
+            </a:r>
+            <a:r>
+              <a:rPr lang="es-ES" dirty="0" err="1"/>
+              <a:t>await</a:t>
+            </a:r>
+            <a:endParaRPr lang="es-ES" dirty="0"/>
+          </a:p>
+        </p:txBody>
+      </p:sp>
+      <p:pic>
+        <p:nvPicPr>
+          <p:cNvPr id="4" name="Imagen 3"/>
+          <p:cNvPicPr>
+            <a:picLocks noChangeAspect="1"/>
+          </p:cNvPicPr>
+          <p:nvPr/>
+        </p:nvPicPr>
+        <p:blipFill>
+          <a:blip r:embed="rId2"/>
+          <a:stretch>
+            <a:fillRect/>
+          </a:stretch>
+        </p:blipFill>
+        <p:spPr>
+          <a:xfrm>
+            <a:off x="250063" y="1279111"/>
+            <a:ext cx="6457143" cy="4333333"/>
+          </a:xfrm>
+          <a:prstGeom prst="rect">
+            <a:avLst/>
+          </a:prstGeom>
+        </p:spPr>
+      </p:pic>
+      <p:pic>
+        <p:nvPicPr>
+          <p:cNvPr id="5" name="Imagen 4"/>
+          <p:cNvPicPr>
+            <a:picLocks noChangeAspect="1"/>
+          </p:cNvPicPr>
+          <p:nvPr/>
+        </p:nvPicPr>
+        <p:blipFill>
+          <a:blip r:embed="rId3"/>
+          <a:stretch>
+            <a:fillRect/>
+          </a:stretch>
+        </p:blipFill>
+        <p:spPr>
+          <a:xfrm>
+            <a:off x="6044789" y="1396529"/>
+            <a:ext cx="5971429" cy="1095238"/>
+          </a:xfrm>
+          <a:prstGeom prst="rect">
+            <a:avLst/>
+          </a:prstGeom>
+        </p:spPr>
+      </p:pic>
+      <p:pic>
+        <p:nvPicPr>
+          <p:cNvPr id="6" name="Imagen 5"/>
+          <p:cNvPicPr>
+            <a:picLocks noChangeAspect="1"/>
+          </p:cNvPicPr>
+          <p:nvPr/>
+        </p:nvPicPr>
+        <p:blipFill>
+          <a:blip r:embed="rId4"/>
+          <a:stretch>
+            <a:fillRect/>
+          </a:stretch>
+        </p:blipFill>
+        <p:spPr>
+          <a:xfrm>
+            <a:off x="7507137" y="3674909"/>
+            <a:ext cx="4123809" cy="1504762"/>
+          </a:xfrm>
+          <a:prstGeom prst="rect">
+            <a:avLst/>
+          </a:prstGeom>
+        </p:spPr>
+      </p:pic>
+      <p:sp>
+        <p:nvSpPr>
+          <p:cNvPr id="7" name="CuadroTexto 6"/>
+          <p:cNvSpPr txBox="1"/>
+          <p:nvPr/>
+        </p:nvSpPr>
+        <p:spPr>
+          <a:xfrm>
+            <a:off x="5184396" y="4306210"/>
+            <a:ext cx="1137234" cy="369332"/>
+          </a:xfrm>
+          <a:prstGeom prst="rect">
+            <a:avLst/>
+          </a:prstGeom>
+        </p:spPr>
+        <p:style>
+          <a:lnRef idx="2">
+            <a:schemeClr val="dk1"/>
+          </a:lnRef>
+          <a:fillRef idx="1">
+            <a:schemeClr val="lt1"/>
+          </a:fillRef>
+          <a:effectRef idx="0">
+            <a:schemeClr val="dk1"/>
+          </a:effectRef>
+          <a:fontRef idx="minor">
+            <a:schemeClr val="dk1"/>
+          </a:fontRef>
+        </p:style>
+        <p:txBody>
+          <a:bodyPr wrap="none" rtlCol="0">
+            <a:spAutoFit/>
+          </a:bodyPr>
+          <a:lstStyle/>
+          <a:p>
+            <a:r>
+              <a:rPr lang="es-ES" dirty="0" err="1"/>
+              <a:t>Servicio.ts</a:t>
+            </a:r>
+            <a:endParaRPr lang="es-ES" dirty="0"/>
+          </a:p>
+        </p:txBody>
+      </p:sp>
+      <p:sp>
+        <p:nvSpPr>
+          <p:cNvPr id="8" name="CuadroTexto 7"/>
+          <p:cNvSpPr txBox="1"/>
+          <p:nvPr/>
+        </p:nvSpPr>
+        <p:spPr>
+          <a:xfrm>
+            <a:off x="10541686" y="909779"/>
+            <a:ext cx="1624227" cy="369332"/>
+          </a:xfrm>
+          <a:prstGeom prst="rect">
+            <a:avLst/>
+          </a:prstGeom>
+        </p:spPr>
+        <p:style>
+          <a:lnRef idx="2">
+            <a:schemeClr val="dk1"/>
+          </a:lnRef>
+          <a:fillRef idx="1">
+            <a:schemeClr val="lt1"/>
+          </a:fillRef>
+          <a:effectRef idx="0">
+            <a:schemeClr val="dk1"/>
+          </a:effectRef>
+          <a:fontRef idx="minor">
+            <a:schemeClr val="dk1"/>
+          </a:fontRef>
+        </p:style>
+        <p:txBody>
+          <a:bodyPr wrap="none" rtlCol="0">
+            <a:spAutoFit/>
+          </a:bodyPr>
+          <a:lstStyle/>
+          <a:p>
+            <a:r>
+              <a:rPr lang="es-ES" dirty="0" err="1"/>
+              <a:t>Componente.ts</a:t>
+            </a:r>
+            <a:endParaRPr lang="es-ES" dirty="0"/>
+          </a:p>
+        </p:txBody>
+      </p:sp>
+    </p:spTree>
+    <p:extLst>
+      <p:ext uri="{BB962C8B-B14F-4D97-AF65-F5344CB8AC3E}">
+        <p14:creationId xmlns:p14="http://schemas.microsoft.com/office/powerpoint/2010/main" val="3905809783"/>
+      </p:ext>
+    </p:extLst>
+  </p:cSld>
+  <p:clrMapOvr>
+    <a:masterClrMapping/>
+  </p:clrMapOvr>
+</p:sld>
+</file>
+
+<file path=ppt/slides/slide29.xml><?xml version="1.0" encoding="utf-8"?>
+<p:sld xmlns:a="http://schemas.openxmlformats.org/drawingml/2006/main" xmlns:r="http://schemas.openxmlformats.org/officeDocument/2006/relationships" xmlns:p="http://schemas.openxmlformats.org/presentationml/2006/main">
+  <p:cSld>
+    <p:spTree>
+      <p:nvGrpSpPr>
+        <p:cNvPr id="1" name=""/>
+        <p:cNvGrpSpPr/>
+        <p:nvPr/>
+      </p:nvGrpSpPr>
+      <p:grpSpPr>
+        <a:xfrm>
+          <a:off x="0" y="0"/>
+          <a:ext cx="0" cy="0"/>
+          <a:chOff x="0" y="0"/>
+          <a:chExt cx="0" cy="0"/>
+        </a:xfrm>
+      </p:grpSpPr>
+      <p:sp>
+        <p:nvSpPr>
+          <p:cNvPr id="2" name="Título 1"/>
+          <p:cNvSpPr>
+            <a:spLocks noGrp="1"/>
+          </p:cNvSpPr>
+          <p:nvPr>
+            <p:ph type="title"/>
+          </p:nvPr>
+        </p:nvSpPr>
+        <p:spPr>
+          <a:xfrm>
+            <a:off x="427139" y="298014"/>
+            <a:ext cx="10515600" cy="624776"/>
+          </a:xfrm>
+        </p:spPr>
+        <p:txBody>
+          <a:bodyPr>
+            <a:normAutofit fontScale="90000"/>
+          </a:bodyPr>
+          <a:lstStyle/>
+          <a:p>
+            <a:r>
+              <a:rPr lang="es-ES" dirty="0"/>
+              <a:t>EL CORS</a:t>
+            </a:r>
+          </a:p>
+        </p:txBody>
+      </p:sp>
+      <p:pic>
+        <p:nvPicPr>
+          <p:cNvPr id="4" name="Imagen 3"/>
+          <p:cNvPicPr>
+            <a:picLocks noChangeAspect="1"/>
+          </p:cNvPicPr>
+          <p:nvPr/>
+        </p:nvPicPr>
+        <p:blipFill>
+          <a:blip r:embed="rId2"/>
+          <a:stretch>
+            <a:fillRect/>
+          </a:stretch>
+        </p:blipFill>
+        <p:spPr>
+          <a:xfrm>
+            <a:off x="138953" y="1048134"/>
+            <a:ext cx="6492136" cy="1820902"/>
+          </a:xfrm>
+          <a:prstGeom prst="rect">
+            <a:avLst/>
+          </a:prstGeom>
+        </p:spPr>
+      </p:pic>
+      <p:sp>
+        <p:nvSpPr>
+          <p:cNvPr id="5" name="CuadroTexto 4"/>
+          <p:cNvSpPr txBox="1"/>
+          <p:nvPr/>
+        </p:nvSpPr>
+        <p:spPr>
+          <a:xfrm>
+            <a:off x="218113" y="2994380"/>
+            <a:ext cx="7310912" cy="369332"/>
+          </a:xfrm>
+          <a:prstGeom prst="rect">
+            <a:avLst/>
+          </a:prstGeom>
+          <a:noFill/>
+        </p:spPr>
+        <p:txBody>
+          <a:bodyPr wrap="none" rtlCol="0">
+            <a:spAutoFit/>
+          </a:bodyPr>
+          <a:lstStyle/>
+          <a:p>
+            <a:r>
+              <a:rPr lang="es-ES" dirty="0"/>
+              <a:t>http-server (lanza el servidor web con el raíz en el directorio de la aplicación)</a:t>
+            </a:r>
+          </a:p>
+        </p:txBody>
+      </p:sp>
+      <p:pic>
+        <p:nvPicPr>
+          <p:cNvPr id="6" name="Imagen 5"/>
+          <p:cNvPicPr>
+            <a:picLocks noChangeAspect="1"/>
+          </p:cNvPicPr>
+          <p:nvPr/>
+        </p:nvPicPr>
+        <p:blipFill>
+          <a:blip r:embed="rId3"/>
+          <a:stretch>
+            <a:fillRect/>
+          </a:stretch>
+        </p:blipFill>
+        <p:spPr>
+          <a:xfrm>
+            <a:off x="218113" y="3363712"/>
+            <a:ext cx="6619048" cy="1600000"/>
+          </a:xfrm>
+          <a:prstGeom prst="rect">
+            <a:avLst/>
+          </a:prstGeom>
+        </p:spPr>
+      </p:pic>
+      <p:pic>
+        <p:nvPicPr>
+          <p:cNvPr id="7" name="Imagen 6"/>
+          <p:cNvPicPr>
+            <a:picLocks noChangeAspect="1"/>
+          </p:cNvPicPr>
+          <p:nvPr/>
+        </p:nvPicPr>
+        <p:blipFill>
+          <a:blip r:embed="rId4"/>
+          <a:stretch>
+            <a:fillRect/>
+          </a:stretch>
+        </p:blipFill>
+        <p:spPr>
+          <a:xfrm>
+            <a:off x="4209001" y="4331102"/>
+            <a:ext cx="7780952" cy="609524"/>
+          </a:xfrm>
+          <a:prstGeom prst="rect">
+            <a:avLst/>
+          </a:prstGeom>
+        </p:spPr>
+      </p:pic>
+      <p:pic>
+        <p:nvPicPr>
+          <p:cNvPr id="8" name="Imagen 7"/>
+          <p:cNvPicPr>
+            <a:picLocks noChangeAspect="1"/>
+          </p:cNvPicPr>
+          <p:nvPr/>
+        </p:nvPicPr>
+        <p:blipFill>
+          <a:blip r:embed="rId5"/>
+          <a:stretch>
+            <a:fillRect/>
+          </a:stretch>
+        </p:blipFill>
+        <p:spPr>
+          <a:xfrm>
+            <a:off x="188090" y="5172286"/>
+            <a:ext cx="10047619" cy="1685714"/>
+          </a:xfrm>
+          <a:prstGeom prst="rect">
+            <a:avLst/>
+          </a:prstGeom>
+        </p:spPr>
+      </p:pic>
+      <p:sp>
+        <p:nvSpPr>
+          <p:cNvPr id="9" name="CuadroTexto 8"/>
+          <p:cNvSpPr txBox="1"/>
+          <p:nvPr/>
+        </p:nvSpPr>
+        <p:spPr>
+          <a:xfrm>
+            <a:off x="5847128" y="6277348"/>
+            <a:ext cx="4025589" cy="369332"/>
+          </a:xfrm>
+          <a:prstGeom prst="rect">
+            <a:avLst/>
+          </a:prstGeom>
+        </p:spPr>
+        <p:style>
+          <a:lnRef idx="2">
+            <a:schemeClr val="dk1"/>
+          </a:lnRef>
+          <a:fillRef idx="1">
+            <a:schemeClr val="lt1"/>
+          </a:fillRef>
+          <a:effectRef idx="0">
+            <a:schemeClr val="dk1"/>
+          </a:effectRef>
+          <a:fontRef idx="minor">
+            <a:schemeClr val="dk1"/>
+          </a:fontRef>
+        </p:style>
+        <p:txBody>
+          <a:bodyPr wrap="none" rtlCol="0">
+            <a:spAutoFit/>
+          </a:bodyPr>
+          <a:lstStyle/>
+          <a:p>
+            <a:r>
+              <a:rPr lang="es-ES" dirty="0"/>
+              <a:t>Quitar cabeceras en una posible solución</a:t>
+            </a:r>
+          </a:p>
+        </p:txBody>
+      </p:sp>
+    </p:spTree>
+    <p:extLst>
+      <p:ext uri="{BB962C8B-B14F-4D97-AF65-F5344CB8AC3E}">
+        <p14:creationId xmlns:p14="http://schemas.microsoft.com/office/powerpoint/2010/main" val="4203523006"/>
       </p:ext>
     </p:extLst>
   </p:cSld>
@@ -7877,6 +9083,214 @@
     <p:extLst>
       <p:ext uri="{BB962C8B-B14F-4D97-AF65-F5344CB8AC3E}">
         <p14:creationId xmlns:p14="http://schemas.microsoft.com/office/powerpoint/2010/main" val="3067627005"/>
+      </p:ext>
+    </p:extLst>
+  </p:cSld>
+  <p:clrMapOvr>
+    <a:masterClrMapping/>
+  </p:clrMapOvr>
+</p:sld>
+</file>
+
+<file path=ppt/slides/slide30.xml><?xml version="1.0" encoding="utf-8"?>
+<p:sld xmlns:a="http://schemas.openxmlformats.org/drawingml/2006/main" xmlns:r="http://schemas.openxmlformats.org/officeDocument/2006/relationships" xmlns:p="http://schemas.openxmlformats.org/presentationml/2006/main">
+  <p:cSld>
+    <p:spTree>
+      <p:nvGrpSpPr>
+        <p:cNvPr id="1" name=""/>
+        <p:cNvGrpSpPr/>
+        <p:nvPr/>
+      </p:nvGrpSpPr>
+      <p:grpSpPr>
+        <a:xfrm>
+          <a:off x="0" y="0"/>
+          <a:ext cx="0" cy="0"/>
+          <a:chOff x="0" y="0"/>
+          <a:chExt cx="0" cy="0"/>
+        </a:xfrm>
+      </p:grpSpPr>
+      <p:sp>
+        <p:nvSpPr>
+          <p:cNvPr id="2" name="Título 1"/>
+          <p:cNvSpPr>
+            <a:spLocks noGrp="1"/>
+          </p:cNvSpPr>
+          <p:nvPr>
+            <p:ph type="title"/>
+          </p:nvPr>
+        </p:nvSpPr>
+        <p:spPr/>
+        <p:txBody>
+          <a:bodyPr/>
+          <a:lstStyle/>
+          <a:p>
+            <a:r>
+              <a:rPr lang="es-ES" dirty="0" err="1"/>
+              <a:t>Cors</a:t>
+            </a:r>
+            <a:r>
+              <a:rPr lang="es-ES" dirty="0"/>
+              <a:t> (2)</a:t>
+            </a:r>
+          </a:p>
+        </p:txBody>
+      </p:sp>
+      <p:pic>
+        <p:nvPicPr>
+          <p:cNvPr id="4" name="Imagen 3"/>
+          <p:cNvPicPr>
+            <a:picLocks noChangeAspect="1"/>
+          </p:cNvPicPr>
+          <p:nvPr/>
+        </p:nvPicPr>
+        <p:blipFill>
+          <a:blip r:embed="rId2"/>
+          <a:stretch>
+            <a:fillRect/>
+          </a:stretch>
+        </p:blipFill>
+        <p:spPr>
+          <a:xfrm>
+            <a:off x="838200" y="1547265"/>
+            <a:ext cx="7657143" cy="1733333"/>
+          </a:xfrm>
+          <a:prstGeom prst="rect">
+            <a:avLst/>
+          </a:prstGeom>
+        </p:spPr>
+      </p:pic>
+      <p:pic>
+        <p:nvPicPr>
+          <p:cNvPr id="5" name="Imagen 4"/>
+          <p:cNvPicPr>
+            <a:picLocks noChangeAspect="1"/>
+          </p:cNvPicPr>
+          <p:nvPr/>
+        </p:nvPicPr>
+        <p:blipFill>
+          <a:blip r:embed="rId3"/>
+          <a:stretch>
+            <a:fillRect/>
+          </a:stretch>
+        </p:blipFill>
+        <p:spPr>
+          <a:xfrm>
+            <a:off x="838200" y="3445953"/>
+            <a:ext cx="8267700" cy="419100"/>
+          </a:xfrm>
+          <a:prstGeom prst="rect">
+            <a:avLst/>
+          </a:prstGeom>
+        </p:spPr>
+      </p:pic>
+      <p:sp>
+        <p:nvSpPr>
+          <p:cNvPr id="7" name="CuadroTexto 6"/>
+          <p:cNvSpPr txBox="1"/>
+          <p:nvPr/>
+        </p:nvSpPr>
+        <p:spPr>
+          <a:xfrm>
+            <a:off x="838200" y="4228051"/>
+            <a:ext cx="6670801" cy="1200329"/>
+          </a:xfrm>
+          <a:prstGeom prst="rect">
+            <a:avLst/>
+          </a:prstGeom>
+          <a:noFill/>
+        </p:spPr>
+        <p:txBody>
+          <a:bodyPr wrap="none" rtlCol="0">
+            <a:spAutoFit/>
+          </a:bodyPr>
+          <a:lstStyle/>
+          <a:p>
+            <a:r>
+              <a:rPr lang="es-ES" dirty="0"/>
+              <a:t>El problema es que enviamos una cabecera y el servidor no la conoce</a:t>
+            </a:r>
+          </a:p>
+          <a:p>
+            <a:endParaRPr lang="es-ES" dirty="0"/>
+          </a:p>
+          <a:p>
+            <a:r>
+              <a:rPr lang="es-ES" dirty="0"/>
+              <a:t>Si lanzamos http-server –</a:t>
+            </a:r>
+            <a:r>
+              <a:rPr lang="es-ES" dirty="0" err="1"/>
+              <a:t>cors</a:t>
+            </a:r>
+            <a:r>
+              <a:rPr lang="es-ES" dirty="0"/>
+              <a:t>=id </a:t>
+            </a:r>
+          </a:p>
+          <a:p>
+            <a:r>
+              <a:rPr lang="es-ES" dirty="0"/>
+              <a:t>eliminamos el error</a:t>
+            </a:r>
+          </a:p>
+        </p:txBody>
+      </p:sp>
+    </p:spTree>
+    <p:extLst>
+      <p:ext uri="{BB962C8B-B14F-4D97-AF65-F5344CB8AC3E}">
+        <p14:creationId xmlns:p14="http://schemas.microsoft.com/office/powerpoint/2010/main" val="3156097739"/>
+      </p:ext>
+    </p:extLst>
+  </p:cSld>
+  <p:clrMapOvr>
+    <a:masterClrMapping/>
+  </p:clrMapOvr>
+</p:sld>
+</file>
+
+<file path=ppt/slides/slide31.xml><?xml version="1.0" encoding="utf-8"?>
+<p:sld xmlns:a="http://schemas.openxmlformats.org/drawingml/2006/main" xmlns:r="http://schemas.openxmlformats.org/officeDocument/2006/relationships" xmlns:p="http://schemas.openxmlformats.org/presentationml/2006/main">
+  <p:cSld>
+    <p:spTree>
+      <p:nvGrpSpPr>
+        <p:cNvPr id="1" name=""/>
+        <p:cNvGrpSpPr/>
+        <p:nvPr/>
+      </p:nvGrpSpPr>
+      <p:grpSpPr>
+        <a:xfrm>
+          <a:off x="0" y="0"/>
+          <a:ext cx="0" cy="0"/>
+          <a:chOff x="0" y="0"/>
+          <a:chExt cx="0" cy="0"/>
+        </a:xfrm>
+      </p:grpSpPr>
+      <p:sp>
+        <p:nvSpPr>
+          <p:cNvPr id="2" name="Título 1"/>
+          <p:cNvSpPr>
+            <a:spLocks noGrp="1"/>
+          </p:cNvSpPr>
+          <p:nvPr>
+            <p:ph type="title"/>
+          </p:nvPr>
+        </p:nvSpPr>
+        <p:spPr/>
+        <p:txBody>
+          <a:bodyPr/>
+          <a:lstStyle/>
+          <a:p>
+            <a:r>
+              <a:rPr lang="es-ES" dirty="0"/>
+              <a:t>Http Interceptor</a:t>
+            </a:r>
+          </a:p>
+        </p:txBody>
+      </p:sp>
+    </p:spTree>
+    <p:extLst>
+      <p:ext uri="{BB962C8B-B14F-4D97-AF65-F5344CB8AC3E}">
+        <p14:creationId xmlns:p14="http://schemas.microsoft.com/office/powerpoint/2010/main" val="4143135401"/>
       </p:ext>
     </p:extLst>
   </p:cSld>
